--- a/Documents/ppt sih.pptx
+++ b/Documents/ppt sih.pptx
@@ -1,14 +1,13 @@
 
 <file path=ppt/presentation.xml><?xml version="1.0" encoding="utf-8"?>
-<p:presentation xmlns:a="http://schemas.openxmlformats.org/drawingml/2006/main" xmlns:r="http://schemas.openxmlformats.org/officeDocument/2006/relationships" xmlns:p="http://schemas.openxmlformats.org/presentationml/2006/main" saveSubsetFonts="1">
+<p:presentation xmlns:a="http://schemas.openxmlformats.org/drawingml/2006/main" xmlns:r="http://schemas.openxmlformats.org/officeDocument/2006/relationships" xmlns:p="http://schemas.openxmlformats.org/presentationml/2006/main">
   <p:sldMasterIdLst>
     <p:sldMasterId id="2147483648" r:id="rId1"/>
   </p:sldMasterIdLst>
   <p:sldIdLst>
-    <p:sldId id="256" r:id="rId2"/>
-    <p:sldId id="258" r:id="rId3"/>
-    <p:sldId id="259" r:id="rId4"/>
-    <p:sldId id="257" r:id="rId5"/>
+    <p:sldId id="257" r:id="rId3"/>
+    <p:sldId id="258" r:id="rId4"/>
+    <p:sldId id="259" r:id="rId5"/>
   </p:sldIdLst>
   <p:sldSz cx="12192000" cy="6858000"/>
   <p:notesSz cx="6858000" cy="9144000"/>
@@ -129,13 +128,7 @@
       </p:grpSpPr>
       <p:sp>
         <p:nvSpPr>
-          <p:cNvPr id="2" name="Title 1">
-            <a:extLst>
-              <a:ext uri="{FF2B5EF4-FFF2-40B4-BE49-F238E27FC236}">
-                <a16:creationId xmlns:a16="http://schemas.microsoft.com/office/drawing/2014/main" id="{D5462658-539E-4D86-9909-C59DF9A13BEA}"/>
-              </a:ext>
-            </a:extLst>
-          </p:cNvPr>
+          <p:cNvPr id="2" name="Title 1"/>
           <p:cNvSpPr>
             <a:spLocks noGrp="1"/>
           </p:cNvSpPr>
@@ -167,13 +160,7 @@
       </p:sp>
       <p:sp>
         <p:nvSpPr>
-          <p:cNvPr id="3" name="Subtitle 2">
-            <a:extLst>
-              <a:ext uri="{FF2B5EF4-FFF2-40B4-BE49-F238E27FC236}">
-                <a16:creationId xmlns:a16="http://schemas.microsoft.com/office/drawing/2014/main" id="{C415AB09-A60D-4417-B453-51EB8E557CED}"/>
-              </a:ext>
-            </a:extLst>
-          </p:cNvPr>
+          <p:cNvPr id="3" name="Subtitle 2"/>
           <p:cNvSpPr>
             <a:spLocks noGrp="1"/>
           </p:cNvSpPr>
@@ -238,13 +225,7 @@
       </p:sp>
       <p:sp>
         <p:nvSpPr>
-          <p:cNvPr id="4" name="Date Placeholder 3">
-            <a:extLst>
-              <a:ext uri="{FF2B5EF4-FFF2-40B4-BE49-F238E27FC236}">
-                <a16:creationId xmlns:a16="http://schemas.microsoft.com/office/drawing/2014/main" id="{A6DCDF54-85A6-4759-9B5C-4FA430177284}"/>
-              </a:ext>
-            </a:extLst>
-          </p:cNvPr>
+          <p:cNvPr id="4" name="Date Placeholder 3"/>
           <p:cNvSpPr>
             <a:spLocks noGrp="1"/>
           </p:cNvSpPr>
@@ -259,7 +240,6 @@
           <a:p>
             <a:fld id="{F613E53F-5DD9-4429-8128-EA2492E7B99D}" type="datetimeFigureOut">
               <a:rPr lang="en-IN" smtClean="0"/>
-              <a:t>31-01-2020</a:t>
             </a:fld>
             <a:endParaRPr lang="en-IN"/>
           </a:p>
@@ -267,13 +247,7 @@
       </p:sp>
       <p:sp>
         <p:nvSpPr>
-          <p:cNvPr id="5" name="Footer Placeholder 4">
-            <a:extLst>
-              <a:ext uri="{FF2B5EF4-FFF2-40B4-BE49-F238E27FC236}">
-                <a16:creationId xmlns:a16="http://schemas.microsoft.com/office/drawing/2014/main" id="{9065B6EA-908E-4323-ABAC-5BC68E9B5436}"/>
-              </a:ext>
-            </a:extLst>
-          </p:cNvPr>
+          <p:cNvPr id="5" name="Footer Placeholder 4"/>
           <p:cNvSpPr>
             <a:spLocks noGrp="1"/>
           </p:cNvSpPr>
@@ -292,13 +266,7 @@
       </p:sp>
       <p:sp>
         <p:nvSpPr>
-          <p:cNvPr id="6" name="Slide Number Placeholder 5">
-            <a:extLst>
-              <a:ext uri="{FF2B5EF4-FFF2-40B4-BE49-F238E27FC236}">
-                <a16:creationId xmlns:a16="http://schemas.microsoft.com/office/drawing/2014/main" id="{22C1638D-B639-49C2-97BC-3E32137E06A1}"/>
-              </a:ext>
-            </a:extLst>
-          </p:cNvPr>
+          <p:cNvPr id="6" name="Slide Number Placeholder 5"/>
           <p:cNvSpPr>
             <a:spLocks noGrp="1"/>
           </p:cNvSpPr>
@@ -313,18 +281,12 @@
           <a:p>
             <a:fld id="{9A1E4711-60B3-4FAF-9C2A-54CAF9E6D181}" type="slidenum">
               <a:rPr lang="en-IN" smtClean="0"/>
-              <a:t>‹#›</a:t>
             </a:fld>
             <a:endParaRPr lang="en-IN"/>
           </a:p>
         </p:txBody>
       </p:sp>
     </p:spTree>
-    <p:extLst>
-      <p:ext uri="{BB962C8B-B14F-4D97-AF65-F5344CB8AC3E}">
-        <p14:creationId xmlns:p14="http://schemas.microsoft.com/office/powerpoint/2010/main" val="4182372293"/>
-      </p:ext>
-    </p:extLst>
   </p:cSld>
   <p:clrMapOvr>
     <a:masterClrMapping/>
@@ -351,13 +313,7 @@
       </p:grpSpPr>
       <p:sp>
         <p:nvSpPr>
-          <p:cNvPr id="2" name="Title 1">
-            <a:extLst>
-              <a:ext uri="{FF2B5EF4-FFF2-40B4-BE49-F238E27FC236}">
-                <a16:creationId xmlns:a16="http://schemas.microsoft.com/office/drawing/2014/main" id="{8FB4EA12-50FD-4950-B8E8-208547A8FD49}"/>
-              </a:ext>
-            </a:extLst>
-          </p:cNvPr>
+          <p:cNvPr id="2" name="Title 1"/>
           <p:cNvSpPr>
             <a:spLocks noGrp="1"/>
           </p:cNvSpPr>
@@ -380,13 +336,7 @@
       </p:sp>
       <p:sp>
         <p:nvSpPr>
-          <p:cNvPr id="3" name="Vertical Text Placeholder 2">
-            <a:extLst>
-              <a:ext uri="{FF2B5EF4-FFF2-40B4-BE49-F238E27FC236}">
-                <a16:creationId xmlns:a16="http://schemas.microsoft.com/office/drawing/2014/main" id="{514E4FFC-0D14-4FBE-BD63-ACC5C9AADF18}"/>
-              </a:ext>
-            </a:extLst>
-          </p:cNvPr>
+          <p:cNvPr id="3" name="Vertical Text Placeholder 2"/>
           <p:cNvSpPr>
             <a:spLocks noGrp="1"/>
           </p:cNvSpPr>
@@ -404,6 +354,7 @@
               <a:rPr lang="en-US"/>
               <a:t>Click to edit Master text styles</a:t>
             </a:r>
+            <a:endParaRPr lang="en-US"/>
           </a:p>
           <a:p>
             <a:pPr lvl="1"/>
@@ -411,6 +362,7 @@
               <a:rPr lang="en-US"/>
               <a:t>Second level</a:t>
             </a:r>
+            <a:endParaRPr lang="en-US"/>
           </a:p>
           <a:p>
             <a:pPr lvl="2"/>
@@ -418,6 +370,7 @@
               <a:rPr lang="en-US"/>
               <a:t>Third level</a:t>
             </a:r>
+            <a:endParaRPr lang="en-US"/>
           </a:p>
           <a:p>
             <a:pPr lvl="3"/>
@@ -425,6 +378,7 @@
               <a:rPr lang="en-US"/>
               <a:t>Fourth level</a:t>
             </a:r>
+            <a:endParaRPr lang="en-US"/>
           </a:p>
           <a:p>
             <a:pPr lvl="4"/>
@@ -438,13 +392,7 @@
       </p:sp>
       <p:sp>
         <p:nvSpPr>
-          <p:cNvPr id="4" name="Date Placeholder 3">
-            <a:extLst>
-              <a:ext uri="{FF2B5EF4-FFF2-40B4-BE49-F238E27FC236}">
-                <a16:creationId xmlns:a16="http://schemas.microsoft.com/office/drawing/2014/main" id="{D040DA76-90C9-4E5E-A158-527EB52A7E21}"/>
-              </a:ext>
-            </a:extLst>
-          </p:cNvPr>
+          <p:cNvPr id="4" name="Date Placeholder 3"/>
           <p:cNvSpPr>
             <a:spLocks noGrp="1"/>
           </p:cNvSpPr>
@@ -459,7 +407,6 @@
           <a:p>
             <a:fld id="{F613E53F-5DD9-4429-8128-EA2492E7B99D}" type="datetimeFigureOut">
               <a:rPr lang="en-IN" smtClean="0"/>
-              <a:t>31-01-2020</a:t>
             </a:fld>
             <a:endParaRPr lang="en-IN"/>
           </a:p>
@@ -467,13 +414,7 @@
       </p:sp>
       <p:sp>
         <p:nvSpPr>
-          <p:cNvPr id="5" name="Footer Placeholder 4">
-            <a:extLst>
-              <a:ext uri="{FF2B5EF4-FFF2-40B4-BE49-F238E27FC236}">
-                <a16:creationId xmlns:a16="http://schemas.microsoft.com/office/drawing/2014/main" id="{F362787D-82F6-462C-B286-8228DB633BC1}"/>
-              </a:ext>
-            </a:extLst>
-          </p:cNvPr>
+          <p:cNvPr id="5" name="Footer Placeholder 4"/>
           <p:cNvSpPr>
             <a:spLocks noGrp="1"/>
           </p:cNvSpPr>
@@ -492,13 +433,7 @@
       </p:sp>
       <p:sp>
         <p:nvSpPr>
-          <p:cNvPr id="6" name="Slide Number Placeholder 5">
-            <a:extLst>
-              <a:ext uri="{FF2B5EF4-FFF2-40B4-BE49-F238E27FC236}">
-                <a16:creationId xmlns:a16="http://schemas.microsoft.com/office/drawing/2014/main" id="{AF93A7EF-C9AD-41F4-AF34-63284E6B6994}"/>
-              </a:ext>
-            </a:extLst>
-          </p:cNvPr>
+          <p:cNvPr id="6" name="Slide Number Placeholder 5"/>
           <p:cNvSpPr>
             <a:spLocks noGrp="1"/>
           </p:cNvSpPr>
@@ -513,18 +448,12 @@
           <a:p>
             <a:fld id="{9A1E4711-60B3-4FAF-9C2A-54CAF9E6D181}" type="slidenum">
               <a:rPr lang="en-IN" smtClean="0"/>
-              <a:t>‹#›</a:t>
             </a:fld>
             <a:endParaRPr lang="en-IN"/>
           </a:p>
         </p:txBody>
       </p:sp>
     </p:spTree>
-    <p:extLst>
-      <p:ext uri="{BB962C8B-B14F-4D97-AF65-F5344CB8AC3E}">
-        <p14:creationId xmlns:p14="http://schemas.microsoft.com/office/powerpoint/2010/main" val="4099500044"/>
-      </p:ext>
-    </p:extLst>
   </p:cSld>
   <p:clrMapOvr>
     <a:masterClrMapping/>
@@ -551,13 +480,7 @@
       </p:grpSpPr>
       <p:sp>
         <p:nvSpPr>
-          <p:cNvPr id="2" name="Vertical Title 1">
-            <a:extLst>
-              <a:ext uri="{FF2B5EF4-FFF2-40B4-BE49-F238E27FC236}">
-                <a16:creationId xmlns:a16="http://schemas.microsoft.com/office/drawing/2014/main" id="{FEBAA40A-522F-4D6B-9009-0F5046C56042}"/>
-              </a:ext>
-            </a:extLst>
-          </p:cNvPr>
+          <p:cNvPr id="2" name="Vertical Title 1"/>
           <p:cNvSpPr>
             <a:spLocks noGrp="1"/>
           </p:cNvSpPr>
@@ -585,13 +508,7 @@
       </p:sp>
       <p:sp>
         <p:nvSpPr>
-          <p:cNvPr id="3" name="Vertical Text Placeholder 2">
-            <a:extLst>
-              <a:ext uri="{FF2B5EF4-FFF2-40B4-BE49-F238E27FC236}">
-                <a16:creationId xmlns:a16="http://schemas.microsoft.com/office/drawing/2014/main" id="{D737DC81-884C-40CB-BD53-7373C61BBBDD}"/>
-              </a:ext>
-            </a:extLst>
-          </p:cNvPr>
+          <p:cNvPr id="3" name="Vertical Text Placeholder 2"/>
           <p:cNvSpPr>
             <a:spLocks noGrp="1"/>
           </p:cNvSpPr>
@@ -614,6 +531,7 @@
               <a:rPr lang="en-US"/>
               <a:t>Click to edit Master text styles</a:t>
             </a:r>
+            <a:endParaRPr lang="en-US"/>
           </a:p>
           <a:p>
             <a:pPr lvl="1"/>
@@ -621,6 +539,7 @@
               <a:rPr lang="en-US"/>
               <a:t>Second level</a:t>
             </a:r>
+            <a:endParaRPr lang="en-US"/>
           </a:p>
           <a:p>
             <a:pPr lvl="2"/>
@@ -628,6 +547,7 @@
               <a:rPr lang="en-US"/>
               <a:t>Third level</a:t>
             </a:r>
+            <a:endParaRPr lang="en-US"/>
           </a:p>
           <a:p>
             <a:pPr lvl="3"/>
@@ -635,6 +555,7 @@
               <a:rPr lang="en-US"/>
               <a:t>Fourth level</a:t>
             </a:r>
+            <a:endParaRPr lang="en-US"/>
           </a:p>
           <a:p>
             <a:pPr lvl="4"/>
@@ -648,13 +569,7 @@
       </p:sp>
       <p:sp>
         <p:nvSpPr>
-          <p:cNvPr id="4" name="Date Placeholder 3">
-            <a:extLst>
-              <a:ext uri="{FF2B5EF4-FFF2-40B4-BE49-F238E27FC236}">
-                <a16:creationId xmlns:a16="http://schemas.microsoft.com/office/drawing/2014/main" id="{4B8D15D2-D0FC-4C2F-9266-3CD8EC47D7CC}"/>
-              </a:ext>
-            </a:extLst>
-          </p:cNvPr>
+          <p:cNvPr id="4" name="Date Placeholder 3"/>
           <p:cNvSpPr>
             <a:spLocks noGrp="1"/>
           </p:cNvSpPr>
@@ -669,7 +584,6 @@
           <a:p>
             <a:fld id="{F613E53F-5DD9-4429-8128-EA2492E7B99D}" type="datetimeFigureOut">
               <a:rPr lang="en-IN" smtClean="0"/>
-              <a:t>31-01-2020</a:t>
             </a:fld>
             <a:endParaRPr lang="en-IN"/>
           </a:p>
@@ -677,13 +591,7 @@
       </p:sp>
       <p:sp>
         <p:nvSpPr>
-          <p:cNvPr id="5" name="Footer Placeholder 4">
-            <a:extLst>
-              <a:ext uri="{FF2B5EF4-FFF2-40B4-BE49-F238E27FC236}">
-                <a16:creationId xmlns:a16="http://schemas.microsoft.com/office/drawing/2014/main" id="{D81D9EC5-17C2-4C33-935F-507763E2DC49}"/>
-              </a:ext>
-            </a:extLst>
-          </p:cNvPr>
+          <p:cNvPr id="5" name="Footer Placeholder 4"/>
           <p:cNvSpPr>
             <a:spLocks noGrp="1"/>
           </p:cNvSpPr>
@@ -702,13 +610,7 @@
       </p:sp>
       <p:sp>
         <p:nvSpPr>
-          <p:cNvPr id="6" name="Slide Number Placeholder 5">
-            <a:extLst>
-              <a:ext uri="{FF2B5EF4-FFF2-40B4-BE49-F238E27FC236}">
-                <a16:creationId xmlns:a16="http://schemas.microsoft.com/office/drawing/2014/main" id="{CA9DB65F-109D-4700-AB1C-AA806A7FBFE2}"/>
-              </a:ext>
-            </a:extLst>
-          </p:cNvPr>
+          <p:cNvPr id="6" name="Slide Number Placeholder 5"/>
           <p:cNvSpPr>
             <a:spLocks noGrp="1"/>
           </p:cNvSpPr>
@@ -723,18 +625,12 @@
           <a:p>
             <a:fld id="{9A1E4711-60B3-4FAF-9C2A-54CAF9E6D181}" type="slidenum">
               <a:rPr lang="en-IN" smtClean="0"/>
-              <a:t>‹#›</a:t>
             </a:fld>
             <a:endParaRPr lang="en-IN"/>
           </a:p>
         </p:txBody>
       </p:sp>
     </p:spTree>
-    <p:extLst>
-      <p:ext uri="{BB962C8B-B14F-4D97-AF65-F5344CB8AC3E}">
-        <p14:creationId xmlns:p14="http://schemas.microsoft.com/office/powerpoint/2010/main" val="3554096027"/>
-      </p:ext>
-    </p:extLst>
   </p:cSld>
   <p:clrMapOvr>
     <a:masterClrMapping/>
@@ -761,13 +657,7 @@
       </p:grpSpPr>
       <p:sp>
         <p:nvSpPr>
-          <p:cNvPr id="2" name="Title 1">
-            <a:extLst>
-              <a:ext uri="{FF2B5EF4-FFF2-40B4-BE49-F238E27FC236}">
-                <a16:creationId xmlns:a16="http://schemas.microsoft.com/office/drawing/2014/main" id="{B0FFAEAD-FCF7-4EBD-A809-9C8E0A6E2EDF}"/>
-              </a:ext>
-            </a:extLst>
-          </p:cNvPr>
+          <p:cNvPr id="2" name="Title 1"/>
           <p:cNvSpPr>
             <a:spLocks noGrp="1"/>
           </p:cNvSpPr>
@@ -790,13 +680,7 @@
       </p:sp>
       <p:sp>
         <p:nvSpPr>
-          <p:cNvPr id="3" name="Content Placeholder 2">
-            <a:extLst>
-              <a:ext uri="{FF2B5EF4-FFF2-40B4-BE49-F238E27FC236}">
-                <a16:creationId xmlns:a16="http://schemas.microsoft.com/office/drawing/2014/main" id="{04A3E892-F6CE-4448-A2EF-11656AEE9BBA}"/>
-              </a:ext>
-            </a:extLst>
-          </p:cNvPr>
+          <p:cNvPr id="3" name="Content Placeholder 2"/>
           <p:cNvSpPr>
             <a:spLocks noGrp="1"/>
           </p:cNvSpPr>
@@ -814,6 +698,7 @@
               <a:rPr lang="en-US"/>
               <a:t>Click to edit Master text styles</a:t>
             </a:r>
+            <a:endParaRPr lang="en-US"/>
           </a:p>
           <a:p>
             <a:pPr lvl="1"/>
@@ -821,6 +706,7 @@
               <a:rPr lang="en-US"/>
               <a:t>Second level</a:t>
             </a:r>
+            <a:endParaRPr lang="en-US"/>
           </a:p>
           <a:p>
             <a:pPr lvl="2"/>
@@ -828,6 +714,7 @@
               <a:rPr lang="en-US"/>
               <a:t>Third level</a:t>
             </a:r>
+            <a:endParaRPr lang="en-US"/>
           </a:p>
           <a:p>
             <a:pPr lvl="3"/>
@@ -835,6 +722,7 @@
               <a:rPr lang="en-US"/>
               <a:t>Fourth level</a:t>
             </a:r>
+            <a:endParaRPr lang="en-US"/>
           </a:p>
           <a:p>
             <a:pPr lvl="4"/>
@@ -848,13 +736,7 @@
       </p:sp>
       <p:sp>
         <p:nvSpPr>
-          <p:cNvPr id="4" name="Date Placeholder 3">
-            <a:extLst>
-              <a:ext uri="{FF2B5EF4-FFF2-40B4-BE49-F238E27FC236}">
-                <a16:creationId xmlns:a16="http://schemas.microsoft.com/office/drawing/2014/main" id="{111D324C-9444-42FF-90B9-48D73160012C}"/>
-              </a:ext>
-            </a:extLst>
-          </p:cNvPr>
+          <p:cNvPr id="4" name="Date Placeholder 3"/>
           <p:cNvSpPr>
             <a:spLocks noGrp="1"/>
           </p:cNvSpPr>
@@ -869,7 +751,6 @@
           <a:p>
             <a:fld id="{F613E53F-5DD9-4429-8128-EA2492E7B99D}" type="datetimeFigureOut">
               <a:rPr lang="en-IN" smtClean="0"/>
-              <a:t>31-01-2020</a:t>
             </a:fld>
             <a:endParaRPr lang="en-IN"/>
           </a:p>
@@ -877,13 +758,7 @@
       </p:sp>
       <p:sp>
         <p:nvSpPr>
-          <p:cNvPr id="5" name="Footer Placeholder 4">
-            <a:extLst>
-              <a:ext uri="{FF2B5EF4-FFF2-40B4-BE49-F238E27FC236}">
-                <a16:creationId xmlns:a16="http://schemas.microsoft.com/office/drawing/2014/main" id="{F1C8D797-09B7-45F1-876B-67339F552D97}"/>
-              </a:ext>
-            </a:extLst>
-          </p:cNvPr>
+          <p:cNvPr id="5" name="Footer Placeholder 4"/>
           <p:cNvSpPr>
             <a:spLocks noGrp="1"/>
           </p:cNvSpPr>
@@ -902,13 +777,7 @@
       </p:sp>
       <p:sp>
         <p:nvSpPr>
-          <p:cNvPr id="6" name="Slide Number Placeholder 5">
-            <a:extLst>
-              <a:ext uri="{FF2B5EF4-FFF2-40B4-BE49-F238E27FC236}">
-                <a16:creationId xmlns:a16="http://schemas.microsoft.com/office/drawing/2014/main" id="{DE4FED3A-503C-4CA1-8F39-F1C530FF744C}"/>
-              </a:ext>
-            </a:extLst>
-          </p:cNvPr>
+          <p:cNvPr id="6" name="Slide Number Placeholder 5"/>
           <p:cNvSpPr>
             <a:spLocks noGrp="1"/>
           </p:cNvSpPr>
@@ -923,18 +792,12 @@
           <a:p>
             <a:fld id="{9A1E4711-60B3-4FAF-9C2A-54CAF9E6D181}" type="slidenum">
               <a:rPr lang="en-IN" smtClean="0"/>
-              <a:t>‹#›</a:t>
             </a:fld>
             <a:endParaRPr lang="en-IN"/>
           </a:p>
         </p:txBody>
       </p:sp>
     </p:spTree>
-    <p:extLst>
-      <p:ext uri="{BB962C8B-B14F-4D97-AF65-F5344CB8AC3E}">
-        <p14:creationId xmlns:p14="http://schemas.microsoft.com/office/powerpoint/2010/main" val="3284505212"/>
-      </p:ext>
-    </p:extLst>
   </p:cSld>
   <p:clrMapOvr>
     <a:masterClrMapping/>
@@ -961,13 +824,7 @@
       </p:grpSpPr>
       <p:sp>
         <p:nvSpPr>
-          <p:cNvPr id="2" name="Title 1">
-            <a:extLst>
-              <a:ext uri="{FF2B5EF4-FFF2-40B4-BE49-F238E27FC236}">
-                <a16:creationId xmlns:a16="http://schemas.microsoft.com/office/drawing/2014/main" id="{C13470E0-A248-42B2-9E95-815DA6F755B9}"/>
-              </a:ext>
-            </a:extLst>
-          </p:cNvPr>
+          <p:cNvPr id="2" name="Title 1"/>
           <p:cNvSpPr>
             <a:spLocks noGrp="1"/>
           </p:cNvSpPr>
@@ -999,13 +856,7 @@
       </p:sp>
       <p:sp>
         <p:nvSpPr>
-          <p:cNvPr id="3" name="Text Placeholder 2">
-            <a:extLst>
-              <a:ext uri="{FF2B5EF4-FFF2-40B4-BE49-F238E27FC236}">
-                <a16:creationId xmlns:a16="http://schemas.microsoft.com/office/drawing/2014/main" id="{DF7E3D88-1F54-4CCC-A19D-DC655560E237}"/>
-              </a:ext>
-            </a:extLst>
-          </p:cNvPr>
+          <p:cNvPr id="3" name="Text Placeholder 2"/>
           <p:cNvSpPr>
             <a:spLocks noGrp="1"/>
           </p:cNvSpPr>
@@ -1119,18 +970,13 @@
               <a:rPr lang="en-US"/>
               <a:t>Click to edit Master text styles</a:t>
             </a:r>
-          </a:p>
-        </p:txBody>
-      </p:sp>
-      <p:sp>
-        <p:nvSpPr>
-          <p:cNvPr id="4" name="Date Placeholder 3">
-            <a:extLst>
-              <a:ext uri="{FF2B5EF4-FFF2-40B4-BE49-F238E27FC236}">
-                <a16:creationId xmlns:a16="http://schemas.microsoft.com/office/drawing/2014/main" id="{185DD671-4DA3-4CF6-8067-33602AD63881}"/>
-              </a:ext>
-            </a:extLst>
-          </p:cNvPr>
+            <a:endParaRPr lang="en-US"/>
+          </a:p>
+        </p:txBody>
+      </p:sp>
+      <p:sp>
+        <p:nvSpPr>
+          <p:cNvPr id="4" name="Date Placeholder 3"/>
           <p:cNvSpPr>
             <a:spLocks noGrp="1"/>
           </p:cNvSpPr>
@@ -1145,7 +991,6 @@
           <a:p>
             <a:fld id="{F613E53F-5DD9-4429-8128-EA2492E7B99D}" type="datetimeFigureOut">
               <a:rPr lang="en-IN" smtClean="0"/>
-              <a:t>31-01-2020</a:t>
             </a:fld>
             <a:endParaRPr lang="en-IN"/>
           </a:p>
@@ -1153,13 +998,7 @@
       </p:sp>
       <p:sp>
         <p:nvSpPr>
-          <p:cNvPr id="5" name="Footer Placeholder 4">
-            <a:extLst>
-              <a:ext uri="{FF2B5EF4-FFF2-40B4-BE49-F238E27FC236}">
-                <a16:creationId xmlns:a16="http://schemas.microsoft.com/office/drawing/2014/main" id="{669FC3AD-CEB2-4C35-840A-3097368E0388}"/>
-              </a:ext>
-            </a:extLst>
-          </p:cNvPr>
+          <p:cNvPr id="5" name="Footer Placeholder 4"/>
           <p:cNvSpPr>
             <a:spLocks noGrp="1"/>
           </p:cNvSpPr>
@@ -1178,13 +1017,7 @@
       </p:sp>
       <p:sp>
         <p:nvSpPr>
-          <p:cNvPr id="6" name="Slide Number Placeholder 5">
-            <a:extLst>
-              <a:ext uri="{FF2B5EF4-FFF2-40B4-BE49-F238E27FC236}">
-                <a16:creationId xmlns:a16="http://schemas.microsoft.com/office/drawing/2014/main" id="{DDD357AD-1C7B-4F15-8760-D94C7E8BD296}"/>
-              </a:ext>
-            </a:extLst>
-          </p:cNvPr>
+          <p:cNvPr id="6" name="Slide Number Placeholder 5"/>
           <p:cNvSpPr>
             <a:spLocks noGrp="1"/>
           </p:cNvSpPr>
@@ -1199,18 +1032,12 @@
           <a:p>
             <a:fld id="{9A1E4711-60B3-4FAF-9C2A-54CAF9E6D181}" type="slidenum">
               <a:rPr lang="en-IN" smtClean="0"/>
-              <a:t>‹#›</a:t>
             </a:fld>
             <a:endParaRPr lang="en-IN"/>
           </a:p>
         </p:txBody>
       </p:sp>
     </p:spTree>
-    <p:extLst>
-      <p:ext uri="{BB962C8B-B14F-4D97-AF65-F5344CB8AC3E}">
-        <p14:creationId xmlns:p14="http://schemas.microsoft.com/office/powerpoint/2010/main" val="486726343"/>
-      </p:ext>
-    </p:extLst>
   </p:cSld>
   <p:clrMapOvr>
     <a:masterClrMapping/>
@@ -1237,13 +1064,7 @@
       </p:grpSpPr>
       <p:sp>
         <p:nvSpPr>
-          <p:cNvPr id="2" name="Title 1">
-            <a:extLst>
-              <a:ext uri="{FF2B5EF4-FFF2-40B4-BE49-F238E27FC236}">
-                <a16:creationId xmlns:a16="http://schemas.microsoft.com/office/drawing/2014/main" id="{C8FA7FF4-0C8C-41B6-A091-F9002E00D18E}"/>
-              </a:ext>
-            </a:extLst>
-          </p:cNvPr>
+          <p:cNvPr id="2" name="Title 1"/>
           <p:cNvSpPr>
             <a:spLocks noGrp="1"/>
           </p:cNvSpPr>
@@ -1266,13 +1087,7 @@
       </p:sp>
       <p:sp>
         <p:nvSpPr>
-          <p:cNvPr id="3" name="Content Placeholder 2">
-            <a:extLst>
-              <a:ext uri="{FF2B5EF4-FFF2-40B4-BE49-F238E27FC236}">
-                <a16:creationId xmlns:a16="http://schemas.microsoft.com/office/drawing/2014/main" id="{EDBE4B79-78BC-495D-94DC-7F44CBA499F6}"/>
-              </a:ext>
-            </a:extLst>
-          </p:cNvPr>
+          <p:cNvPr id="3" name="Content Placeholder 2"/>
           <p:cNvSpPr>
             <a:spLocks noGrp="1"/>
           </p:cNvSpPr>
@@ -1295,6 +1110,7 @@
               <a:rPr lang="en-US"/>
               <a:t>Click to edit Master text styles</a:t>
             </a:r>
+            <a:endParaRPr lang="en-US"/>
           </a:p>
           <a:p>
             <a:pPr lvl="1"/>
@@ -1302,6 +1118,7 @@
               <a:rPr lang="en-US"/>
               <a:t>Second level</a:t>
             </a:r>
+            <a:endParaRPr lang="en-US"/>
           </a:p>
           <a:p>
             <a:pPr lvl="2"/>
@@ -1309,6 +1126,7 @@
               <a:rPr lang="en-US"/>
               <a:t>Third level</a:t>
             </a:r>
+            <a:endParaRPr lang="en-US"/>
           </a:p>
           <a:p>
             <a:pPr lvl="3"/>
@@ -1316,6 +1134,7 @@
               <a:rPr lang="en-US"/>
               <a:t>Fourth level</a:t>
             </a:r>
+            <a:endParaRPr lang="en-US"/>
           </a:p>
           <a:p>
             <a:pPr lvl="4"/>
@@ -1329,13 +1148,7 @@
       </p:sp>
       <p:sp>
         <p:nvSpPr>
-          <p:cNvPr id="4" name="Content Placeholder 3">
-            <a:extLst>
-              <a:ext uri="{FF2B5EF4-FFF2-40B4-BE49-F238E27FC236}">
-                <a16:creationId xmlns:a16="http://schemas.microsoft.com/office/drawing/2014/main" id="{DB8CAE8B-B4E5-4D8B-BBAE-7715D39EAA2F}"/>
-              </a:ext>
-            </a:extLst>
-          </p:cNvPr>
+          <p:cNvPr id="4" name="Content Placeholder 3"/>
           <p:cNvSpPr>
             <a:spLocks noGrp="1"/>
           </p:cNvSpPr>
@@ -1358,6 +1171,7 @@
               <a:rPr lang="en-US"/>
               <a:t>Click to edit Master text styles</a:t>
             </a:r>
+            <a:endParaRPr lang="en-US"/>
           </a:p>
           <a:p>
             <a:pPr lvl="1"/>
@@ -1365,6 +1179,7 @@
               <a:rPr lang="en-US"/>
               <a:t>Second level</a:t>
             </a:r>
+            <a:endParaRPr lang="en-US"/>
           </a:p>
           <a:p>
             <a:pPr lvl="2"/>
@@ -1372,6 +1187,7 @@
               <a:rPr lang="en-US"/>
               <a:t>Third level</a:t>
             </a:r>
+            <a:endParaRPr lang="en-US"/>
           </a:p>
           <a:p>
             <a:pPr lvl="3"/>
@@ -1379,6 +1195,7 @@
               <a:rPr lang="en-US"/>
               <a:t>Fourth level</a:t>
             </a:r>
+            <a:endParaRPr lang="en-US"/>
           </a:p>
           <a:p>
             <a:pPr lvl="4"/>
@@ -1392,13 +1209,7 @@
       </p:sp>
       <p:sp>
         <p:nvSpPr>
-          <p:cNvPr id="5" name="Date Placeholder 4">
-            <a:extLst>
-              <a:ext uri="{FF2B5EF4-FFF2-40B4-BE49-F238E27FC236}">
-                <a16:creationId xmlns:a16="http://schemas.microsoft.com/office/drawing/2014/main" id="{9BEA3CD1-D967-47C3-A2AE-9B567770FC2D}"/>
-              </a:ext>
-            </a:extLst>
-          </p:cNvPr>
+          <p:cNvPr id="5" name="Date Placeholder 4"/>
           <p:cNvSpPr>
             <a:spLocks noGrp="1"/>
           </p:cNvSpPr>
@@ -1413,7 +1224,6 @@
           <a:p>
             <a:fld id="{F613E53F-5DD9-4429-8128-EA2492E7B99D}" type="datetimeFigureOut">
               <a:rPr lang="en-IN" smtClean="0"/>
-              <a:t>31-01-2020</a:t>
             </a:fld>
             <a:endParaRPr lang="en-IN"/>
           </a:p>
@@ -1421,13 +1231,7 @@
       </p:sp>
       <p:sp>
         <p:nvSpPr>
-          <p:cNvPr id="6" name="Footer Placeholder 5">
-            <a:extLst>
-              <a:ext uri="{FF2B5EF4-FFF2-40B4-BE49-F238E27FC236}">
-                <a16:creationId xmlns:a16="http://schemas.microsoft.com/office/drawing/2014/main" id="{AFC63EAE-6150-4697-A087-EB9BEED6D423}"/>
-              </a:ext>
-            </a:extLst>
-          </p:cNvPr>
+          <p:cNvPr id="6" name="Footer Placeholder 5"/>
           <p:cNvSpPr>
             <a:spLocks noGrp="1"/>
           </p:cNvSpPr>
@@ -1446,13 +1250,7 @@
       </p:sp>
       <p:sp>
         <p:nvSpPr>
-          <p:cNvPr id="7" name="Slide Number Placeholder 6">
-            <a:extLst>
-              <a:ext uri="{FF2B5EF4-FFF2-40B4-BE49-F238E27FC236}">
-                <a16:creationId xmlns:a16="http://schemas.microsoft.com/office/drawing/2014/main" id="{D6807565-3A03-4817-866A-7DD8CB363C76}"/>
-              </a:ext>
-            </a:extLst>
-          </p:cNvPr>
+          <p:cNvPr id="7" name="Slide Number Placeholder 6"/>
           <p:cNvSpPr>
             <a:spLocks noGrp="1"/>
           </p:cNvSpPr>
@@ -1467,18 +1265,12 @@
           <a:p>
             <a:fld id="{9A1E4711-60B3-4FAF-9C2A-54CAF9E6D181}" type="slidenum">
               <a:rPr lang="en-IN" smtClean="0"/>
-              <a:t>‹#›</a:t>
             </a:fld>
             <a:endParaRPr lang="en-IN"/>
           </a:p>
         </p:txBody>
       </p:sp>
     </p:spTree>
-    <p:extLst>
-      <p:ext uri="{BB962C8B-B14F-4D97-AF65-F5344CB8AC3E}">
-        <p14:creationId xmlns:p14="http://schemas.microsoft.com/office/powerpoint/2010/main" val="1097098211"/>
-      </p:ext>
-    </p:extLst>
   </p:cSld>
   <p:clrMapOvr>
     <a:masterClrMapping/>
@@ -1505,13 +1297,7 @@
       </p:grpSpPr>
       <p:sp>
         <p:nvSpPr>
-          <p:cNvPr id="2" name="Title 1">
-            <a:extLst>
-              <a:ext uri="{FF2B5EF4-FFF2-40B4-BE49-F238E27FC236}">
-                <a16:creationId xmlns:a16="http://schemas.microsoft.com/office/drawing/2014/main" id="{49689939-54B5-4AC4-A682-009AF0692730}"/>
-              </a:ext>
-            </a:extLst>
-          </p:cNvPr>
+          <p:cNvPr id="2" name="Title 1"/>
           <p:cNvSpPr>
             <a:spLocks noGrp="1"/>
           </p:cNvSpPr>
@@ -1539,13 +1325,7 @@
       </p:sp>
       <p:sp>
         <p:nvSpPr>
-          <p:cNvPr id="3" name="Text Placeholder 2">
-            <a:extLst>
-              <a:ext uri="{FF2B5EF4-FFF2-40B4-BE49-F238E27FC236}">
-                <a16:creationId xmlns:a16="http://schemas.microsoft.com/office/drawing/2014/main" id="{ABD1AFBB-AC19-4C00-B2C9-66AF7CD41A68}"/>
-              </a:ext>
-            </a:extLst>
-          </p:cNvPr>
+          <p:cNvPr id="3" name="Text Placeholder 2"/>
           <p:cNvSpPr>
             <a:spLocks noGrp="1"/>
           </p:cNvSpPr>
@@ -1605,18 +1385,13 @@
               <a:rPr lang="en-US"/>
               <a:t>Click to edit Master text styles</a:t>
             </a:r>
-          </a:p>
-        </p:txBody>
-      </p:sp>
-      <p:sp>
-        <p:nvSpPr>
-          <p:cNvPr id="4" name="Content Placeholder 3">
-            <a:extLst>
-              <a:ext uri="{FF2B5EF4-FFF2-40B4-BE49-F238E27FC236}">
-                <a16:creationId xmlns:a16="http://schemas.microsoft.com/office/drawing/2014/main" id="{6D7B8A80-A9CC-48AD-9453-33E0006ECA0E}"/>
-              </a:ext>
-            </a:extLst>
-          </p:cNvPr>
+            <a:endParaRPr lang="en-US"/>
+          </a:p>
+        </p:txBody>
+      </p:sp>
+      <p:sp>
+        <p:nvSpPr>
+          <p:cNvPr id="4" name="Content Placeholder 3"/>
           <p:cNvSpPr>
             <a:spLocks noGrp="1"/>
           </p:cNvSpPr>
@@ -1639,6 +1414,7 @@
               <a:rPr lang="en-US"/>
               <a:t>Click to edit Master text styles</a:t>
             </a:r>
+            <a:endParaRPr lang="en-US"/>
           </a:p>
           <a:p>
             <a:pPr lvl="1"/>
@@ -1646,6 +1422,7 @@
               <a:rPr lang="en-US"/>
               <a:t>Second level</a:t>
             </a:r>
+            <a:endParaRPr lang="en-US"/>
           </a:p>
           <a:p>
             <a:pPr lvl="2"/>
@@ -1653,6 +1430,7 @@
               <a:rPr lang="en-US"/>
               <a:t>Third level</a:t>
             </a:r>
+            <a:endParaRPr lang="en-US"/>
           </a:p>
           <a:p>
             <a:pPr lvl="3"/>
@@ -1660,6 +1438,7 @@
               <a:rPr lang="en-US"/>
               <a:t>Fourth level</a:t>
             </a:r>
+            <a:endParaRPr lang="en-US"/>
           </a:p>
           <a:p>
             <a:pPr lvl="4"/>
@@ -1673,13 +1452,7 @@
       </p:sp>
       <p:sp>
         <p:nvSpPr>
-          <p:cNvPr id="5" name="Text Placeholder 4">
-            <a:extLst>
-              <a:ext uri="{FF2B5EF4-FFF2-40B4-BE49-F238E27FC236}">
-                <a16:creationId xmlns:a16="http://schemas.microsoft.com/office/drawing/2014/main" id="{E8CCB7F0-17EA-48DE-B417-6033B0832FD0}"/>
-              </a:ext>
-            </a:extLst>
-          </p:cNvPr>
+          <p:cNvPr id="5" name="Text Placeholder 4"/>
           <p:cNvSpPr>
             <a:spLocks noGrp="1"/>
           </p:cNvSpPr>
@@ -1739,18 +1512,13 @@
               <a:rPr lang="en-US"/>
               <a:t>Click to edit Master text styles</a:t>
             </a:r>
-          </a:p>
-        </p:txBody>
-      </p:sp>
-      <p:sp>
-        <p:nvSpPr>
-          <p:cNvPr id="6" name="Content Placeholder 5">
-            <a:extLst>
-              <a:ext uri="{FF2B5EF4-FFF2-40B4-BE49-F238E27FC236}">
-                <a16:creationId xmlns:a16="http://schemas.microsoft.com/office/drawing/2014/main" id="{DE2E7DCC-A119-4E39-BB44-D5F052FD76F5}"/>
-              </a:ext>
-            </a:extLst>
-          </p:cNvPr>
+            <a:endParaRPr lang="en-US"/>
+          </a:p>
+        </p:txBody>
+      </p:sp>
+      <p:sp>
+        <p:nvSpPr>
+          <p:cNvPr id="6" name="Content Placeholder 5"/>
           <p:cNvSpPr>
             <a:spLocks noGrp="1"/>
           </p:cNvSpPr>
@@ -1773,6 +1541,7 @@
               <a:rPr lang="en-US"/>
               <a:t>Click to edit Master text styles</a:t>
             </a:r>
+            <a:endParaRPr lang="en-US"/>
           </a:p>
           <a:p>
             <a:pPr lvl="1"/>
@@ -1780,6 +1549,7 @@
               <a:rPr lang="en-US"/>
               <a:t>Second level</a:t>
             </a:r>
+            <a:endParaRPr lang="en-US"/>
           </a:p>
           <a:p>
             <a:pPr lvl="2"/>
@@ -1787,6 +1557,7 @@
               <a:rPr lang="en-US"/>
               <a:t>Third level</a:t>
             </a:r>
+            <a:endParaRPr lang="en-US"/>
           </a:p>
           <a:p>
             <a:pPr lvl="3"/>
@@ -1794,6 +1565,7 @@
               <a:rPr lang="en-US"/>
               <a:t>Fourth level</a:t>
             </a:r>
+            <a:endParaRPr lang="en-US"/>
           </a:p>
           <a:p>
             <a:pPr lvl="4"/>
@@ -1807,13 +1579,7 @@
       </p:sp>
       <p:sp>
         <p:nvSpPr>
-          <p:cNvPr id="7" name="Date Placeholder 6">
-            <a:extLst>
-              <a:ext uri="{FF2B5EF4-FFF2-40B4-BE49-F238E27FC236}">
-                <a16:creationId xmlns:a16="http://schemas.microsoft.com/office/drawing/2014/main" id="{60B117CF-A974-4E71-9FEA-4BF1A847F440}"/>
-              </a:ext>
-            </a:extLst>
-          </p:cNvPr>
+          <p:cNvPr id="7" name="Date Placeholder 6"/>
           <p:cNvSpPr>
             <a:spLocks noGrp="1"/>
           </p:cNvSpPr>
@@ -1828,7 +1594,6 @@
           <a:p>
             <a:fld id="{F613E53F-5DD9-4429-8128-EA2492E7B99D}" type="datetimeFigureOut">
               <a:rPr lang="en-IN" smtClean="0"/>
-              <a:t>31-01-2020</a:t>
             </a:fld>
             <a:endParaRPr lang="en-IN"/>
           </a:p>
@@ -1836,13 +1601,7 @@
       </p:sp>
       <p:sp>
         <p:nvSpPr>
-          <p:cNvPr id="8" name="Footer Placeholder 7">
-            <a:extLst>
-              <a:ext uri="{FF2B5EF4-FFF2-40B4-BE49-F238E27FC236}">
-                <a16:creationId xmlns:a16="http://schemas.microsoft.com/office/drawing/2014/main" id="{BA6DAFF9-1002-406B-8E28-E457D5A14A18}"/>
-              </a:ext>
-            </a:extLst>
-          </p:cNvPr>
+          <p:cNvPr id="8" name="Footer Placeholder 7"/>
           <p:cNvSpPr>
             <a:spLocks noGrp="1"/>
           </p:cNvSpPr>
@@ -1861,13 +1620,7 @@
       </p:sp>
       <p:sp>
         <p:nvSpPr>
-          <p:cNvPr id="9" name="Slide Number Placeholder 8">
-            <a:extLst>
-              <a:ext uri="{FF2B5EF4-FFF2-40B4-BE49-F238E27FC236}">
-                <a16:creationId xmlns:a16="http://schemas.microsoft.com/office/drawing/2014/main" id="{A8D8DBFF-557F-49E0-8332-4C70B65F91EE}"/>
-              </a:ext>
-            </a:extLst>
-          </p:cNvPr>
+          <p:cNvPr id="9" name="Slide Number Placeholder 8"/>
           <p:cNvSpPr>
             <a:spLocks noGrp="1"/>
           </p:cNvSpPr>
@@ -1882,18 +1635,12 @@
           <a:p>
             <a:fld id="{9A1E4711-60B3-4FAF-9C2A-54CAF9E6D181}" type="slidenum">
               <a:rPr lang="en-IN" smtClean="0"/>
-              <a:t>‹#›</a:t>
             </a:fld>
             <a:endParaRPr lang="en-IN"/>
           </a:p>
         </p:txBody>
       </p:sp>
     </p:spTree>
-    <p:extLst>
-      <p:ext uri="{BB962C8B-B14F-4D97-AF65-F5344CB8AC3E}">
-        <p14:creationId xmlns:p14="http://schemas.microsoft.com/office/powerpoint/2010/main" val="1948803604"/>
-      </p:ext>
-    </p:extLst>
   </p:cSld>
   <p:clrMapOvr>
     <a:masterClrMapping/>
@@ -1920,13 +1667,7 @@
       </p:grpSpPr>
       <p:sp>
         <p:nvSpPr>
-          <p:cNvPr id="2" name="Title 1">
-            <a:extLst>
-              <a:ext uri="{FF2B5EF4-FFF2-40B4-BE49-F238E27FC236}">
-                <a16:creationId xmlns:a16="http://schemas.microsoft.com/office/drawing/2014/main" id="{03BC072D-79C2-46A2-906C-14566B87CC26}"/>
-              </a:ext>
-            </a:extLst>
-          </p:cNvPr>
+          <p:cNvPr id="2" name="Title 1"/>
           <p:cNvSpPr>
             <a:spLocks noGrp="1"/>
           </p:cNvSpPr>
@@ -1949,13 +1690,7 @@
       </p:sp>
       <p:sp>
         <p:nvSpPr>
-          <p:cNvPr id="3" name="Date Placeholder 2">
-            <a:extLst>
-              <a:ext uri="{FF2B5EF4-FFF2-40B4-BE49-F238E27FC236}">
-                <a16:creationId xmlns:a16="http://schemas.microsoft.com/office/drawing/2014/main" id="{47B3D7F0-A248-429A-832F-3ED08749F3DE}"/>
-              </a:ext>
-            </a:extLst>
-          </p:cNvPr>
+          <p:cNvPr id="3" name="Date Placeholder 2"/>
           <p:cNvSpPr>
             <a:spLocks noGrp="1"/>
           </p:cNvSpPr>
@@ -1970,7 +1705,6 @@
           <a:p>
             <a:fld id="{F613E53F-5DD9-4429-8128-EA2492E7B99D}" type="datetimeFigureOut">
               <a:rPr lang="en-IN" smtClean="0"/>
-              <a:t>31-01-2020</a:t>
             </a:fld>
             <a:endParaRPr lang="en-IN"/>
           </a:p>
@@ -1978,13 +1712,7 @@
       </p:sp>
       <p:sp>
         <p:nvSpPr>
-          <p:cNvPr id="4" name="Footer Placeholder 3">
-            <a:extLst>
-              <a:ext uri="{FF2B5EF4-FFF2-40B4-BE49-F238E27FC236}">
-                <a16:creationId xmlns:a16="http://schemas.microsoft.com/office/drawing/2014/main" id="{F2056876-AA61-440F-93FC-09C78C1BC8EF}"/>
-              </a:ext>
-            </a:extLst>
-          </p:cNvPr>
+          <p:cNvPr id="4" name="Footer Placeholder 3"/>
           <p:cNvSpPr>
             <a:spLocks noGrp="1"/>
           </p:cNvSpPr>
@@ -2003,13 +1731,7 @@
       </p:sp>
       <p:sp>
         <p:nvSpPr>
-          <p:cNvPr id="5" name="Slide Number Placeholder 4">
-            <a:extLst>
-              <a:ext uri="{FF2B5EF4-FFF2-40B4-BE49-F238E27FC236}">
-                <a16:creationId xmlns:a16="http://schemas.microsoft.com/office/drawing/2014/main" id="{F0344CD7-D319-4A5F-80E5-DD28F16880C1}"/>
-              </a:ext>
-            </a:extLst>
-          </p:cNvPr>
+          <p:cNvPr id="5" name="Slide Number Placeholder 4"/>
           <p:cNvSpPr>
             <a:spLocks noGrp="1"/>
           </p:cNvSpPr>
@@ -2024,18 +1746,12 @@
           <a:p>
             <a:fld id="{9A1E4711-60B3-4FAF-9C2A-54CAF9E6D181}" type="slidenum">
               <a:rPr lang="en-IN" smtClean="0"/>
-              <a:t>‹#›</a:t>
             </a:fld>
             <a:endParaRPr lang="en-IN"/>
           </a:p>
         </p:txBody>
       </p:sp>
     </p:spTree>
-    <p:extLst>
-      <p:ext uri="{BB962C8B-B14F-4D97-AF65-F5344CB8AC3E}">
-        <p14:creationId xmlns:p14="http://schemas.microsoft.com/office/powerpoint/2010/main" val="366597623"/>
-      </p:ext>
-    </p:extLst>
   </p:cSld>
   <p:clrMapOvr>
     <a:masterClrMapping/>
@@ -2062,13 +1778,7 @@
       </p:grpSpPr>
       <p:sp>
         <p:nvSpPr>
-          <p:cNvPr id="2" name="Date Placeholder 1">
-            <a:extLst>
-              <a:ext uri="{FF2B5EF4-FFF2-40B4-BE49-F238E27FC236}">
-                <a16:creationId xmlns:a16="http://schemas.microsoft.com/office/drawing/2014/main" id="{CA19C476-3E79-493C-8F3A-41EBFCE0CCAA}"/>
-              </a:ext>
-            </a:extLst>
-          </p:cNvPr>
+          <p:cNvPr id="2" name="Date Placeholder 1"/>
           <p:cNvSpPr>
             <a:spLocks noGrp="1"/>
           </p:cNvSpPr>
@@ -2083,7 +1793,6 @@
           <a:p>
             <a:fld id="{F613E53F-5DD9-4429-8128-EA2492E7B99D}" type="datetimeFigureOut">
               <a:rPr lang="en-IN" smtClean="0"/>
-              <a:t>31-01-2020</a:t>
             </a:fld>
             <a:endParaRPr lang="en-IN"/>
           </a:p>
@@ -2091,13 +1800,7 @@
       </p:sp>
       <p:sp>
         <p:nvSpPr>
-          <p:cNvPr id="3" name="Footer Placeholder 2">
-            <a:extLst>
-              <a:ext uri="{FF2B5EF4-FFF2-40B4-BE49-F238E27FC236}">
-                <a16:creationId xmlns:a16="http://schemas.microsoft.com/office/drawing/2014/main" id="{B2F28F5A-F7E6-4445-B65A-AC4F34B897D6}"/>
-              </a:ext>
-            </a:extLst>
-          </p:cNvPr>
+          <p:cNvPr id="3" name="Footer Placeholder 2"/>
           <p:cNvSpPr>
             <a:spLocks noGrp="1"/>
           </p:cNvSpPr>
@@ -2116,13 +1819,7 @@
       </p:sp>
       <p:sp>
         <p:nvSpPr>
-          <p:cNvPr id="4" name="Slide Number Placeholder 3">
-            <a:extLst>
-              <a:ext uri="{FF2B5EF4-FFF2-40B4-BE49-F238E27FC236}">
-                <a16:creationId xmlns:a16="http://schemas.microsoft.com/office/drawing/2014/main" id="{6B7DACB9-2D66-4C32-8E4E-05C33D023732}"/>
-              </a:ext>
-            </a:extLst>
-          </p:cNvPr>
+          <p:cNvPr id="4" name="Slide Number Placeholder 3"/>
           <p:cNvSpPr>
             <a:spLocks noGrp="1"/>
           </p:cNvSpPr>
@@ -2137,18 +1834,12 @@
           <a:p>
             <a:fld id="{9A1E4711-60B3-4FAF-9C2A-54CAF9E6D181}" type="slidenum">
               <a:rPr lang="en-IN" smtClean="0"/>
-              <a:t>‹#›</a:t>
             </a:fld>
             <a:endParaRPr lang="en-IN"/>
           </a:p>
         </p:txBody>
       </p:sp>
     </p:spTree>
-    <p:extLst>
-      <p:ext uri="{BB962C8B-B14F-4D97-AF65-F5344CB8AC3E}">
-        <p14:creationId xmlns:p14="http://schemas.microsoft.com/office/powerpoint/2010/main" val="3600434034"/>
-      </p:ext>
-    </p:extLst>
   </p:cSld>
   <p:clrMapOvr>
     <a:masterClrMapping/>
@@ -2175,13 +1866,7 @@
       </p:grpSpPr>
       <p:sp>
         <p:nvSpPr>
-          <p:cNvPr id="2" name="Title 1">
-            <a:extLst>
-              <a:ext uri="{FF2B5EF4-FFF2-40B4-BE49-F238E27FC236}">
-                <a16:creationId xmlns:a16="http://schemas.microsoft.com/office/drawing/2014/main" id="{725759FB-71F8-479F-B409-33A70F193E24}"/>
-              </a:ext>
-            </a:extLst>
-          </p:cNvPr>
+          <p:cNvPr id="2" name="Title 1"/>
           <p:cNvSpPr>
             <a:spLocks noGrp="1"/>
           </p:cNvSpPr>
@@ -2213,13 +1898,7 @@
       </p:sp>
       <p:sp>
         <p:nvSpPr>
-          <p:cNvPr id="3" name="Content Placeholder 2">
-            <a:extLst>
-              <a:ext uri="{FF2B5EF4-FFF2-40B4-BE49-F238E27FC236}">
-                <a16:creationId xmlns:a16="http://schemas.microsoft.com/office/drawing/2014/main" id="{AD915BD0-91BA-41AE-AA6B-90160CBC4711}"/>
-              </a:ext>
-            </a:extLst>
-          </p:cNvPr>
+          <p:cNvPr id="3" name="Content Placeholder 2"/>
           <p:cNvSpPr>
             <a:spLocks noGrp="1"/>
           </p:cNvSpPr>
@@ -2270,6 +1949,7 @@
               <a:rPr lang="en-US"/>
               <a:t>Click to edit Master text styles</a:t>
             </a:r>
+            <a:endParaRPr lang="en-US"/>
           </a:p>
           <a:p>
             <a:pPr lvl="1"/>
@@ -2277,6 +1957,7 @@
               <a:rPr lang="en-US"/>
               <a:t>Second level</a:t>
             </a:r>
+            <a:endParaRPr lang="en-US"/>
           </a:p>
           <a:p>
             <a:pPr lvl="2"/>
@@ -2284,6 +1965,7 @@
               <a:rPr lang="en-US"/>
               <a:t>Third level</a:t>
             </a:r>
+            <a:endParaRPr lang="en-US"/>
           </a:p>
           <a:p>
             <a:pPr lvl="3"/>
@@ -2291,6 +1973,7 @@
               <a:rPr lang="en-US"/>
               <a:t>Fourth level</a:t>
             </a:r>
+            <a:endParaRPr lang="en-US"/>
           </a:p>
           <a:p>
             <a:pPr lvl="4"/>
@@ -2304,13 +1987,7 @@
       </p:sp>
       <p:sp>
         <p:nvSpPr>
-          <p:cNvPr id="4" name="Text Placeholder 3">
-            <a:extLst>
-              <a:ext uri="{FF2B5EF4-FFF2-40B4-BE49-F238E27FC236}">
-                <a16:creationId xmlns:a16="http://schemas.microsoft.com/office/drawing/2014/main" id="{EDDF1BCE-C9C6-4311-B4C2-4CD35284E7E5}"/>
-              </a:ext>
-            </a:extLst>
-          </p:cNvPr>
+          <p:cNvPr id="4" name="Text Placeholder 3"/>
           <p:cNvSpPr>
             <a:spLocks noGrp="1"/>
           </p:cNvSpPr>
@@ -2370,18 +2047,13 @@
               <a:rPr lang="en-US"/>
               <a:t>Click to edit Master text styles</a:t>
             </a:r>
-          </a:p>
-        </p:txBody>
-      </p:sp>
-      <p:sp>
-        <p:nvSpPr>
-          <p:cNvPr id="5" name="Date Placeholder 4">
-            <a:extLst>
-              <a:ext uri="{FF2B5EF4-FFF2-40B4-BE49-F238E27FC236}">
-                <a16:creationId xmlns:a16="http://schemas.microsoft.com/office/drawing/2014/main" id="{3B17A255-9B03-4537-98CB-BB4700F07A4C}"/>
-              </a:ext>
-            </a:extLst>
-          </p:cNvPr>
+            <a:endParaRPr lang="en-US"/>
+          </a:p>
+        </p:txBody>
+      </p:sp>
+      <p:sp>
+        <p:nvSpPr>
+          <p:cNvPr id="5" name="Date Placeholder 4"/>
           <p:cNvSpPr>
             <a:spLocks noGrp="1"/>
           </p:cNvSpPr>
@@ -2396,7 +2068,6 @@
           <a:p>
             <a:fld id="{F613E53F-5DD9-4429-8128-EA2492E7B99D}" type="datetimeFigureOut">
               <a:rPr lang="en-IN" smtClean="0"/>
-              <a:t>31-01-2020</a:t>
             </a:fld>
             <a:endParaRPr lang="en-IN"/>
           </a:p>
@@ -2404,13 +2075,7 @@
       </p:sp>
       <p:sp>
         <p:nvSpPr>
-          <p:cNvPr id="6" name="Footer Placeholder 5">
-            <a:extLst>
-              <a:ext uri="{FF2B5EF4-FFF2-40B4-BE49-F238E27FC236}">
-                <a16:creationId xmlns:a16="http://schemas.microsoft.com/office/drawing/2014/main" id="{B4C3B505-44CA-4492-A56C-44AEB509FA11}"/>
-              </a:ext>
-            </a:extLst>
-          </p:cNvPr>
+          <p:cNvPr id="6" name="Footer Placeholder 5"/>
           <p:cNvSpPr>
             <a:spLocks noGrp="1"/>
           </p:cNvSpPr>
@@ -2429,13 +2094,7 @@
       </p:sp>
       <p:sp>
         <p:nvSpPr>
-          <p:cNvPr id="7" name="Slide Number Placeholder 6">
-            <a:extLst>
-              <a:ext uri="{FF2B5EF4-FFF2-40B4-BE49-F238E27FC236}">
-                <a16:creationId xmlns:a16="http://schemas.microsoft.com/office/drawing/2014/main" id="{4DFB7703-6687-470C-9804-0F157D5A4354}"/>
-              </a:ext>
-            </a:extLst>
-          </p:cNvPr>
+          <p:cNvPr id="7" name="Slide Number Placeholder 6"/>
           <p:cNvSpPr>
             <a:spLocks noGrp="1"/>
           </p:cNvSpPr>
@@ -2450,18 +2109,12 @@
           <a:p>
             <a:fld id="{9A1E4711-60B3-4FAF-9C2A-54CAF9E6D181}" type="slidenum">
               <a:rPr lang="en-IN" smtClean="0"/>
-              <a:t>‹#›</a:t>
             </a:fld>
             <a:endParaRPr lang="en-IN"/>
           </a:p>
         </p:txBody>
       </p:sp>
     </p:spTree>
-    <p:extLst>
-      <p:ext uri="{BB962C8B-B14F-4D97-AF65-F5344CB8AC3E}">
-        <p14:creationId xmlns:p14="http://schemas.microsoft.com/office/powerpoint/2010/main" val="1094027414"/>
-      </p:ext>
-    </p:extLst>
   </p:cSld>
   <p:clrMapOvr>
     <a:masterClrMapping/>
@@ -2488,13 +2141,7 @@
       </p:grpSpPr>
       <p:sp>
         <p:nvSpPr>
-          <p:cNvPr id="2" name="Title 1">
-            <a:extLst>
-              <a:ext uri="{FF2B5EF4-FFF2-40B4-BE49-F238E27FC236}">
-                <a16:creationId xmlns:a16="http://schemas.microsoft.com/office/drawing/2014/main" id="{FAD756B4-43A2-47DE-BEF9-B0B379FF91EB}"/>
-              </a:ext>
-            </a:extLst>
-          </p:cNvPr>
+          <p:cNvPr id="2" name="Title 1"/>
           <p:cNvSpPr>
             <a:spLocks noGrp="1"/>
           </p:cNvSpPr>
@@ -2526,13 +2173,7 @@
       </p:sp>
       <p:sp>
         <p:nvSpPr>
-          <p:cNvPr id="3" name="Picture Placeholder 2">
-            <a:extLst>
-              <a:ext uri="{FF2B5EF4-FFF2-40B4-BE49-F238E27FC236}">
-                <a16:creationId xmlns:a16="http://schemas.microsoft.com/office/drawing/2014/main" id="{9AD16ED3-6296-4537-8ED5-78D0199AAD0B}"/>
-              </a:ext>
-            </a:extLst>
-          </p:cNvPr>
+          <p:cNvPr id="3" name="Picture Placeholder 2"/>
           <p:cNvSpPr>
             <a:spLocks noGrp="1"/>
           </p:cNvSpPr>
@@ -2593,13 +2234,7 @@
       </p:sp>
       <p:sp>
         <p:nvSpPr>
-          <p:cNvPr id="4" name="Text Placeholder 3">
-            <a:extLst>
-              <a:ext uri="{FF2B5EF4-FFF2-40B4-BE49-F238E27FC236}">
-                <a16:creationId xmlns:a16="http://schemas.microsoft.com/office/drawing/2014/main" id="{AF91EB3B-8ADC-406A-B0C8-1A637C7D8A55}"/>
-              </a:ext>
-            </a:extLst>
-          </p:cNvPr>
+          <p:cNvPr id="4" name="Text Placeholder 3"/>
           <p:cNvSpPr>
             <a:spLocks noGrp="1"/>
           </p:cNvSpPr>
@@ -2659,18 +2294,13 @@
               <a:rPr lang="en-US"/>
               <a:t>Click to edit Master text styles</a:t>
             </a:r>
-          </a:p>
-        </p:txBody>
-      </p:sp>
-      <p:sp>
-        <p:nvSpPr>
-          <p:cNvPr id="5" name="Date Placeholder 4">
-            <a:extLst>
-              <a:ext uri="{FF2B5EF4-FFF2-40B4-BE49-F238E27FC236}">
-                <a16:creationId xmlns:a16="http://schemas.microsoft.com/office/drawing/2014/main" id="{6DE47D82-F9B4-44A2-B94F-B03164A2AB95}"/>
-              </a:ext>
-            </a:extLst>
-          </p:cNvPr>
+            <a:endParaRPr lang="en-US"/>
+          </a:p>
+        </p:txBody>
+      </p:sp>
+      <p:sp>
+        <p:nvSpPr>
+          <p:cNvPr id="5" name="Date Placeholder 4"/>
           <p:cNvSpPr>
             <a:spLocks noGrp="1"/>
           </p:cNvSpPr>
@@ -2685,7 +2315,6 @@
           <a:p>
             <a:fld id="{F613E53F-5DD9-4429-8128-EA2492E7B99D}" type="datetimeFigureOut">
               <a:rPr lang="en-IN" smtClean="0"/>
-              <a:t>31-01-2020</a:t>
             </a:fld>
             <a:endParaRPr lang="en-IN"/>
           </a:p>
@@ -2693,13 +2322,7 @@
       </p:sp>
       <p:sp>
         <p:nvSpPr>
-          <p:cNvPr id="6" name="Footer Placeholder 5">
-            <a:extLst>
-              <a:ext uri="{FF2B5EF4-FFF2-40B4-BE49-F238E27FC236}">
-                <a16:creationId xmlns:a16="http://schemas.microsoft.com/office/drawing/2014/main" id="{78572071-0FB6-4CAC-8D80-E4474ED484ED}"/>
-              </a:ext>
-            </a:extLst>
-          </p:cNvPr>
+          <p:cNvPr id="6" name="Footer Placeholder 5"/>
           <p:cNvSpPr>
             <a:spLocks noGrp="1"/>
           </p:cNvSpPr>
@@ -2718,13 +2341,7 @@
       </p:sp>
       <p:sp>
         <p:nvSpPr>
-          <p:cNvPr id="7" name="Slide Number Placeholder 6">
-            <a:extLst>
-              <a:ext uri="{FF2B5EF4-FFF2-40B4-BE49-F238E27FC236}">
-                <a16:creationId xmlns:a16="http://schemas.microsoft.com/office/drawing/2014/main" id="{58CC33FE-117E-4B1F-979C-2BC17D172D87}"/>
-              </a:ext>
-            </a:extLst>
-          </p:cNvPr>
+          <p:cNvPr id="7" name="Slide Number Placeholder 6"/>
           <p:cNvSpPr>
             <a:spLocks noGrp="1"/>
           </p:cNvSpPr>
@@ -2739,18 +2356,12 @@
           <a:p>
             <a:fld id="{9A1E4711-60B3-4FAF-9C2A-54CAF9E6D181}" type="slidenum">
               <a:rPr lang="en-IN" smtClean="0"/>
-              <a:t>‹#›</a:t>
             </a:fld>
             <a:endParaRPr lang="en-IN"/>
           </a:p>
         </p:txBody>
       </p:sp>
     </p:spTree>
-    <p:extLst>
-      <p:ext uri="{BB962C8B-B14F-4D97-AF65-F5344CB8AC3E}">
-        <p14:creationId xmlns:p14="http://schemas.microsoft.com/office/powerpoint/2010/main" val="2679192033"/>
-      </p:ext>
-    </p:extLst>
   </p:cSld>
   <p:clrMapOvr>
     <a:masterClrMapping/>
@@ -2782,13 +2393,7 @@
       </p:grpSpPr>
       <p:sp>
         <p:nvSpPr>
-          <p:cNvPr id="2" name="Title Placeholder 1">
-            <a:extLst>
-              <a:ext uri="{FF2B5EF4-FFF2-40B4-BE49-F238E27FC236}">
-                <a16:creationId xmlns:a16="http://schemas.microsoft.com/office/drawing/2014/main" id="{FCA11CE2-F43D-493D-9211-30171960C177}"/>
-              </a:ext>
-            </a:extLst>
-          </p:cNvPr>
+          <p:cNvPr id="2" name="Title Placeholder 1"/>
           <p:cNvSpPr>
             <a:spLocks noGrp="1"/>
           </p:cNvSpPr>
@@ -2821,13 +2426,7 @@
       </p:sp>
       <p:sp>
         <p:nvSpPr>
-          <p:cNvPr id="3" name="Text Placeholder 2">
-            <a:extLst>
-              <a:ext uri="{FF2B5EF4-FFF2-40B4-BE49-F238E27FC236}">
-                <a16:creationId xmlns:a16="http://schemas.microsoft.com/office/drawing/2014/main" id="{71EF3BF2-9BFA-47C8-92DD-F738913D1A91}"/>
-              </a:ext>
-            </a:extLst>
-          </p:cNvPr>
+          <p:cNvPr id="3" name="Text Placeholder 2"/>
           <p:cNvSpPr>
             <a:spLocks noGrp="1"/>
           </p:cNvSpPr>
@@ -2855,6 +2454,7 @@
               <a:rPr lang="en-US"/>
               <a:t>Click to edit Master text styles</a:t>
             </a:r>
+            <a:endParaRPr lang="en-US"/>
           </a:p>
           <a:p>
             <a:pPr lvl="1"/>
@@ -2862,6 +2462,7 @@
               <a:rPr lang="en-US"/>
               <a:t>Second level</a:t>
             </a:r>
+            <a:endParaRPr lang="en-US"/>
           </a:p>
           <a:p>
             <a:pPr lvl="2"/>
@@ -2869,6 +2470,7 @@
               <a:rPr lang="en-US"/>
               <a:t>Third level</a:t>
             </a:r>
+            <a:endParaRPr lang="en-US"/>
           </a:p>
           <a:p>
             <a:pPr lvl="3"/>
@@ -2876,6 +2478,7 @@
               <a:rPr lang="en-US"/>
               <a:t>Fourth level</a:t>
             </a:r>
+            <a:endParaRPr lang="en-US"/>
           </a:p>
           <a:p>
             <a:pPr lvl="4"/>
@@ -2889,13 +2492,7 @@
       </p:sp>
       <p:sp>
         <p:nvSpPr>
-          <p:cNvPr id="4" name="Date Placeholder 3">
-            <a:extLst>
-              <a:ext uri="{FF2B5EF4-FFF2-40B4-BE49-F238E27FC236}">
-                <a16:creationId xmlns:a16="http://schemas.microsoft.com/office/drawing/2014/main" id="{5A1C8AB1-8D59-4F3A-9B83-D8FD0ECB8CA9}"/>
-              </a:ext>
-            </a:extLst>
-          </p:cNvPr>
+          <p:cNvPr id="4" name="Date Placeholder 3"/>
           <p:cNvSpPr>
             <a:spLocks noGrp="1"/>
           </p:cNvSpPr>
@@ -2928,7 +2525,6 @@
           <a:p>
             <a:fld id="{F613E53F-5DD9-4429-8128-EA2492E7B99D}" type="datetimeFigureOut">
               <a:rPr lang="en-IN" smtClean="0"/>
-              <a:t>31-01-2020</a:t>
             </a:fld>
             <a:endParaRPr lang="en-IN"/>
           </a:p>
@@ -2936,13 +2532,7 @@
       </p:sp>
       <p:sp>
         <p:nvSpPr>
-          <p:cNvPr id="5" name="Footer Placeholder 4">
-            <a:extLst>
-              <a:ext uri="{FF2B5EF4-FFF2-40B4-BE49-F238E27FC236}">
-                <a16:creationId xmlns:a16="http://schemas.microsoft.com/office/drawing/2014/main" id="{66F3C791-D4DB-491D-8424-814271A9DBCB}"/>
-              </a:ext>
-            </a:extLst>
-          </p:cNvPr>
+          <p:cNvPr id="5" name="Footer Placeholder 4"/>
           <p:cNvSpPr>
             <a:spLocks noGrp="1"/>
           </p:cNvSpPr>
@@ -2979,13 +2569,7 @@
       </p:sp>
       <p:sp>
         <p:nvSpPr>
-          <p:cNvPr id="6" name="Slide Number Placeholder 5">
-            <a:extLst>
-              <a:ext uri="{FF2B5EF4-FFF2-40B4-BE49-F238E27FC236}">
-                <a16:creationId xmlns:a16="http://schemas.microsoft.com/office/drawing/2014/main" id="{F724EA46-442C-4323-B89B-1BA56385D034}"/>
-              </a:ext>
-            </a:extLst>
-          </p:cNvPr>
+          <p:cNvPr id="6" name="Slide Number Placeholder 5"/>
           <p:cNvSpPr>
             <a:spLocks noGrp="1"/>
           </p:cNvSpPr>
@@ -3018,18 +2602,12 @@
           <a:p>
             <a:fld id="{9A1E4711-60B3-4FAF-9C2A-54CAF9E6D181}" type="slidenum">
               <a:rPr lang="en-IN" smtClean="0"/>
-              <a:t>‹#›</a:t>
             </a:fld>
             <a:endParaRPr lang="en-IN"/>
           </a:p>
         </p:txBody>
       </p:sp>
     </p:spTree>
-    <p:extLst>
-      <p:ext uri="{BB962C8B-B14F-4D97-AF65-F5344CB8AC3E}">
-        <p14:creationId xmlns:p14="http://schemas.microsoft.com/office/powerpoint/2010/main" val="3161105914"/>
-      </p:ext>
-    </p:extLst>
   </p:cSld>
   <p:clrMap bg1="lt1" tx1="dk1" bg2="lt2" tx2="dk2" accent1="accent1" accent2="accent2" accent3="accent3" accent4="accent4" accent5="accent5" accent6="accent6" hlink="hlink" folHlink="folHlink"/>
   <p:sldLayoutIdLst>
@@ -3345,62 +2923,7 @@
           <a:chExt cx="0" cy="0"/>
         </a:xfrm>
       </p:grpSpPr>
-      <p:sp>
-        <p:nvSpPr>
-          <p:cNvPr id="2" name="Title 1">
-            <a:extLst>
-              <a:ext uri="{FF2B5EF4-FFF2-40B4-BE49-F238E27FC236}">
-                <a16:creationId xmlns:a16="http://schemas.microsoft.com/office/drawing/2014/main" id="{E9CB477F-AA47-4BB7-8CEA-C52AAA757676}"/>
-              </a:ext>
-            </a:extLst>
-          </p:cNvPr>
-          <p:cNvSpPr>
-            <a:spLocks noGrp="1"/>
-          </p:cNvSpPr>
-          <p:nvPr>
-            <p:ph type="ctrTitle"/>
-          </p:nvPr>
-        </p:nvSpPr>
-        <p:spPr/>
-        <p:txBody>
-          <a:bodyPr/>
-          <a:lstStyle/>
-          <a:p>
-            <a:endParaRPr lang="en-IN"/>
-          </a:p>
-        </p:txBody>
-      </p:sp>
-      <p:sp>
-        <p:nvSpPr>
-          <p:cNvPr id="3" name="Subtitle 2">
-            <a:extLst>
-              <a:ext uri="{FF2B5EF4-FFF2-40B4-BE49-F238E27FC236}">
-                <a16:creationId xmlns:a16="http://schemas.microsoft.com/office/drawing/2014/main" id="{79870868-D779-4881-BA46-7F5E98FE979A}"/>
-              </a:ext>
-            </a:extLst>
-          </p:cNvPr>
-          <p:cNvSpPr>
-            <a:spLocks noGrp="1"/>
-          </p:cNvSpPr>
-          <p:nvPr>
-            <p:ph type="subTitle" idx="1"/>
-          </p:nvPr>
-        </p:nvSpPr>
-        <p:spPr/>
-        <p:txBody>
-          <a:bodyPr/>
-          <a:lstStyle/>
-          <a:p>
-            <a:endParaRPr lang="en-IN"/>
-          </a:p>
-        </p:txBody>
-      </p:sp>
     </p:spTree>
-    <p:extLst>
-      <p:ext uri="{BB962C8B-B14F-4D97-AF65-F5344CB8AC3E}">
-        <p14:creationId xmlns:p14="http://schemas.microsoft.com/office/powerpoint/2010/main" val="4126359060"/>
-      </p:ext>
-    </p:extLst>
   </p:cSld>
   <p:clrMapOvr>
     <a:masterClrMapping/>
@@ -3427,20 +2950,14 @@
       </p:grpSpPr>
       <p:sp>
         <p:nvSpPr>
-          <p:cNvPr id="2" name="TextBox 1">
-            <a:extLst>
-              <a:ext uri="{FF2B5EF4-FFF2-40B4-BE49-F238E27FC236}">
-                <a16:creationId xmlns:a16="http://schemas.microsoft.com/office/drawing/2014/main" id="{767FEA16-EE2D-41FA-AFF3-96C6385E3245}"/>
-              </a:ext>
-            </a:extLst>
-          </p:cNvPr>
+          <p:cNvPr id="2" name="TextBox 1"/>
           <p:cNvSpPr txBox="1"/>
           <p:nvPr/>
         </p:nvSpPr>
         <p:spPr>
           <a:xfrm>
             <a:off x="0" y="0"/>
-            <a:ext cx="5988050" cy="10310515"/>
+            <a:ext cx="5988050" cy="6954520"/>
           </a:xfrm>
           <a:prstGeom prst="rect">
             <a:avLst/>
@@ -3495,6 +3012,31 @@
               </a:rPr>
               <a:t>SOLUTION PROTOTYPE</a:t>
             </a:r>
+            <a:endParaRPr lang="en-IN" sz="2000" b="1" i="1" dirty="0">
+              <a:ln w="0"/>
+              <a:gradFill>
+                <a:gsLst>
+                  <a:gs pos="0">
+                    <a:schemeClr val="accent5">
+                      <a:lumMod val="50000"/>
+                    </a:schemeClr>
+                  </a:gs>
+                  <a:gs pos="50000">
+                    <a:schemeClr val="accent5"/>
+                  </a:gs>
+                  <a:gs pos="100000">
+                    <a:schemeClr val="accent5">
+                      <a:lumMod val="60000"/>
+                      <a:lumOff val="40000"/>
+                    </a:schemeClr>
+                  </a:gs>
+                </a:gsLst>
+                <a:lin ang="5400000"/>
+              </a:gradFill>
+              <a:effectLst>
+                <a:reflection blurRad="6350" stA="53000" endA="300" endPos="35500" dir="5400000" sy="-90000" algn="bl" rotWithShape="0"/>
+              </a:effectLst>
+            </a:endParaRPr>
           </a:p>
           <a:p>
             <a:pPr algn="ctr"/>
@@ -3509,6 +3051,7 @@
               <a:rPr lang="en-IN" sz="1600" dirty="0"/>
               <a:t>Multilingual SMS and Call System for illiterate farmers to insert/edit/upload products &amp; Multilingual portal also available.</a:t>
             </a:r>
+            <a:endParaRPr lang="en-IN" sz="1600" dirty="0"/>
           </a:p>
           <a:p>
             <a:pPr marL="285750" indent="-285750">
@@ -3526,6 +3069,7 @@
               <a:rPr lang="en-IN" sz="1600" dirty="0"/>
               <a:t>Minimum selling price will be made visible to farmers for rough estimate to enter price of product.</a:t>
             </a:r>
+            <a:endParaRPr lang="en-IN" sz="1600" dirty="0"/>
           </a:p>
           <a:p>
             <a:pPr marL="285750" indent="-285750">
@@ -3543,6 +3087,7 @@
               <a:rPr lang="en-IN" sz="1600" dirty="0"/>
               <a:t>Buyer can order from all over India, so if scarcity of a product arises, the buyer will be suggested of locations near to him, where the product is available.</a:t>
             </a:r>
+            <a:endParaRPr lang="en-IN" sz="1600" dirty="0"/>
           </a:p>
           <a:p>
             <a:pPr marL="285750" indent="-285750">
@@ -3560,6 +3105,7 @@
               <a:rPr lang="en-IN" sz="1600" dirty="0"/>
               <a:t> Filter system(filter by price and location).</a:t>
             </a:r>
+            <a:endParaRPr lang="en-IN" sz="1600" dirty="0"/>
           </a:p>
           <a:p>
             <a:pPr marL="285750" indent="-285750">
@@ -3577,6 +3123,7 @@
               <a:rPr lang="en-IN" sz="1600" dirty="0"/>
               <a:t>Review system &amp; Reporting system(verification team will respond, guilty farmer will be penalised and buyer, compensated.</a:t>
             </a:r>
+            <a:endParaRPr lang="en-IN" sz="1600" dirty="0"/>
           </a:p>
           <a:p>
             <a:pPr marL="285750" indent="-285750">
@@ -3594,6 +3141,7 @@
               <a:rPr lang="en-IN" sz="1600" dirty="0"/>
               <a:t>Bestseller feature.</a:t>
             </a:r>
+            <a:endParaRPr lang="en-IN" sz="1600" dirty="0"/>
           </a:p>
           <a:p>
             <a:pPr marL="285750" indent="-285750">
@@ -3611,6 +3159,7 @@
               <a:rPr lang="en-IN" sz="1600" dirty="0"/>
               <a:t>Subscription feature. (Order once, product will  be delivered for the specified duration). Government warehouses available for storage. </a:t>
             </a:r>
+            <a:endParaRPr lang="en-IN" sz="1600" dirty="0"/>
           </a:p>
           <a:p>
             <a:pPr marL="285750" indent="-285750">
@@ -3628,6 +3177,7 @@
               <a:rPr lang="en-IN" sz="1600" dirty="0"/>
               <a:t>Bookmark system (buyer prefers a farmer, he will be notified every time the farmer uploads).</a:t>
             </a:r>
+            <a:endParaRPr lang="en-IN" sz="1600" dirty="0"/>
           </a:p>
           <a:p>
             <a:pPr marL="285750" indent="-285750">
@@ -3645,105 +3195,20 @@
               <a:rPr lang="en-IN" sz="1600" dirty="0"/>
               <a:t>For packaging delivery, local transportation services, courier services and Indian postal(rural areas covered) will be integrated. </a:t>
             </a:r>
-          </a:p>
-          <a:p>
-            <a:pPr marL="285750" indent="-285750">
-              <a:buFont typeface="Wingdings" panose="05000000000000000000" pitchFamily="2" charset="2"/>
-              <a:buChar char="ü"/>
-            </a:pPr>
-            <a:endParaRPr lang="en-IN" dirty="0"/>
-          </a:p>
-          <a:p>
-            <a:pPr marL="285750" indent="-285750">
-              <a:buFont typeface="Wingdings" panose="05000000000000000000" pitchFamily="2" charset="2"/>
-              <a:buChar char="ü"/>
-            </a:pPr>
-            <a:endParaRPr lang="en-IN" dirty="0"/>
-          </a:p>
-          <a:p>
-            <a:endParaRPr lang="en-IN" dirty="0"/>
-          </a:p>
-          <a:p>
-            <a:pPr marL="285750" indent="-285750">
-              <a:buFont typeface="Wingdings" panose="05000000000000000000" pitchFamily="2" charset="2"/>
-              <a:buChar char="ü"/>
-            </a:pPr>
-            <a:endParaRPr lang="en-IN" dirty="0"/>
-          </a:p>
-          <a:p>
-            <a:pPr marL="285750" indent="-285750">
-              <a:buFont typeface="Wingdings" panose="05000000000000000000" pitchFamily="2" charset="2"/>
-              <a:buChar char="ü"/>
-            </a:pPr>
-            <a:endParaRPr lang="en-IN" dirty="0"/>
-          </a:p>
-          <a:p>
-            <a:pPr marL="285750" indent="-285750">
-              <a:buFont typeface="Wingdings" panose="05000000000000000000" pitchFamily="2" charset="2"/>
-              <a:buChar char="ü"/>
-            </a:pPr>
-            <a:endParaRPr lang="en-IN" dirty="0"/>
-          </a:p>
-          <a:p>
-            <a:pPr marL="285750" indent="-285750">
-              <a:buFont typeface="Wingdings" panose="05000000000000000000" pitchFamily="2" charset="2"/>
-              <a:buChar char="ü"/>
-            </a:pPr>
-            <a:endParaRPr lang="en-IN" dirty="0"/>
-          </a:p>
-          <a:p>
-            <a:pPr marL="285750" indent="-285750">
-              <a:buFont typeface="Wingdings" panose="05000000000000000000" pitchFamily="2" charset="2"/>
-              <a:buChar char="ü"/>
-            </a:pPr>
-            <a:endParaRPr lang="en-IN" dirty="0"/>
-          </a:p>
-          <a:p>
-            <a:pPr marL="285750" indent="-285750">
-              <a:buFont typeface="Wingdings" panose="05000000000000000000" pitchFamily="2" charset="2"/>
-              <a:buChar char="ü"/>
-            </a:pPr>
-            <a:endParaRPr lang="en-IN" dirty="0"/>
-          </a:p>
-          <a:p>
-            <a:pPr marL="285750" indent="-285750">
-              <a:buFont typeface="Wingdings" panose="05000000000000000000" pitchFamily="2" charset="2"/>
-              <a:buChar char="ü"/>
-            </a:pPr>
-            <a:endParaRPr lang="en-IN" dirty="0"/>
-          </a:p>
-          <a:p>
-            <a:pPr marL="285750" indent="-285750">
-              <a:buFont typeface="Wingdings" panose="05000000000000000000" pitchFamily="2" charset="2"/>
-              <a:buChar char="ü"/>
-            </a:pPr>
-            <a:endParaRPr lang="en-IN" dirty="0"/>
-          </a:p>
-          <a:p>
-            <a:pPr marL="285750" indent="-285750">
-              <a:buFont typeface="Wingdings" panose="05000000000000000000" pitchFamily="2" charset="2"/>
-              <a:buChar char="ü"/>
-            </a:pPr>
             <a:endParaRPr lang="en-IN" dirty="0"/>
           </a:p>
         </p:txBody>
       </p:sp>
       <p:pic>
         <p:nvPicPr>
-          <p:cNvPr id="4" name="Picture 3">
-            <a:extLst>
-              <a:ext uri="{FF2B5EF4-FFF2-40B4-BE49-F238E27FC236}">
-                <a16:creationId xmlns:a16="http://schemas.microsoft.com/office/drawing/2014/main" id="{BCB8E595-8CCF-4725-9957-7EC70AA37330}"/>
-              </a:ext>
-            </a:extLst>
-          </p:cNvPr>
+          <p:cNvPr id="4" name="Picture 3"/>
           <p:cNvPicPr>
             <a:picLocks noChangeAspect="1"/>
           </p:cNvPicPr>
           <p:nvPr/>
         </p:nvPicPr>
         <p:blipFill>
-          <a:blip r:embed="rId2">
+          <a:blip r:embed="rId1">
             <a:extLst>
               <a:ext uri="{28A0092B-C50C-407E-A947-70E740481C1C}">
                 <a14:useLocalDpi xmlns:a14="http://schemas.microsoft.com/office/drawing/2010/main" val="0"/>
@@ -3766,13 +3231,7 @@
       </p:pic>
       <p:sp>
         <p:nvSpPr>
-          <p:cNvPr id="9" name="TextBox 8">
-            <a:extLst>
-              <a:ext uri="{FF2B5EF4-FFF2-40B4-BE49-F238E27FC236}">
-                <a16:creationId xmlns:a16="http://schemas.microsoft.com/office/drawing/2014/main" id="{1FF2B551-C98A-49A1-9C5C-7C4FB7C501F0}"/>
-              </a:ext>
-            </a:extLst>
-          </p:cNvPr>
+          <p:cNvPr id="9" name="TextBox 8"/>
           <p:cNvSpPr txBox="1"/>
           <p:nvPr/>
         </p:nvSpPr>
@@ -3821,6 +3280,31 @@
               </a:rPr>
               <a:t>TECHNOLOGY STACK</a:t>
             </a:r>
+            <a:endParaRPr lang="en-IN" sz="2000" b="1" dirty="0">
+              <a:ln w="0"/>
+              <a:gradFill>
+                <a:gsLst>
+                  <a:gs pos="0">
+                    <a:schemeClr val="accent5">
+                      <a:lumMod val="50000"/>
+                    </a:schemeClr>
+                  </a:gs>
+                  <a:gs pos="50000">
+                    <a:schemeClr val="accent5"/>
+                  </a:gs>
+                  <a:gs pos="100000">
+                    <a:schemeClr val="accent5">
+                      <a:lumMod val="60000"/>
+                      <a:lumOff val="40000"/>
+                    </a:schemeClr>
+                  </a:gs>
+                </a:gsLst>
+                <a:lin ang="5400000"/>
+              </a:gradFill>
+              <a:effectLst>
+                <a:reflection blurRad="6350" stA="53000" endA="300" endPos="35500" dir="5400000" sy="-90000" algn="bl" rotWithShape="0"/>
+              </a:effectLst>
+            </a:endParaRPr>
           </a:p>
           <a:p>
             <a:pPr algn="ctr"/>
@@ -3843,6 +3327,7 @@
               <a:rPr lang="en-IN" dirty="0"/>
               <a:t>  .</a:t>
             </a:r>
+            <a:endParaRPr lang="en-IN" dirty="0"/>
           </a:p>
           <a:p>
             <a:pPr marL="285750" indent="-285750">
@@ -3853,6 +3338,7 @@
               <a:rPr lang="en-IN" dirty="0"/>
               <a:t>Programming languages: - Python.</a:t>
             </a:r>
+            <a:endParaRPr lang="en-IN" dirty="0"/>
           </a:p>
           <a:p>
             <a:pPr marL="285750" indent="-285750">
@@ -3863,6 +3349,7 @@
               <a:rPr lang="en-IN" dirty="0"/>
               <a:t>Mobile Development:-Android Studio, Android SDK and Jellybean version and above.</a:t>
             </a:r>
+            <a:endParaRPr lang="en-IN" dirty="0"/>
           </a:p>
           <a:p>
             <a:pPr marL="285750" indent="-285750">
@@ -3876,6 +3363,10 @@
               </a:rPr>
               <a:t>Backend Development: -MySQL Database and Firebase.</a:t>
             </a:r>
+            <a:endParaRPr lang="en-IN" dirty="0">
+              <a:latin typeface="Calibri" panose="020F0502020204030204" pitchFamily="34" charset="0"/>
+              <a:cs typeface="Calibri" panose="020F0502020204030204" pitchFamily="34" charset="0"/>
+            </a:endParaRPr>
           </a:p>
           <a:p>
             <a:pPr marL="285750" indent="-285750">
@@ -3909,13 +3400,7 @@
       </p:sp>
       <p:sp>
         <p:nvSpPr>
-          <p:cNvPr id="12" name="Rectangle 11">
-            <a:extLst>
-              <a:ext uri="{FF2B5EF4-FFF2-40B4-BE49-F238E27FC236}">
-                <a16:creationId xmlns:a16="http://schemas.microsoft.com/office/drawing/2014/main" id="{AD015861-C537-4181-9423-BBE4B6A5269C}"/>
-              </a:ext>
-            </a:extLst>
-          </p:cNvPr>
+          <p:cNvPr id="12" name="Rectangle 11"/>
           <p:cNvSpPr/>
           <p:nvPr/>
         </p:nvSpPr>
@@ -4020,11 +3505,6 @@
         </p:txBody>
       </p:sp>
     </p:spTree>
-    <p:extLst>
-      <p:ext uri="{BB962C8B-B14F-4D97-AF65-F5344CB8AC3E}">
-        <p14:creationId xmlns:p14="http://schemas.microsoft.com/office/powerpoint/2010/main" val="4214387058"/>
-      </p:ext>
-    </p:extLst>
   </p:cSld>
   <p:clrMapOvr>
     <a:masterClrMapping/>
@@ -4049,52 +3529,40 @@
           <a:chExt cx="0" cy="0"/>
         </a:xfrm>
       </p:grpSpPr>
-    </p:spTree>
-    <p:extLst>
-      <p:ext uri="{BB962C8B-B14F-4D97-AF65-F5344CB8AC3E}">
-        <p14:creationId xmlns:p14="http://schemas.microsoft.com/office/powerpoint/2010/main" val="2284910053"/>
-      </p:ext>
-    </p:extLst>
-  </p:cSld>
-  <p:clrMapOvr>
-    <a:masterClrMapping/>
-  </p:clrMapOvr>
-</p:sld>
-</file>
-
-<file path=ppt/slides/slide4.xml><?xml version="1.0" encoding="utf-8"?>
-<p:sld xmlns:a="http://schemas.openxmlformats.org/drawingml/2006/main" xmlns:r="http://schemas.openxmlformats.org/officeDocument/2006/relationships" xmlns:p="http://schemas.openxmlformats.org/presentationml/2006/main">
-  <p:cSld>
-    <p:spTree>
-      <p:nvGrpSpPr>
-        <p:cNvPr id="1" name=""/>
-        <p:cNvGrpSpPr/>
-        <p:nvPr/>
-      </p:nvGrpSpPr>
-      <p:grpSpPr>
-        <a:xfrm>
-          <a:off x="0" y="0"/>
-          <a:ext cx="0" cy="0"/>
-          <a:chOff x="0" y="0"/>
-          <a:chExt cx="0" cy="0"/>
-        </a:xfrm>
-      </p:grpSpPr>
-      <p:sp>
-        <p:nvSpPr>
-          <p:cNvPr id="3" name="TextBox 2">
-            <a:extLst>
-              <a:ext uri="{FF2B5EF4-FFF2-40B4-BE49-F238E27FC236}">
-                <a16:creationId xmlns:a16="http://schemas.microsoft.com/office/drawing/2014/main" id="{9BCC5A41-1AD6-4D6B-9B38-49C0C6D3F4A2}"/>
-              </a:ext>
-            </a:extLst>
-          </p:cNvPr>
+      <p:pic>
+        <p:nvPicPr>
+          <p:cNvPr id="2" name="Picture 1" descr="flow use case"/>
+          <p:cNvPicPr>
+            <a:picLocks noChangeAspect="1"/>
+          </p:cNvPicPr>
+          <p:nvPr/>
+        </p:nvPicPr>
+        <p:blipFill>
+          <a:blip r:embed="rId1"/>
+          <a:stretch>
+            <a:fillRect/>
+          </a:stretch>
+        </p:blipFill>
+        <p:spPr>
+          <a:xfrm>
+            <a:off x="84455" y="466090"/>
+            <a:ext cx="6246495" cy="6367780"/>
+          </a:xfrm>
+          <a:prstGeom prst="rect">
+            <a:avLst/>
+          </a:prstGeom>
+        </p:spPr>
+      </p:pic>
+      <p:sp>
+        <p:nvSpPr>
+          <p:cNvPr id="3" name="Text Box 2"/>
           <p:cNvSpPr txBox="1"/>
           <p:nvPr/>
         </p:nvSpPr>
         <p:spPr>
           <a:xfrm>
-            <a:off x="0" y="0"/>
-            <a:ext cx="6334125" cy="6709529"/>
+            <a:off x="2278380" y="121285"/>
+            <a:ext cx="2258695" cy="368300"/>
           </a:xfrm>
           <a:prstGeom prst="rect">
             <a:avLst/>
@@ -4104,115 +3572,391 @@
         <p:txBody>
           <a:bodyPr wrap="square" rtlCol="0">
             <a:spAutoFit/>
+            <a:scene3d>
+              <a:camera prst="orthographicFront"/>
+              <a:lightRig rig="threePt" dir="t"/>
+            </a:scene3d>
           </a:bodyPr>
-          <a:lstStyle/>
-          <a:p>
-            <a:r>
-              <a:rPr lang="en-IN" b="1" dirty="0"/>
-              <a:t>IDEA/PROTOTYPE.</a:t>
-            </a:r>
+          <a:p>
+            <a:pPr algn="ctr"/>
+            <a:r>
+              <a:rPr lang="en-US">
+                <a:ln/>
+                <a:gradFill>
+                  <a:gsLst>
+                    <a:gs pos="0">
+                      <a:schemeClr val="accent5">
+                        <a:lumMod val="50000"/>
+                      </a:schemeClr>
+                    </a:gs>
+                    <a:gs pos="50000">
+                      <a:schemeClr val="accent5"/>
+                    </a:gs>
+                    <a:gs pos="100000">
+                      <a:schemeClr val="accent5">
+                        <a:lumMod val="60000"/>
+                        <a:lumOff val="40000"/>
+                      </a:schemeClr>
+                    </a:gs>
+                  </a:gsLst>
+                  <a:lin ang="5400000"/>
+                </a:gradFill>
+                <a:effectLst>
+                  <a:reflection blurRad="6350" stA="53000" endA="300" endPos="35500" dir="5400000" sy="-90000" algn="bl" rotWithShape="0"/>
+                </a:effectLst>
+              </a:rPr>
+              <a:t>USE CASE </a:t>
+            </a:r>
+            <a:endParaRPr lang="en-US">
+              <a:ln/>
+              <a:gradFill>
+                <a:gsLst>
+                  <a:gs pos="0">
+                    <a:schemeClr val="accent5">
+                      <a:lumMod val="50000"/>
+                    </a:schemeClr>
+                  </a:gs>
+                  <a:gs pos="50000">
+                    <a:schemeClr val="accent5"/>
+                  </a:gs>
+                  <a:gs pos="100000">
+                    <a:schemeClr val="accent5">
+                      <a:lumMod val="60000"/>
+                      <a:lumOff val="40000"/>
+                    </a:schemeClr>
+                  </a:gs>
+                </a:gsLst>
+                <a:lin ang="5400000"/>
+              </a:gradFill>
+              <a:effectLst>
+                <a:reflection blurRad="6350" stA="53000" endA="300" endPos="35500" dir="5400000" sy="-90000" algn="bl" rotWithShape="0"/>
+              </a:effectLst>
+            </a:endParaRPr>
+          </a:p>
+        </p:txBody>
+      </p:sp>
+      <p:sp>
+        <p:nvSpPr>
+          <p:cNvPr id="4" name="Text Box 3"/>
+          <p:cNvSpPr txBox="1"/>
+          <p:nvPr/>
+        </p:nvSpPr>
+        <p:spPr>
+          <a:xfrm>
+            <a:off x="6344920" y="121285"/>
+            <a:ext cx="5746750" cy="2584450"/>
+          </a:xfrm>
+          <a:prstGeom prst="rect">
+            <a:avLst/>
+          </a:prstGeom>
+          <a:noFill/>
+        </p:spPr>
+        <p:txBody>
+          <a:bodyPr wrap="square" rtlCol="0">
+            <a:spAutoFit/>
+          </a:bodyPr>
+          <a:p>
+            <a:pPr algn="ctr"/>
+            <a:r>
+              <a:rPr lang="en-IN" b="1" u="sng" dirty="0">
+                <a:ln/>
+                <a:gradFill>
+                  <a:gsLst>
+                    <a:gs pos="0">
+                      <a:schemeClr val="accent5">
+                        <a:lumMod val="50000"/>
+                      </a:schemeClr>
+                    </a:gs>
+                    <a:gs pos="50000">
+                      <a:schemeClr val="accent5"/>
+                    </a:gs>
+                    <a:gs pos="100000">
+                      <a:schemeClr val="accent5">
+                        <a:lumMod val="60000"/>
+                        <a:lumOff val="40000"/>
+                      </a:schemeClr>
+                    </a:gs>
+                  </a:gsLst>
+                  <a:lin ang="5400000"/>
+                </a:gradFill>
+                <a:effectLst>
+                  <a:reflection blurRad="6350" stA="53000" endA="300" endPos="35500" dir="5400000" sy="-90000" algn="bl" rotWithShape="0"/>
+                </a:effectLst>
+                <a:sym typeface="+mn-ea"/>
+              </a:rPr>
+              <a:t>DEPENDENCIES</a:t>
+            </a:r>
+            <a:endParaRPr lang="en-IN" dirty="0"/>
           </a:p>
           <a:p>
             <a:pPr marL="285750" indent="-285750">
-              <a:buFont typeface="Wingdings" panose="05000000000000000000" pitchFamily="2" charset="2"/>
-              <a:buChar char="§"/>
+              <a:buFont typeface="Arial" panose="020B0604020202020204" pitchFamily="34" charset="0"/>
+              <a:buChar char="•"/>
             </a:pPr>
             <a:r>
-              <a:rPr lang="en-IN" sz="1700" dirty="0"/>
-              <a:t>Since 47% of our farmers are illiterate, the farmers can use the multilingual SMS and call system to upload/edit delete his product.</a:t>
-            </a:r>
+              <a:rPr lang="en-IN" dirty="0">
+                <a:sym typeface="+mn-ea"/>
+              </a:rPr>
+              <a:t>The farmer must possess a </a:t>
+            </a:r>
+            <a:r>
+              <a:rPr lang="en-IN" b="1" dirty="0">
+                <a:sym typeface="+mn-ea"/>
+              </a:rPr>
+              <a:t>basic phone</a:t>
+            </a:r>
+            <a:r>
+              <a:rPr lang="en-IN" dirty="0">
+                <a:sym typeface="+mn-ea"/>
+              </a:rPr>
+              <a:t> and legal documents.</a:t>
+            </a:r>
+            <a:endParaRPr lang="en-IN" dirty="0"/>
           </a:p>
           <a:p>
             <a:pPr marL="285750" indent="-285750">
-              <a:buFont typeface="Wingdings" panose="05000000000000000000" pitchFamily="2" charset="2"/>
-              <a:buChar char="§"/>
+              <a:buFont typeface="Arial" panose="020B0604020202020204" pitchFamily="34" charset="0"/>
+              <a:buChar char="•"/>
             </a:pPr>
             <a:r>
-              <a:rPr lang="en-IN" sz="1700" dirty="0"/>
-              <a:t>The farmer will be shown the MSP(minimum selling price) when he uploads the product, to give him an estimate rate.</a:t>
-            </a:r>
+              <a:rPr lang="en-IN" dirty="0">
+                <a:sym typeface="+mn-ea"/>
+              </a:rPr>
+              <a:t>This application can be installed in all devices having Android version Jellybean and higher.</a:t>
+            </a:r>
+            <a:endParaRPr lang="en-IN" dirty="0"/>
           </a:p>
           <a:p>
             <a:pPr marL="285750" indent="-285750">
-              <a:buFont typeface="Wingdings" panose="05000000000000000000" pitchFamily="2" charset="2"/>
-              <a:buChar char="§"/>
+              <a:buFont typeface="Arial" panose="020B0604020202020204" pitchFamily="34" charset="0"/>
+              <a:buChar char="•"/>
             </a:pPr>
             <a:r>
-              <a:rPr lang="en-IN" sz="1700" dirty="0"/>
-              <a:t>The buyer will have products all over India at his disposal, and even if scarcity arises at some place, he will be suggested alternate locations where the product is available, closest to his vicinity.</a:t>
-            </a:r>
+              <a:rPr lang="en-IN" dirty="0">
+                <a:sym typeface="+mn-ea"/>
+              </a:rPr>
+              <a:t>An online portal generated shall require IE v9 or higher, Google Chrome, Mozilla Firefox, or any other web browser.</a:t>
+            </a:r>
+            <a:endParaRPr lang="en-IN" dirty="0"/>
+          </a:p>
+          <a:p>
+            <a:endParaRPr lang="en-US"/>
+          </a:p>
+        </p:txBody>
+      </p:sp>
+      <p:sp>
+        <p:nvSpPr>
+          <p:cNvPr id="5" name="Text Box 4"/>
+          <p:cNvSpPr txBox="1"/>
+          <p:nvPr/>
+        </p:nvSpPr>
+        <p:spPr>
+          <a:xfrm>
+            <a:off x="6509385" y="2366010"/>
+            <a:ext cx="5417820" cy="4799965"/>
+          </a:xfrm>
+          <a:prstGeom prst="rect">
+            <a:avLst/>
+          </a:prstGeom>
+          <a:noFill/>
+        </p:spPr>
+        <p:txBody>
+          <a:bodyPr wrap="square" rtlCol="0">
+            <a:spAutoFit/>
+          </a:bodyPr>
+          <a:p>
+            <a:pPr algn="ctr"/>
+            <a:r>
+              <a:rPr lang="en-IN" b="1" u="sng" dirty="0">
+                <a:ln/>
+                <a:gradFill>
+                  <a:gsLst>
+                    <a:gs pos="0">
+                      <a:schemeClr val="accent5">
+                        <a:lumMod val="50000"/>
+                      </a:schemeClr>
+                    </a:gs>
+                    <a:gs pos="50000">
+                      <a:schemeClr val="accent5"/>
+                    </a:gs>
+                    <a:gs pos="100000">
+                      <a:schemeClr val="accent5">
+                        <a:lumMod val="60000"/>
+                        <a:lumOff val="40000"/>
+                      </a:schemeClr>
+                    </a:gs>
+                  </a:gsLst>
+                  <a:lin ang="5400000"/>
+                </a:gradFill>
+                <a:effectLst>
+                  <a:reflection blurRad="6350" stA="53000" endA="300" endPos="35500" dir="5400000" sy="-90000" algn="bl" rotWithShape="0"/>
+                </a:effectLst>
+                <a:sym typeface="+mn-ea"/>
+              </a:rPr>
+              <a:t>SHOWSTOPPERS</a:t>
+            </a:r>
+            <a:r>
+              <a:rPr lang="en-IN" b="1" dirty="0">
+                <a:sym typeface="+mn-ea"/>
+              </a:rPr>
+              <a:t> </a:t>
+            </a:r>
+            <a:endParaRPr lang="en-IN" dirty="0"/>
           </a:p>
           <a:p>
             <a:pPr marL="285750" indent="-285750">
-              <a:buFont typeface="Wingdings" panose="05000000000000000000" pitchFamily="2" charset="2"/>
-              <a:buChar char="§"/>
+              <a:buFont typeface="Arial" panose="020B0604020202020204" pitchFamily="34" charset="0"/>
+              <a:buChar char="•"/>
             </a:pPr>
             <a:r>
-              <a:rPr lang="en-IN" sz="1700" dirty="0"/>
-              <a:t>The multilingual portal will provide the filter system(filter by price and location), review system, bestseller feature.</a:t>
-            </a:r>
+              <a:rPr lang="en-IN" dirty="0">
+                <a:sym typeface="+mn-ea"/>
+              </a:rPr>
+              <a:t>In India 47 percent of the farmer are illerates , to resolve this issue farmers can upload product through</a:t>
+            </a:r>
+            <a:r>
+              <a:rPr lang="en-IN" b="1" dirty="0">
+                <a:sym typeface="+mn-ea"/>
+              </a:rPr>
+              <a:t> multilingual SMS and call centers</a:t>
+            </a:r>
+            <a:r>
+              <a:rPr lang="en-IN" dirty="0">
+                <a:sym typeface="+mn-ea"/>
+              </a:rPr>
+              <a:t>.</a:t>
+            </a:r>
+            <a:endParaRPr lang="en-IN" dirty="0"/>
           </a:p>
           <a:p>
             <a:pPr marL="285750" indent="-285750">
-              <a:buFont typeface="Wingdings" panose="05000000000000000000" pitchFamily="2" charset="2"/>
-              <a:buChar char="§"/>
+              <a:buFont typeface="Arial" panose="020B0604020202020204" pitchFamily="34" charset="0"/>
+              <a:buChar char="•"/>
             </a:pPr>
             <a:r>
-              <a:rPr lang="en-IN" sz="1700" dirty="0"/>
-              <a:t>If the buyer needs a particular product frequently, he can use the Subscription feature, where he has to order the product only once and it will be delivered on the specified days for the specified duration and warehouses provided by government will be used</a:t>
-            </a:r>
+              <a:rPr lang="en-IN" dirty="0">
+                <a:sym typeface="+mn-ea"/>
+              </a:rPr>
+              <a:t>The a</a:t>
+            </a:r>
+            <a:r>
+              <a:rPr lang="en-US" altLang="en-IN" dirty="0">
+                <a:sym typeface="+mn-ea"/>
+              </a:rPr>
+              <a:t>pp</a:t>
+            </a:r>
+            <a:r>
+              <a:rPr lang="en-IN" dirty="0">
+                <a:sym typeface="+mn-ea"/>
+              </a:rPr>
+              <a:t>lication ensures the</a:t>
+            </a:r>
+            <a:r>
+              <a:rPr lang="en-IN" b="1" dirty="0">
+                <a:sym typeface="+mn-ea"/>
+              </a:rPr>
+              <a:t> farmer profits</a:t>
+            </a:r>
+            <a:r>
+              <a:rPr lang="en-IN" dirty="0">
+                <a:sym typeface="+mn-ea"/>
+              </a:rPr>
+              <a:t> since he sells at better rates, the </a:t>
+            </a:r>
+            <a:r>
+              <a:rPr lang="en-IN" b="1" dirty="0">
+                <a:sym typeface="+mn-ea"/>
+              </a:rPr>
+              <a:t>buyer</a:t>
+            </a:r>
+            <a:r>
+              <a:rPr lang="en-IN" dirty="0">
+                <a:sym typeface="+mn-ea"/>
+              </a:rPr>
+              <a:t> </a:t>
+            </a:r>
+            <a:r>
+              <a:rPr lang="en-IN" b="1" dirty="0">
+                <a:sym typeface="+mn-ea"/>
+              </a:rPr>
+              <a:t>profits </a:t>
+            </a:r>
+            <a:r>
+              <a:rPr lang="en-IN" dirty="0">
+                <a:sym typeface="+mn-ea"/>
+              </a:rPr>
+              <a:t>since he can buy at cheaper rates, and the</a:t>
+            </a:r>
+            <a:r>
+              <a:rPr lang="en-IN" b="1" dirty="0">
+                <a:sym typeface="+mn-ea"/>
+              </a:rPr>
+              <a:t> multiple transport </a:t>
+            </a:r>
+            <a:r>
+              <a:rPr lang="en-IN" dirty="0">
+                <a:sym typeface="+mn-ea"/>
+              </a:rPr>
+              <a:t>systems because of the increase of clients at their end.</a:t>
+            </a:r>
+            <a:endParaRPr lang="en-IN" b="1" dirty="0"/>
           </a:p>
           <a:p>
             <a:pPr marL="285750" indent="-285750">
-              <a:buFont typeface="Wingdings" panose="05000000000000000000" pitchFamily="2" charset="2"/>
-              <a:buChar char="§"/>
+              <a:buFont typeface="Arial" panose="020B0604020202020204" pitchFamily="34" charset="0"/>
+              <a:buChar char="•"/>
             </a:pPr>
             <a:r>
-              <a:rPr lang="en-IN" sz="1700" dirty="0"/>
-              <a:t>Reporting system- If a farmer is reported, the verification team will respond immediately and if the farmer is found guilty, the buyer will be recompensed from the penalty extracted from the farmer.</a:t>
-            </a:r>
+              <a:rPr lang="en-IN" dirty="0">
+                <a:sym typeface="+mn-ea"/>
+              </a:rPr>
+              <a:t>Buyers can get their hands directly on fresh products </a:t>
+            </a:r>
+            <a:r>
+              <a:rPr lang="en-US" altLang="en-IN" dirty="0">
+                <a:sym typeface="+mn-ea"/>
+              </a:rPr>
+              <a:t>from all over India, and he is </a:t>
+            </a:r>
+            <a:r>
+              <a:rPr lang="en-US" altLang="en-IN" b="1" dirty="0">
+                <a:sym typeface="+mn-ea"/>
+              </a:rPr>
+              <a:t>no longer restricted to his city.</a:t>
+            </a:r>
+            <a:endParaRPr lang="en-IN" b="1" dirty="0"/>
           </a:p>
           <a:p>
             <a:pPr marL="285750" indent="-285750">
-              <a:buFont typeface="Wingdings" panose="05000000000000000000" pitchFamily="2" charset="2"/>
-              <a:buChar char="§"/>
+              <a:buFont typeface="Arial" panose="020B0604020202020204" pitchFamily="34" charset="0"/>
+              <a:buChar char="•"/>
             </a:pPr>
             <a:r>
-              <a:rPr lang="en-IN" sz="1700" dirty="0"/>
-              <a:t>Bookmark system- If a buyer prefers a particular farmer, he can bookmark him,  so every time that farmer uploads, the product will be displayed to him on his homepage and if he chooses to receive notification, he will receive the same.</a:t>
-            </a:r>
-          </a:p>
-          <a:p>
-            <a:pPr marL="285750" indent="-285750">
-              <a:buFont typeface="Wingdings" panose="05000000000000000000" pitchFamily="2" charset="2"/>
-              <a:buChar char="§"/>
-            </a:pPr>
+              <a:rPr lang="en-IN" dirty="0">
+                <a:sym typeface="+mn-ea"/>
+              </a:rPr>
+              <a:t>Multiple farmers (many of which reside in remote areas) get in direct touch with buyers in capital cities and the prices are </a:t>
+            </a:r>
+            <a:r>
+              <a:rPr lang="en-IN" b="1" dirty="0">
+                <a:sym typeface="+mn-ea"/>
+              </a:rPr>
+              <a:t>negotiable</a:t>
+            </a:r>
+            <a:r>
+              <a:rPr lang="en-IN" dirty="0">
+                <a:sym typeface="+mn-ea"/>
+              </a:rPr>
+              <a:t> between them with no involvement of the admin whatsoever.</a:t>
+            </a:r>
             <a:endParaRPr lang="en-IN" dirty="0"/>
           </a:p>
           <a:p>
-            <a:pPr marL="285750" indent="-285750">
-              <a:buFont typeface="Wingdings" panose="05000000000000000000" pitchFamily="2" charset="2"/>
-              <a:buChar char="§"/>
-            </a:pPr>
-            <a:endParaRPr lang="en-IN" dirty="0"/>
-          </a:p>
-          <a:p>
-            <a:r>
-              <a:rPr lang="en-IN" dirty="0"/>
-              <a:t>                                                                                                                                                                                                                                                                                                                                                                                                                                                                                                                                                                                                                                                                                                                                                                          </a:t>
-            </a:r>
-          </a:p>
-          <a:p>
-            <a:endParaRPr lang="en-IN" dirty="0"/>
+            <a:endParaRPr lang="en-US"/>
           </a:p>
         </p:txBody>
       </p:sp>
     </p:spTree>
-    <p:extLst>
-      <p:ext uri="{BB962C8B-B14F-4D97-AF65-F5344CB8AC3E}">
-        <p14:creationId xmlns:p14="http://schemas.microsoft.com/office/powerpoint/2010/main" val="3624635545"/>
-      </p:ext>
-    </p:extLst>
   </p:cSld>
   <p:clrMapOvr>
     <a:masterClrMapping/>
@@ -4263,7 +4007,7 @@
     </a:clrScheme>
     <a:fontScheme name="Office">
       <a:majorFont>
-        <a:latin typeface="Calibri Light" panose="020F0302020204030204"/>
+        <a:latin typeface="Calibri Light"/>
         <a:ea typeface=""/>
         <a:cs typeface=""/>
         <a:font script="Jpan" typeface="游ゴシック Light"/>
@@ -4296,26 +4040,9 @@
         <a:font script="Viet" typeface="Times New Roman"/>
         <a:font script="Uigh" typeface="Microsoft Uighur"/>
         <a:font script="Geor" typeface="Sylfaen"/>
-        <a:font script="Armn" typeface="Arial"/>
-        <a:font script="Bugi" typeface="Leelawadee UI"/>
-        <a:font script="Bopo" typeface="Microsoft JhengHei"/>
-        <a:font script="Java" typeface="Javanese Text"/>
-        <a:font script="Lisu" typeface="Segoe UI"/>
-        <a:font script="Mymr" typeface="Myanmar Text"/>
-        <a:font script="Nkoo" typeface="Ebrima"/>
-        <a:font script="Olck" typeface="Nirmala UI"/>
-        <a:font script="Osma" typeface="Ebrima"/>
-        <a:font script="Phag" typeface="Phagspa"/>
-        <a:font script="Syrn" typeface="Estrangelo Edessa"/>
-        <a:font script="Syrj" typeface="Estrangelo Edessa"/>
-        <a:font script="Syre" typeface="Estrangelo Edessa"/>
-        <a:font script="Sora" typeface="Nirmala UI"/>
-        <a:font script="Tale" typeface="Microsoft Tai Le"/>
-        <a:font script="Talu" typeface="Microsoft New Tai Lue"/>
-        <a:font script="Tfng" typeface="Ebrima"/>
       </a:majorFont>
       <a:minorFont>
-        <a:latin typeface="Calibri" panose="020F0502020204030204"/>
+        <a:latin typeface="Calibri"/>
         <a:ea typeface=""/>
         <a:cs typeface=""/>
         <a:font script="Jpan" typeface="游ゴシック"/>
@@ -4348,23 +4075,6 @@
         <a:font script="Viet" typeface="Arial"/>
         <a:font script="Uigh" typeface="Microsoft Uighur"/>
         <a:font script="Geor" typeface="Sylfaen"/>
-        <a:font script="Armn" typeface="Arial"/>
-        <a:font script="Bugi" typeface="Leelawadee UI"/>
-        <a:font script="Bopo" typeface="Microsoft JhengHei"/>
-        <a:font script="Java" typeface="Javanese Text"/>
-        <a:font script="Lisu" typeface="Segoe UI"/>
-        <a:font script="Mymr" typeface="Myanmar Text"/>
-        <a:font script="Nkoo" typeface="Ebrima"/>
-        <a:font script="Olck" typeface="Nirmala UI"/>
-        <a:font script="Osma" typeface="Ebrima"/>
-        <a:font script="Phag" typeface="Phagspa"/>
-        <a:font script="Syrn" typeface="Estrangelo Edessa"/>
-        <a:font script="Syrj" typeface="Estrangelo Edessa"/>
-        <a:font script="Syre" typeface="Estrangelo Edessa"/>
-        <a:font script="Sora" typeface="Nirmala UI"/>
-        <a:font script="Tale" typeface="Microsoft Tai Le"/>
-        <a:font script="Talu" typeface="Microsoft New Tai Lue"/>
-        <a:font script="Tfng" typeface="Ebrima"/>
       </a:minorFont>
     </a:fontScheme>
     <a:fmtScheme name="Office">
@@ -4505,8 +4215,6 @@
       </a:bgFillStyleLst>
     </a:fmtScheme>
   </a:themeElements>
-  <a:objectDefaults/>
-  <a:extraClrSchemeLst/>
   <a:extLst>
     <a:ext uri="{05A4C25C-085E-4340-85A3-A5531E510DB2}">
       <thm15:themeFamily xmlns:thm15="http://schemas.microsoft.com/office/thememl/2012/main" name="Office Theme" id="{62F939B6-93AF-4DB8-9C6B-D6C7DFDC589F}" vid="{4A3C46E8-61CC-4603-A589-7422A47A8E4A}"/>

--- a/Documents/ppt sih.pptx
+++ b/Documents/ppt sih.pptx
@@ -1,14 +1,13 @@
 
 <file path=ppt/presentation.xml><?xml version="1.0" encoding="utf-8"?>
-<p:presentation xmlns:a="http://schemas.openxmlformats.org/drawingml/2006/main" xmlns:r="http://schemas.openxmlformats.org/officeDocument/2006/relationships" xmlns:p="http://schemas.openxmlformats.org/presentationml/2006/main" saveSubsetFonts="1">
+<p:presentation xmlns:a="http://schemas.openxmlformats.org/drawingml/2006/main" xmlns:r="http://schemas.openxmlformats.org/officeDocument/2006/relationships" xmlns:p="http://schemas.openxmlformats.org/presentationml/2006/main">
   <p:sldMasterIdLst>
     <p:sldMasterId id="2147483648" r:id="rId1"/>
   </p:sldMasterIdLst>
   <p:sldIdLst>
-    <p:sldId id="256" r:id="rId2"/>
-    <p:sldId id="258" r:id="rId3"/>
-    <p:sldId id="259" r:id="rId4"/>
-    <p:sldId id="257" r:id="rId5"/>
+    <p:sldId id="256" r:id="rId3"/>
+    <p:sldId id="258" r:id="rId4"/>
+    <p:sldId id="259" r:id="rId5"/>
   </p:sldIdLst>
   <p:sldSz cx="12192000" cy="6858000"/>
   <p:notesSz cx="6858000" cy="9144000"/>
@@ -129,13 +128,7 @@
       </p:grpSpPr>
       <p:sp>
         <p:nvSpPr>
-          <p:cNvPr id="2" name="Title 1">
-            <a:extLst>
-              <a:ext uri="{FF2B5EF4-FFF2-40B4-BE49-F238E27FC236}">
-                <a16:creationId xmlns:a16="http://schemas.microsoft.com/office/drawing/2014/main" id="{D5462658-539E-4D86-9909-C59DF9A13BEA}"/>
-              </a:ext>
-            </a:extLst>
-          </p:cNvPr>
+          <p:cNvPr id="2" name="Title 1"/>
           <p:cNvSpPr>
             <a:spLocks noGrp="1"/>
           </p:cNvSpPr>
@@ -167,13 +160,7 @@
       </p:sp>
       <p:sp>
         <p:nvSpPr>
-          <p:cNvPr id="3" name="Subtitle 2">
-            <a:extLst>
-              <a:ext uri="{FF2B5EF4-FFF2-40B4-BE49-F238E27FC236}">
-                <a16:creationId xmlns:a16="http://schemas.microsoft.com/office/drawing/2014/main" id="{C415AB09-A60D-4417-B453-51EB8E557CED}"/>
-              </a:ext>
-            </a:extLst>
-          </p:cNvPr>
+          <p:cNvPr id="3" name="Subtitle 2"/>
           <p:cNvSpPr>
             <a:spLocks noGrp="1"/>
           </p:cNvSpPr>
@@ -238,13 +225,7 @@
       </p:sp>
       <p:sp>
         <p:nvSpPr>
-          <p:cNvPr id="4" name="Date Placeholder 3">
-            <a:extLst>
-              <a:ext uri="{FF2B5EF4-FFF2-40B4-BE49-F238E27FC236}">
-                <a16:creationId xmlns:a16="http://schemas.microsoft.com/office/drawing/2014/main" id="{A6DCDF54-85A6-4759-9B5C-4FA430177284}"/>
-              </a:ext>
-            </a:extLst>
-          </p:cNvPr>
+          <p:cNvPr id="4" name="Date Placeholder 3"/>
           <p:cNvSpPr>
             <a:spLocks noGrp="1"/>
           </p:cNvSpPr>
@@ -259,7 +240,6 @@
           <a:p>
             <a:fld id="{F613E53F-5DD9-4429-8128-EA2492E7B99D}" type="datetimeFigureOut">
               <a:rPr lang="en-IN" smtClean="0"/>
-              <a:t>31-01-2020</a:t>
             </a:fld>
             <a:endParaRPr lang="en-IN"/>
           </a:p>
@@ -267,13 +247,7 @@
       </p:sp>
       <p:sp>
         <p:nvSpPr>
-          <p:cNvPr id="5" name="Footer Placeholder 4">
-            <a:extLst>
-              <a:ext uri="{FF2B5EF4-FFF2-40B4-BE49-F238E27FC236}">
-                <a16:creationId xmlns:a16="http://schemas.microsoft.com/office/drawing/2014/main" id="{9065B6EA-908E-4323-ABAC-5BC68E9B5436}"/>
-              </a:ext>
-            </a:extLst>
-          </p:cNvPr>
+          <p:cNvPr id="5" name="Footer Placeholder 4"/>
           <p:cNvSpPr>
             <a:spLocks noGrp="1"/>
           </p:cNvSpPr>
@@ -292,13 +266,7 @@
       </p:sp>
       <p:sp>
         <p:nvSpPr>
-          <p:cNvPr id="6" name="Slide Number Placeholder 5">
-            <a:extLst>
-              <a:ext uri="{FF2B5EF4-FFF2-40B4-BE49-F238E27FC236}">
-                <a16:creationId xmlns:a16="http://schemas.microsoft.com/office/drawing/2014/main" id="{22C1638D-B639-49C2-97BC-3E32137E06A1}"/>
-              </a:ext>
-            </a:extLst>
-          </p:cNvPr>
+          <p:cNvPr id="6" name="Slide Number Placeholder 5"/>
           <p:cNvSpPr>
             <a:spLocks noGrp="1"/>
           </p:cNvSpPr>
@@ -313,18 +281,12 @@
           <a:p>
             <a:fld id="{9A1E4711-60B3-4FAF-9C2A-54CAF9E6D181}" type="slidenum">
               <a:rPr lang="en-IN" smtClean="0"/>
-              <a:t>‹#›</a:t>
             </a:fld>
             <a:endParaRPr lang="en-IN"/>
           </a:p>
         </p:txBody>
       </p:sp>
     </p:spTree>
-    <p:extLst>
-      <p:ext uri="{BB962C8B-B14F-4D97-AF65-F5344CB8AC3E}">
-        <p14:creationId xmlns:p14="http://schemas.microsoft.com/office/powerpoint/2010/main" val="4182372293"/>
-      </p:ext>
-    </p:extLst>
   </p:cSld>
   <p:clrMapOvr>
     <a:masterClrMapping/>
@@ -351,13 +313,7 @@
       </p:grpSpPr>
       <p:sp>
         <p:nvSpPr>
-          <p:cNvPr id="2" name="Title 1">
-            <a:extLst>
-              <a:ext uri="{FF2B5EF4-FFF2-40B4-BE49-F238E27FC236}">
-                <a16:creationId xmlns:a16="http://schemas.microsoft.com/office/drawing/2014/main" id="{8FB4EA12-50FD-4950-B8E8-208547A8FD49}"/>
-              </a:ext>
-            </a:extLst>
-          </p:cNvPr>
+          <p:cNvPr id="2" name="Title 1"/>
           <p:cNvSpPr>
             <a:spLocks noGrp="1"/>
           </p:cNvSpPr>
@@ -380,13 +336,7 @@
       </p:sp>
       <p:sp>
         <p:nvSpPr>
-          <p:cNvPr id="3" name="Vertical Text Placeholder 2">
-            <a:extLst>
-              <a:ext uri="{FF2B5EF4-FFF2-40B4-BE49-F238E27FC236}">
-                <a16:creationId xmlns:a16="http://schemas.microsoft.com/office/drawing/2014/main" id="{514E4FFC-0D14-4FBE-BD63-ACC5C9AADF18}"/>
-              </a:ext>
-            </a:extLst>
-          </p:cNvPr>
+          <p:cNvPr id="3" name="Vertical Text Placeholder 2"/>
           <p:cNvSpPr>
             <a:spLocks noGrp="1"/>
           </p:cNvSpPr>
@@ -404,6 +354,7 @@
               <a:rPr lang="en-US"/>
               <a:t>Click to edit Master text styles</a:t>
             </a:r>
+            <a:endParaRPr lang="en-US"/>
           </a:p>
           <a:p>
             <a:pPr lvl="1"/>
@@ -411,6 +362,7 @@
               <a:rPr lang="en-US"/>
               <a:t>Second level</a:t>
             </a:r>
+            <a:endParaRPr lang="en-US"/>
           </a:p>
           <a:p>
             <a:pPr lvl="2"/>
@@ -418,6 +370,7 @@
               <a:rPr lang="en-US"/>
               <a:t>Third level</a:t>
             </a:r>
+            <a:endParaRPr lang="en-US"/>
           </a:p>
           <a:p>
             <a:pPr lvl="3"/>
@@ -425,6 +378,7 @@
               <a:rPr lang="en-US"/>
               <a:t>Fourth level</a:t>
             </a:r>
+            <a:endParaRPr lang="en-US"/>
           </a:p>
           <a:p>
             <a:pPr lvl="4"/>
@@ -438,13 +392,7 @@
       </p:sp>
       <p:sp>
         <p:nvSpPr>
-          <p:cNvPr id="4" name="Date Placeholder 3">
-            <a:extLst>
-              <a:ext uri="{FF2B5EF4-FFF2-40B4-BE49-F238E27FC236}">
-                <a16:creationId xmlns:a16="http://schemas.microsoft.com/office/drawing/2014/main" id="{D040DA76-90C9-4E5E-A158-527EB52A7E21}"/>
-              </a:ext>
-            </a:extLst>
-          </p:cNvPr>
+          <p:cNvPr id="4" name="Date Placeholder 3"/>
           <p:cNvSpPr>
             <a:spLocks noGrp="1"/>
           </p:cNvSpPr>
@@ -459,7 +407,6 @@
           <a:p>
             <a:fld id="{F613E53F-5DD9-4429-8128-EA2492E7B99D}" type="datetimeFigureOut">
               <a:rPr lang="en-IN" smtClean="0"/>
-              <a:t>31-01-2020</a:t>
             </a:fld>
             <a:endParaRPr lang="en-IN"/>
           </a:p>
@@ -467,13 +414,7 @@
       </p:sp>
       <p:sp>
         <p:nvSpPr>
-          <p:cNvPr id="5" name="Footer Placeholder 4">
-            <a:extLst>
-              <a:ext uri="{FF2B5EF4-FFF2-40B4-BE49-F238E27FC236}">
-                <a16:creationId xmlns:a16="http://schemas.microsoft.com/office/drawing/2014/main" id="{F362787D-82F6-462C-B286-8228DB633BC1}"/>
-              </a:ext>
-            </a:extLst>
-          </p:cNvPr>
+          <p:cNvPr id="5" name="Footer Placeholder 4"/>
           <p:cNvSpPr>
             <a:spLocks noGrp="1"/>
           </p:cNvSpPr>
@@ -492,13 +433,7 @@
       </p:sp>
       <p:sp>
         <p:nvSpPr>
-          <p:cNvPr id="6" name="Slide Number Placeholder 5">
-            <a:extLst>
-              <a:ext uri="{FF2B5EF4-FFF2-40B4-BE49-F238E27FC236}">
-                <a16:creationId xmlns:a16="http://schemas.microsoft.com/office/drawing/2014/main" id="{AF93A7EF-C9AD-41F4-AF34-63284E6B6994}"/>
-              </a:ext>
-            </a:extLst>
-          </p:cNvPr>
+          <p:cNvPr id="6" name="Slide Number Placeholder 5"/>
           <p:cNvSpPr>
             <a:spLocks noGrp="1"/>
           </p:cNvSpPr>
@@ -513,18 +448,12 @@
           <a:p>
             <a:fld id="{9A1E4711-60B3-4FAF-9C2A-54CAF9E6D181}" type="slidenum">
               <a:rPr lang="en-IN" smtClean="0"/>
-              <a:t>‹#›</a:t>
             </a:fld>
             <a:endParaRPr lang="en-IN"/>
           </a:p>
         </p:txBody>
       </p:sp>
     </p:spTree>
-    <p:extLst>
-      <p:ext uri="{BB962C8B-B14F-4D97-AF65-F5344CB8AC3E}">
-        <p14:creationId xmlns:p14="http://schemas.microsoft.com/office/powerpoint/2010/main" val="4099500044"/>
-      </p:ext>
-    </p:extLst>
   </p:cSld>
   <p:clrMapOvr>
     <a:masterClrMapping/>
@@ -551,13 +480,7 @@
       </p:grpSpPr>
       <p:sp>
         <p:nvSpPr>
-          <p:cNvPr id="2" name="Vertical Title 1">
-            <a:extLst>
-              <a:ext uri="{FF2B5EF4-FFF2-40B4-BE49-F238E27FC236}">
-                <a16:creationId xmlns:a16="http://schemas.microsoft.com/office/drawing/2014/main" id="{FEBAA40A-522F-4D6B-9009-0F5046C56042}"/>
-              </a:ext>
-            </a:extLst>
-          </p:cNvPr>
+          <p:cNvPr id="2" name="Vertical Title 1"/>
           <p:cNvSpPr>
             <a:spLocks noGrp="1"/>
           </p:cNvSpPr>
@@ -585,13 +508,7 @@
       </p:sp>
       <p:sp>
         <p:nvSpPr>
-          <p:cNvPr id="3" name="Vertical Text Placeholder 2">
-            <a:extLst>
-              <a:ext uri="{FF2B5EF4-FFF2-40B4-BE49-F238E27FC236}">
-                <a16:creationId xmlns:a16="http://schemas.microsoft.com/office/drawing/2014/main" id="{D737DC81-884C-40CB-BD53-7373C61BBBDD}"/>
-              </a:ext>
-            </a:extLst>
-          </p:cNvPr>
+          <p:cNvPr id="3" name="Vertical Text Placeholder 2"/>
           <p:cNvSpPr>
             <a:spLocks noGrp="1"/>
           </p:cNvSpPr>
@@ -614,6 +531,7 @@
               <a:rPr lang="en-US"/>
               <a:t>Click to edit Master text styles</a:t>
             </a:r>
+            <a:endParaRPr lang="en-US"/>
           </a:p>
           <a:p>
             <a:pPr lvl="1"/>
@@ -621,6 +539,7 @@
               <a:rPr lang="en-US"/>
               <a:t>Second level</a:t>
             </a:r>
+            <a:endParaRPr lang="en-US"/>
           </a:p>
           <a:p>
             <a:pPr lvl="2"/>
@@ -628,6 +547,7 @@
               <a:rPr lang="en-US"/>
               <a:t>Third level</a:t>
             </a:r>
+            <a:endParaRPr lang="en-US"/>
           </a:p>
           <a:p>
             <a:pPr lvl="3"/>
@@ -635,6 +555,7 @@
               <a:rPr lang="en-US"/>
               <a:t>Fourth level</a:t>
             </a:r>
+            <a:endParaRPr lang="en-US"/>
           </a:p>
           <a:p>
             <a:pPr lvl="4"/>
@@ -648,13 +569,7 @@
       </p:sp>
       <p:sp>
         <p:nvSpPr>
-          <p:cNvPr id="4" name="Date Placeholder 3">
-            <a:extLst>
-              <a:ext uri="{FF2B5EF4-FFF2-40B4-BE49-F238E27FC236}">
-                <a16:creationId xmlns:a16="http://schemas.microsoft.com/office/drawing/2014/main" id="{4B8D15D2-D0FC-4C2F-9266-3CD8EC47D7CC}"/>
-              </a:ext>
-            </a:extLst>
-          </p:cNvPr>
+          <p:cNvPr id="4" name="Date Placeholder 3"/>
           <p:cNvSpPr>
             <a:spLocks noGrp="1"/>
           </p:cNvSpPr>
@@ -669,7 +584,6 @@
           <a:p>
             <a:fld id="{F613E53F-5DD9-4429-8128-EA2492E7B99D}" type="datetimeFigureOut">
               <a:rPr lang="en-IN" smtClean="0"/>
-              <a:t>31-01-2020</a:t>
             </a:fld>
             <a:endParaRPr lang="en-IN"/>
           </a:p>
@@ -677,13 +591,7 @@
       </p:sp>
       <p:sp>
         <p:nvSpPr>
-          <p:cNvPr id="5" name="Footer Placeholder 4">
-            <a:extLst>
-              <a:ext uri="{FF2B5EF4-FFF2-40B4-BE49-F238E27FC236}">
-                <a16:creationId xmlns:a16="http://schemas.microsoft.com/office/drawing/2014/main" id="{D81D9EC5-17C2-4C33-935F-507763E2DC49}"/>
-              </a:ext>
-            </a:extLst>
-          </p:cNvPr>
+          <p:cNvPr id="5" name="Footer Placeholder 4"/>
           <p:cNvSpPr>
             <a:spLocks noGrp="1"/>
           </p:cNvSpPr>
@@ -702,13 +610,7 @@
       </p:sp>
       <p:sp>
         <p:nvSpPr>
-          <p:cNvPr id="6" name="Slide Number Placeholder 5">
-            <a:extLst>
-              <a:ext uri="{FF2B5EF4-FFF2-40B4-BE49-F238E27FC236}">
-                <a16:creationId xmlns:a16="http://schemas.microsoft.com/office/drawing/2014/main" id="{CA9DB65F-109D-4700-AB1C-AA806A7FBFE2}"/>
-              </a:ext>
-            </a:extLst>
-          </p:cNvPr>
+          <p:cNvPr id="6" name="Slide Number Placeholder 5"/>
           <p:cNvSpPr>
             <a:spLocks noGrp="1"/>
           </p:cNvSpPr>
@@ -723,18 +625,12 @@
           <a:p>
             <a:fld id="{9A1E4711-60B3-4FAF-9C2A-54CAF9E6D181}" type="slidenum">
               <a:rPr lang="en-IN" smtClean="0"/>
-              <a:t>‹#›</a:t>
             </a:fld>
             <a:endParaRPr lang="en-IN"/>
           </a:p>
         </p:txBody>
       </p:sp>
     </p:spTree>
-    <p:extLst>
-      <p:ext uri="{BB962C8B-B14F-4D97-AF65-F5344CB8AC3E}">
-        <p14:creationId xmlns:p14="http://schemas.microsoft.com/office/powerpoint/2010/main" val="3554096027"/>
-      </p:ext>
-    </p:extLst>
   </p:cSld>
   <p:clrMapOvr>
     <a:masterClrMapping/>
@@ -761,13 +657,7 @@
       </p:grpSpPr>
       <p:sp>
         <p:nvSpPr>
-          <p:cNvPr id="2" name="Title 1">
-            <a:extLst>
-              <a:ext uri="{FF2B5EF4-FFF2-40B4-BE49-F238E27FC236}">
-                <a16:creationId xmlns:a16="http://schemas.microsoft.com/office/drawing/2014/main" id="{B0FFAEAD-FCF7-4EBD-A809-9C8E0A6E2EDF}"/>
-              </a:ext>
-            </a:extLst>
-          </p:cNvPr>
+          <p:cNvPr id="2" name="Title 1"/>
           <p:cNvSpPr>
             <a:spLocks noGrp="1"/>
           </p:cNvSpPr>
@@ -790,13 +680,7 @@
       </p:sp>
       <p:sp>
         <p:nvSpPr>
-          <p:cNvPr id="3" name="Content Placeholder 2">
-            <a:extLst>
-              <a:ext uri="{FF2B5EF4-FFF2-40B4-BE49-F238E27FC236}">
-                <a16:creationId xmlns:a16="http://schemas.microsoft.com/office/drawing/2014/main" id="{04A3E892-F6CE-4448-A2EF-11656AEE9BBA}"/>
-              </a:ext>
-            </a:extLst>
-          </p:cNvPr>
+          <p:cNvPr id="3" name="Content Placeholder 2"/>
           <p:cNvSpPr>
             <a:spLocks noGrp="1"/>
           </p:cNvSpPr>
@@ -814,6 +698,7 @@
               <a:rPr lang="en-US"/>
               <a:t>Click to edit Master text styles</a:t>
             </a:r>
+            <a:endParaRPr lang="en-US"/>
           </a:p>
           <a:p>
             <a:pPr lvl="1"/>
@@ -821,6 +706,7 @@
               <a:rPr lang="en-US"/>
               <a:t>Second level</a:t>
             </a:r>
+            <a:endParaRPr lang="en-US"/>
           </a:p>
           <a:p>
             <a:pPr lvl="2"/>
@@ -828,6 +714,7 @@
               <a:rPr lang="en-US"/>
               <a:t>Third level</a:t>
             </a:r>
+            <a:endParaRPr lang="en-US"/>
           </a:p>
           <a:p>
             <a:pPr lvl="3"/>
@@ -835,6 +722,7 @@
               <a:rPr lang="en-US"/>
               <a:t>Fourth level</a:t>
             </a:r>
+            <a:endParaRPr lang="en-US"/>
           </a:p>
           <a:p>
             <a:pPr lvl="4"/>
@@ -848,13 +736,7 @@
       </p:sp>
       <p:sp>
         <p:nvSpPr>
-          <p:cNvPr id="4" name="Date Placeholder 3">
-            <a:extLst>
-              <a:ext uri="{FF2B5EF4-FFF2-40B4-BE49-F238E27FC236}">
-                <a16:creationId xmlns:a16="http://schemas.microsoft.com/office/drawing/2014/main" id="{111D324C-9444-42FF-90B9-48D73160012C}"/>
-              </a:ext>
-            </a:extLst>
-          </p:cNvPr>
+          <p:cNvPr id="4" name="Date Placeholder 3"/>
           <p:cNvSpPr>
             <a:spLocks noGrp="1"/>
           </p:cNvSpPr>
@@ -869,7 +751,6 @@
           <a:p>
             <a:fld id="{F613E53F-5DD9-4429-8128-EA2492E7B99D}" type="datetimeFigureOut">
               <a:rPr lang="en-IN" smtClean="0"/>
-              <a:t>31-01-2020</a:t>
             </a:fld>
             <a:endParaRPr lang="en-IN"/>
           </a:p>
@@ -877,13 +758,7 @@
       </p:sp>
       <p:sp>
         <p:nvSpPr>
-          <p:cNvPr id="5" name="Footer Placeholder 4">
-            <a:extLst>
-              <a:ext uri="{FF2B5EF4-FFF2-40B4-BE49-F238E27FC236}">
-                <a16:creationId xmlns:a16="http://schemas.microsoft.com/office/drawing/2014/main" id="{F1C8D797-09B7-45F1-876B-67339F552D97}"/>
-              </a:ext>
-            </a:extLst>
-          </p:cNvPr>
+          <p:cNvPr id="5" name="Footer Placeholder 4"/>
           <p:cNvSpPr>
             <a:spLocks noGrp="1"/>
           </p:cNvSpPr>
@@ -902,13 +777,7 @@
       </p:sp>
       <p:sp>
         <p:nvSpPr>
-          <p:cNvPr id="6" name="Slide Number Placeholder 5">
-            <a:extLst>
-              <a:ext uri="{FF2B5EF4-FFF2-40B4-BE49-F238E27FC236}">
-                <a16:creationId xmlns:a16="http://schemas.microsoft.com/office/drawing/2014/main" id="{DE4FED3A-503C-4CA1-8F39-F1C530FF744C}"/>
-              </a:ext>
-            </a:extLst>
-          </p:cNvPr>
+          <p:cNvPr id="6" name="Slide Number Placeholder 5"/>
           <p:cNvSpPr>
             <a:spLocks noGrp="1"/>
           </p:cNvSpPr>
@@ -923,18 +792,12 @@
           <a:p>
             <a:fld id="{9A1E4711-60B3-4FAF-9C2A-54CAF9E6D181}" type="slidenum">
               <a:rPr lang="en-IN" smtClean="0"/>
-              <a:t>‹#›</a:t>
             </a:fld>
             <a:endParaRPr lang="en-IN"/>
           </a:p>
         </p:txBody>
       </p:sp>
     </p:spTree>
-    <p:extLst>
-      <p:ext uri="{BB962C8B-B14F-4D97-AF65-F5344CB8AC3E}">
-        <p14:creationId xmlns:p14="http://schemas.microsoft.com/office/powerpoint/2010/main" val="3284505212"/>
-      </p:ext>
-    </p:extLst>
   </p:cSld>
   <p:clrMapOvr>
     <a:masterClrMapping/>
@@ -961,13 +824,7 @@
       </p:grpSpPr>
       <p:sp>
         <p:nvSpPr>
-          <p:cNvPr id="2" name="Title 1">
-            <a:extLst>
-              <a:ext uri="{FF2B5EF4-FFF2-40B4-BE49-F238E27FC236}">
-                <a16:creationId xmlns:a16="http://schemas.microsoft.com/office/drawing/2014/main" id="{C13470E0-A248-42B2-9E95-815DA6F755B9}"/>
-              </a:ext>
-            </a:extLst>
-          </p:cNvPr>
+          <p:cNvPr id="2" name="Title 1"/>
           <p:cNvSpPr>
             <a:spLocks noGrp="1"/>
           </p:cNvSpPr>
@@ -999,13 +856,7 @@
       </p:sp>
       <p:sp>
         <p:nvSpPr>
-          <p:cNvPr id="3" name="Text Placeholder 2">
-            <a:extLst>
-              <a:ext uri="{FF2B5EF4-FFF2-40B4-BE49-F238E27FC236}">
-                <a16:creationId xmlns:a16="http://schemas.microsoft.com/office/drawing/2014/main" id="{DF7E3D88-1F54-4CCC-A19D-DC655560E237}"/>
-              </a:ext>
-            </a:extLst>
-          </p:cNvPr>
+          <p:cNvPr id="3" name="Text Placeholder 2"/>
           <p:cNvSpPr>
             <a:spLocks noGrp="1"/>
           </p:cNvSpPr>
@@ -1119,18 +970,13 @@
               <a:rPr lang="en-US"/>
               <a:t>Click to edit Master text styles</a:t>
             </a:r>
-          </a:p>
-        </p:txBody>
-      </p:sp>
-      <p:sp>
-        <p:nvSpPr>
-          <p:cNvPr id="4" name="Date Placeholder 3">
-            <a:extLst>
-              <a:ext uri="{FF2B5EF4-FFF2-40B4-BE49-F238E27FC236}">
-                <a16:creationId xmlns:a16="http://schemas.microsoft.com/office/drawing/2014/main" id="{185DD671-4DA3-4CF6-8067-33602AD63881}"/>
-              </a:ext>
-            </a:extLst>
-          </p:cNvPr>
+            <a:endParaRPr lang="en-US"/>
+          </a:p>
+        </p:txBody>
+      </p:sp>
+      <p:sp>
+        <p:nvSpPr>
+          <p:cNvPr id="4" name="Date Placeholder 3"/>
           <p:cNvSpPr>
             <a:spLocks noGrp="1"/>
           </p:cNvSpPr>
@@ -1145,7 +991,6 @@
           <a:p>
             <a:fld id="{F613E53F-5DD9-4429-8128-EA2492E7B99D}" type="datetimeFigureOut">
               <a:rPr lang="en-IN" smtClean="0"/>
-              <a:t>31-01-2020</a:t>
             </a:fld>
             <a:endParaRPr lang="en-IN"/>
           </a:p>
@@ -1153,13 +998,7 @@
       </p:sp>
       <p:sp>
         <p:nvSpPr>
-          <p:cNvPr id="5" name="Footer Placeholder 4">
-            <a:extLst>
-              <a:ext uri="{FF2B5EF4-FFF2-40B4-BE49-F238E27FC236}">
-                <a16:creationId xmlns:a16="http://schemas.microsoft.com/office/drawing/2014/main" id="{669FC3AD-CEB2-4C35-840A-3097368E0388}"/>
-              </a:ext>
-            </a:extLst>
-          </p:cNvPr>
+          <p:cNvPr id="5" name="Footer Placeholder 4"/>
           <p:cNvSpPr>
             <a:spLocks noGrp="1"/>
           </p:cNvSpPr>
@@ -1178,13 +1017,7 @@
       </p:sp>
       <p:sp>
         <p:nvSpPr>
-          <p:cNvPr id="6" name="Slide Number Placeholder 5">
-            <a:extLst>
-              <a:ext uri="{FF2B5EF4-FFF2-40B4-BE49-F238E27FC236}">
-                <a16:creationId xmlns:a16="http://schemas.microsoft.com/office/drawing/2014/main" id="{DDD357AD-1C7B-4F15-8760-D94C7E8BD296}"/>
-              </a:ext>
-            </a:extLst>
-          </p:cNvPr>
+          <p:cNvPr id="6" name="Slide Number Placeholder 5"/>
           <p:cNvSpPr>
             <a:spLocks noGrp="1"/>
           </p:cNvSpPr>
@@ -1199,18 +1032,12 @@
           <a:p>
             <a:fld id="{9A1E4711-60B3-4FAF-9C2A-54CAF9E6D181}" type="slidenum">
               <a:rPr lang="en-IN" smtClean="0"/>
-              <a:t>‹#›</a:t>
             </a:fld>
             <a:endParaRPr lang="en-IN"/>
           </a:p>
         </p:txBody>
       </p:sp>
     </p:spTree>
-    <p:extLst>
-      <p:ext uri="{BB962C8B-B14F-4D97-AF65-F5344CB8AC3E}">
-        <p14:creationId xmlns:p14="http://schemas.microsoft.com/office/powerpoint/2010/main" val="486726343"/>
-      </p:ext>
-    </p:extLst>
   </p:cSld>
   <p:clrMapOvr>
     <a:masterClrMapping/>
@@ -1237,13 +1064,7 @@
       </p:grpSpPr>
       <p:sp>
         <p:nvSpPr>
-          <p:cNvPr id="2" name="Title 1">
-            <a:extLst>
-              <a:ext uri="{FF2B5EF4-FFF2-40B4-BE49-F238E27FC236}">
-                <a16:creationId xmlns:a16="http://schemas.microsoft.com/office/drawing/2014/main" id="{C8FA7FF4-0C8C-41B6-A091-F9002E00D18E}"/>
-              </a:ext>
-            </a:extLst>
-          </p:cNvPr>
+          <p:cNvPr id="2" name="Title 1"/>
           <p:cNvSpPr>
             <a:spLocks noGrp="1"/>
           </p:cNvSpPr>
@@ -1266,13 +1087,7 @@
       </p:sp>
       <p:sp>
         <p:nvSpPr>
-          <p:cNvPr id="3" name="Content Placeholder 2">
-            <a:extLst>
-              <a:ext uri="{FF2B5EF4-FFF2-40B4-BE49-F238E27FC236}">
-                <a16:creationId xmlns:a16="http://schemas.microsoft.com/office/drawing/2014/main" id="{EDBE4B79-78BC-495D-94DC-7F44CBA499F6}"/>
-              </a:ext>
-            </a:extLst>
-          </p:cNvPr>
+          <p:cNvPr id="3" name="Content Placeholder 2"/>
           <p:cNvSpPr>
             <a:spLocks noGrp="1"/>
           </p:cNvSpPr>
@@ -1295,6 +1110,7 @@
               <a:rPr lang="en-US"/>
               <a:t>Click to edit Master text styles</a:t>
             </a:r>
+            <a:endParaRPr lang="en-US"/>
           </a:p>
           <a:p>
             <a:pPr lvl="1"/>
@@ -1302,6 +1118,7 @@
               <a:rPr lang="en-US"/>
               <a:t>Second level</a:t>
             </a:r>
+            <a:endParaRPr lang="en-US"/>
           </a:p>
           <a:p>
             <a:pPr lvl="2"/>
@@ -1309,6 +1126,7 @@
               <a:rPr lang="en-US"/>
               <a:t>Third level</a:t>
             </a:r>
+            <a:endParaRPr lang="en-US"/>
           </a:p>
           <a:p>
             <a:pPr lvl="3"/>
@@ -1316,6 +1134,7 @@
               <a:rPr lang="en-US"/>
               <a:t>Fourth level</a:t>
             </a:r>
+            <a:endParaRPr lang="en-US"/>
           </a:p>
           <a:p>
             <a:pPr lvl="4"/>
@@ -1329,13 +1148,7 @@
       </p:sp>
       <p:sp>
         <p:nvSpPr>
-          <p:cNvPr id="4" name="Content Placeholder 3">
-            <a:extLst>
-              <a:ext uri="{FF2B5EF4-FFF2-40B4-BE49-F238E27FC236}">
-                <a16:creationId xmlns:a16="http://schemas.microsoft.com/office/drawing/2014/main" id="{DB8CAE8B-B4E5-4D8B-BBAE-7715D39EAA2F}"/>
-              </a:ext>
-            </a:extLst>
-          </p:cNvPr>
+          <p:cNvPr id="4" name="Content Placeholder 3"/>
           <p:cNvSpPr>
             <a:spLocks noGrp="1"/>
           </p:cNvSpPr>
@@ -1358,6 +1171,7 @@
               <a:rPr lang="en-US"/>
               <a:t>Click to edit Master text styles</a:t>
             </a:r>
+            <a:endParaRPr lang="en-US"/>
           </a:p>
           <a:p>
             <a:pPr lvl="1"/>
@@ -1365,6 +1179,7 @@
               <a:rPr lang="en-US"/>
               <a:t>Second level</a:t>
             </a:r>
+            <a:endParaRPr lang="en-US"/>
           </a:p>
           <a:p>
             <a:pPr lvl="2"/>
@@ -1372,6 +1187,7 @@
               <a:rPr lang="en-US"/>
               <a:t>Third level</a:t>
             </a:r>
+            <a:endParaRPr lang="en-US"/>
           </a:p>
           <a:p>
             <a:pPr lvl="3"/>
@@ -1379,6 +1195,7 @@
               <a:rPr lang="en-US"/>
               <a:t>Fourth level</a:t>
             </a:r>
+            <a:endParaRPr lang="en-US"/>
           </a:p>
           <a:p>
             <a:pPr lvl="4"/>
@@ -1392,13 +1209,7 @@
       </p:sp>
       <p:sp>
         <p:nvSpPr>
-          <p:cNvPr id="5" name="Date Placeholder 4">
-            <a:extLst>
-              <a:ext uri="{FF2B5EF4-FFF2-40B4-BE49-F238E27FC236}">
-                <a16:creationId xmlns:a16="http://schemas.microsoft.com/office/drawing/2014/main" id="{9BEA3CD1-D967-47C3-A2AE-9B567770FC2D}"/>
-              </a:ext>
-            </a:extLst>
-          </p:cNvPr>
+          <p:cNvPr id="5" name="Date Placeholder 4"/>
           <p:cNvSpPr>
             <a:spLocks noGrp="1"/>
           </p:cNvSpPr>
@@ -1413,7 +1224,6 @@
           <a:p>
             <a:fld id="{F613E53F-5DD9-4429-8128-EA2492E7B99D}" type="datetimeFigureOut">
               <a:rPr lang="en-IN" smtClean="0"/>
-              <a:t>31-01-2020</a:t>
             </a:fld>
             <a:endParaRPr lang="en-IN"/>
           </a:p>
@@ -1421,13 +1231,7 @@
       </p:sp>
       <p:sp>
         <p:nvSpPr>
-          <p:cNvPr id="6" name="Footer Placeholder 5">
-            <a:extLst>
-              <a:ext uri="{FF2B5EF4-FFF2-40B4-BE49-F238E27FC236}">
-                <a16:creationId xmlns:a16="http://schemas.microsoft.com/office/drawing/2014/main" id="{AFC63EAE-6150-4697-A087-EB9BEED6D423}"/>
-              </a:ext>
-            </a:extLst>
-          </p:cNvPr>
+          <p:cNvPr id="6" name="Footer Placeholder 5"/>
           <p:cNvSpPr>
             <a:spLocks noGrp="1"/>
           </p:cNvSpPr>
@@ -1446,13 +1250,7 @@
       </p:sp>
       <p:sp>
         <p:nvSpPr>
-          <p:cNvPr id="7" name="Slide Number Placeholder 6">
-            <a:extLst>
-              <a:ext uri="{FF2B5EF4-FFF2-40B4-BE49-F238E27FC236}">
-                <a16:creationId xmlns:a16="http://schemas.microsoft.com/office/drawing/2014/main" id="{D6807565-3A03-4817-866A-7DD8CB363C76}"/>
-              </a:ext>
-            </a:extLst>
-          </p:cNvPr>
+          <p:cNvPr id="7" name="Slide Number Placeholder 6"/>
           <p:cNvSpPr>
             <a:spLocks noGrp="1"/>
           </p:cNvSpPr>
@@ -1467,18 +1265,12 @@
           <a:p>
             <a:fld id="{9A1E4711-60B3-4FAF-9C2A-54CAF9E6D181}" type="slidenum">
               <a:rPr lang="en-IN" smtClean="0"/>
-              <a:t>‹#›</a:t>
             </a:fld>
             <a:endParaRPr lang="en-IN"/>
           </a:p>
         </p:txBody>
       </p:sp>
     </p:spTree>
-    <p:extLst>
-      <p:ext uri="{BB962C8B-B14F-4D97-AF65-F5344CB8AC3E}">
-        <p14:creationId xmlns:p14="http://schemas.microsoft.com/office/powerpoint/2010/main" val="1097098211"/>
-      </p:ext>
-    </p:extLst>
   </p:cSld>
   <p:clrMapOvr>
     <a:masterClrMapping/>
@@ -1505,13 +1297,7 @@
       </p:grpSpPr>
       <p:sp>
         <p:nvSpPr>
-          <p:cNvPr id="2" name="Title 1">
-            <a:extLst>
-              <a:ext uri="{FF2B5EF4-FFF2-40B4-BE49-F238E27FC236}">
-                <a16:creationId xmlns:a16="http://schemas.microsoft.com/office/drawing/2014/main" id="{49689939-54B5-4AC4-A682-009AF0692730}"/>
-              </a:ext>
-            </a:extLst>
-          </p:cNvPr>
+          <p:cNvPr id="2" name="Title 1"/>
           <p:cNvSpPr>
             <a:spLocks noGrp="1"/>
           </p:cNvSpPr>
@@ -1539,13 +1325,7 @@
       </p:sp>
       <p:sp>
         <p:nvSpPr>
-          <p:cNvPr id="3" name="Text Placeholder 2">
-            <a:extLst>
-              <a:ext uri="{FF2B5EF4-FFF2-40B4-BE49-F238E27FC236}">
-                <a16:creationId xmlns:a16="http://schemas.microsoft.com/office/drawing/2014/main" id="{ABD1AFBB-AC19-4C00-B2C9-66AF7CD41A68}"/>
-              </a:ext>
-            </a:extLst>
-          </p:cNvPr>
+          <p:cNvPr id="3" name="Text Placeholder 2"/>
           <p:cNvSpPr>
             <a:spLocks noGrp="1"/>
           </p:cNvSpPr>
@@ -1605,18 +1385,13 @@
               <a:rPr lang="en-US"/>
               <a:t>Click to edit Master text styles</a:t>
             </a:r>
-          </a:p>
-        </p:txBody>
-      </p:sp>
-      <p:sp>
-        <p:nvSpPr>
-          <p:cNvPr id="4" name="Content Placeholder 3">
-            <a:extLst>
-              <a:ext uri="{FF2B5EF4-FFF2-40B4-BE49-F238E27FC236}">
-                <a16:creationId xmlns:a16="http://schemas.microsoft.com/office/drawing/2014/main" id="{6D7B8A80-A9CC-48AD-9453-33E0006ECA0E}"/>
-              </a:ext>
-            </a:extLst>
-          </p:cNvPr>
+            <a:endParaRPr lang="en-US"/>
+          </a:p>
+        </p:txBody>
+      </p:sp>
+      <p:sp>
+        <p:nvSpPr>
+          <p:cNvPr id="4" name="Content Placeholder 3"/>
           <p:cNvSpPr>
             <a:spLocks noGrp="1"/>
           </p:cNvSpPr>
@@ -1639,6 +1414,7 @@
               <a:rPr lang="en-US"/>
               <a:t>Click to edit Master text styles</a:t>
             </a:r>
+            <a:endParaRPr lang="en-US"/>
           </a:p>
           <a:p>
             <a:pPr lvl="1"/>
@@ -1646,6 +1422,7 @@
               <a:rPr lang="en-US"/>
               <a:t>Second level</a:t>
             </a:r>
+            <a:endParaRPr lang="en-US"/>
           </a:p>
           <a:p>
             <a:pPr lvl="2"/>
@@ -1653,6 +1430,7 @@
               <a:rPr lang="en-US"/>
               <a:t>Third level</a:t>
             </a:r>
+            <a:endParaRPr lang="en-US"/>
           </a:p>
           <a:p>
             <a:pPr lvl="3"/>
@@ -1660,6 +1438,7 @@
               <a:rPr lang="en-US"/>
               <a:t>Fourth level</a:t>
             </a:r>
+            <a:endParaRPr lang="en-US"/>
           </a:p>
           <a:p>
             <a:pPr lvl="4"/>
@@ -1673,13 +1452,7 @@
       </p:sp>
       <p:sp>
         <p:nvSpPr>
-          <p:cNvPr id="5" name="Text Placeholder 4">
-            <a:extLst>
-              <a:ext uri="{FF2B5EF4-FFF2-40B4-BE49-F238E27FC236}">
-                <a16:creationId xmlns:a16="http://schemas.microsoft.com/office/drawing/2014/main" id="{E8CCB7F0-17EA-48DE-B417-6033B0832FD0}"/>
-              </a:ext>
-            </a:extLst>
-          </p:cNvPr>
+          <p:cNvPr id="5" name="Text Placeholder 4"/>
           <p:cNvSpPr>
             <a:spLocks noGrp="1"/>
           </p:cNvSpPr>
@@ -1739,18 +1512,13 @@
               <a:rPr lang="en-US"/>
               <a:t>Click to edit Master text styles</a:t>
             </a:r>
-          </a:p>
-        </p:txBody>
-      </p:sp>
-      <p:sp>
-        <p:nvSpPr>
-          <p:cNvPr id="6" name="Content Placeholder 5">
-            <a:extLst>
-              <a:ext uri="{FF2B5EF4-FFF2-40B4-BE49-F238E27FC236}">
-                <a16:creationId xmlns:a16="http://schemas.microsoft.com/office/drawing/2014/main" id="{DE2E7DCC-A119-4E39-BB44-D5F052FD76F5}"/>
-              </a:ext>
-            </a:extLst>
-          </p:cNvPr>
+            <a:endParaRPr lang="en-US"/>
+          </a:p>
+        </p:txBody>
+      </p:sp>
+      <p:sp>
+        <p:nvSpPr>
+          <p:cNvPr id="6" name="Content Placeholder 5"/>
           <p:cNvSpPr>
             <a:spLocks noGrp="1"/>
           </p:cNvSpPr>
@@ -1773,6 +1541,7 @@
               <a:rPr lang="en-US"/>
               <a:t>Click to edit Master text styles</a:t>
             </a:r>
+            <a:endParaRPr lang="en-US"/>
           </a:p>
           <a:p>
             <a:pPr lvl="1"/>
@@ -1780,6 +1549,7 @@
               <a:rPr lang="en-US"/>
               <a:t>Second level</a:t>
             </a:r>
+            <a:endParaRPr lang="en-US"/>
           </a:p>
           <a:p>
             <a:pPr lvl="2"/>
@@ -1787,6 +1557,7 @@
               <a:rPr lang="en-US"/>
               <a:t>Third level</a:t>
             </a:r>
+            <a:endParaRPr lang="en-US"/>
           </a:p>
           <a:p>
             <a:pPr lvl="3"/>
@@ -1794,6 +1565,7 @@
               <a:rPr lang="en-US"/>
               <a:t>Fourth level</a:t>
             </a:r>
+            <a:endParaRPr lang="en-US"/>
           </a:p>
           <a:p>
             <a:pPr lvl="4"/>
@@ -1807,13 +1579,7 @@
       </p:sp>
       <p:sp>
         <p:nvSpPr>
-          <p:cNvPr id="7" name="Date Placeholder 6">
-            <a:extLst>
-              <a:ext uri="{FF2B5EF4-FFF2-40B4-BE49-F238E27FC236}">
-                <a16:creationId xmlns:a16="http://schemas.microsoft.com/office/drawing/2014/main" id="{60B117CF-A974-4E71-9FEA-4BF1A847F440}"/>
-              </a:ext>
-            </a:extLst>
-          </p:cNvPr>
+          <p:cNvPr id="7" name="Date Placeholder 6"/>
           <p:cNvSpPr>
             <a:spLocks noGrp="1"/>
           </p:cNvSpPr>
@@ -1828,7 +1594,6 @@
           <a:p>
             <a:fld id="{F613E53F-5DD9-4429-8128-EA2492E7B99D}" type="datetimeFigureOut">
               <a:rPr lang="en-IN" smtClean="0"/>
-              <a:t>31-01-2020</a:t>
             </a:fld>
             <a:endParaRPr lang="en-IN"/>
           </a:p>
@@ -1836,13 +1601,7 @@
       </p:sp>
       <p:sp>
         <p:nvSpPr>
-          <p:cNvPr id="8" name="Footer Placeholder 7">
-            <a:extLst>
-              <a:ext uri="{FF2B5EF4-FFF2-40B4-BE49-F238E27FC236}">
-                <a16:creationId xmlns:a16="http://schemas.microsoft.com/office/drawing/2014/main" id="{BA6DAFF9-1002-406B-8E28-E457D5A14A18}"/>
-              </a:ext>
-            </a:extLst>
-          </p:cNvPr>
+          <p:cNvPr id="8" name="Footer Placeholder 7"/>
           <p:cNvSpPr>
             <a:spLocks noGrp="1"/>
           </p:cNvSpPr>
@@ -1861,13 +1620,7 @@
       </p:sp>
       <p:sp>
         <p:nvSpPr>
-          <p:cNvPr id="9" name="Slide Number Placeholder 8">
-            <a:extLst>
-              <a:ext uri="{FF2B5EF4-FFF2-40B4-BE49-F238E27FC236}">
-                <a16:creationId xmlns:a16="http://schemas.microsoft.com/office/drawing/2014/main" id="{A8D8DBFF-557F-49E0-8332-4C70B65F91EE}"/>
-              </a:ext>
-            </a:extLst>
-          </p:cNvPr>
+          <p:cNvPr id="9" name="Slide Number Placeholder 8"/>
           <p:cNvSpPr>
             <a:spLocks noGrp="1"/>
           </p:cNvSpPr>
@@ -1882,18 +1635,12 @@
           <a:p>
             <a:fld id="{9A1E4711-60B3-4FAF-9C2A-54CAF9E6D181}" type="slidenum">
               <a:rPr lang="en-IN" smtClean="0"/>
-              <a:t>‹#›</a:t>
             </a:fld>
             <a:endParaRPr lang="en-IN"/>
           </a:p>
         </p:txBody>
       </p:sp>
     </p:spTree>
-    <p:extLst>
-      <p:ext uri="{BB962C8B-B14F-4D97-AF65-F5344CB8AC3E}">
-        <p14:creationId xmlns:p14="http://schemas.microsoft.com/office/powerpoint/2010/main" val="1948803604"/>
-      </p:ext>
-    </p:extLst>
   </p:cSld>
   <p:clrMapOvr>
     <a:masterClrMapping/>
@@ -1920,13 +1667,7 @@
       </p:grpSpPr>
       <p:sp>
         <p:nvSpPr>
-          <p:cNvPr id="2" name="Title 1">
-            <a:extLst>
-              <a:ext uri="{FF2B5EF4-FFF2-40B4-BE49-F238E27FC236}">
-                <a16:creationId xmlns:a16="http://schemas.microsoft.com/office/drawing/2014/main" id="{03BC072D-79C2-46A2-906C-14566B87CC26}"/>
-              </a:ext>
-            </a:extLst>
-          </p:cNvPr>
+          <p:cNvPr id="2" name="Title 1"/>
           <p:cNvSpPr>
             <a:spLocks noGrp="1"/>
           </p:cNvSpPr>
@@ -1949,13 +1690,7 @@
       </p:sp>
       <p:sp>
         <p:nvSpPr>
-          <p:cNvPr id="3" name="Date Placeholder 2">
-            <a:extLst>
-              <a:ext uri="{FF2B5EF4-FFF2-40B4-BE49-F238E27FC236}">
-                <a16:creationId xmlns:a16="http://schemas.microsoft.com/office/drawing/2014/main" id="{47B3D7F0-A248-429A-832F-3ED08749F3DE}"/>
-              </a:ext>
-            </a:extLst>
-          </p:cNvPr>
+          <p:cNvPr id="3" name="Date Placeholder 2"/>
           <p:cNvSpPr>
             <a:spLocks noGrp="1"/>
           </p:cNvSpPr>
@@ -1970,7 +1705,6 @@
           <a:p>
             <a:fld id="{F613E53F-5DD9-4429-8128-EA2492E7B99D}" type="datetimeFigureOut">
               <a:rPr lang="en-IN" smtClean="0"/>
-              <a:t>31-01-2020</a:t>
             </a:fld>
             <a:endParaRPr lang="en-IN"/>
           </a:p>
@@ -1978,13 +1712,7 @@
       </p:sp>
       <p:sp>
         <p:nvSpPr>
-          <p:cNvPr id="4" name="Footer Placeholder 3">
-            <a:extLst>
-              <a:ext uri="{FF2B5EF4-FFF2-40B4-BE49-F238E27FC236}">
-                <a16:creationId xmlns:a16="http://schemas.microsoft.com/office/drawing/2014/main" id="{F2056876-AA61-440F-93FC-09C78C1BC8EF}"/>
-              </a:ext>
-            </a:extLst>
-          </p:cNvPr>
+          <p:cNvPr id="4" name="Footer Placeholder 3"/>
           <p:cNvSpPr>
             <a:spLocks noGrp="1"/>
           </p:cNvSpPr>
@@ -2003,13 +1731,7 @@
       </p:sp>
       <p:sp>
         <p:nvSpPr>
-          <p:cNvPr id="5" name="Slide Number Placeholder 4">
-            <a:extLst>
-              <a:ext uri="{FF2B5EF4-FFF2-40B4-BE49-F238E27FC236}">
-                <a16:creationId xmlns:a16="http://schemas.microsoft.com/office/drawing/2014/main" id="{F0344CD7-D319-4A5F-80E5-DD28F16880C1}"/>
-              </a:ext>
-            </a:extLst>
-          </p:cNvPr>
+          <p:cNvPr id="5" name="Slide Number Placeholder 4"/>
           <p:cNvSpPr>
             <a:spLocks noGrp="1"/>
           </p:cNvSpPr>
@@ -2024,18 +1746,12 @@
           <a:p>
             <a:fld id="{9A1E4711-60B3-4FAF-9C2A-54CAF9E6D181}" type="slidenum">
               <a:rPr lang="en-IN" smtClean="0"/>
-              <a:t>‹#›</a:t>
             </a:fld>
             <a:endParaRPr lang="en-IN"/>
           </a:p>
         </p:txBody>
       </p:sp>
     </p:spTree>
-    <p:extLst>
-      <p:ext uri="{BB962C8B-B14F-4D97-AF65-F5344CB8AC3E}">
-        <p14:creationId xmlns:p14="http://schemas.microsoft.com/office/powerpoint/2010/main" val="366597623"/>
-      </p:ext>
-    </p:extLst>
   </p:cSld>
   <p:clrMapOvr>
     <a:masterClrMapping/>
@@ -2062,13 +1778,7 @@
       </p:grpSpPr>
       <p:sp>
         <p:nvSpPr>
-          <p:cNvPr id="2" name="Date Placeholder 1">
-            <a:extLst>
-              <a:ext uri="{FF2B5EF4-FFF2-40B4-BE49-F238E27FC236}">
-                <a16:creationId xmlns:a16="http://schemas.microsoft.com/office/drawing/2014/main" id="{CA19C476-3E79-493C-8F3A-41EBFCE0CCAA}"/>
-              </a:ext>
-            </a:extLst>
-          </p:cNvPr>
+          <p:cNvPr id="2" name="Date Placeholder 1"/>
           <p:cNvSpPr>
             <a:spLocks noGrp="1"/>
           </p:cNvSpPr>
@@ -2083,7 +1793,6 @@
           <a:p>
             <a:fld id="{F613E53F-5DD9-4429-8128-EA2492E7B99D}" type="datetimeFigureOut">
               <a:rPr lang="en-IN" smtClean="0"/>
-              <a:t>31-01-2020</a:t>
             </a:fld>
             <a:endParaRPr lang="en-IN"/>
           </a:p>
@@ -2091,13 +1800,7 @@
       </p:sp>
       <p:sp>
         <p:nvSpPr>
-          <p:cNvPr id="3" name="Footer Placeholder 2">
-            <a:extLst>
-              <a:ext uri="{FF2B5EF4-FFF2-40B4-BE49-F238E27FC236}">
-                <a16:creationId xmlns:a16="http://schemas.microsoft.com/office/drawing/2014/main" id="{B2F28F5A-F7E6-4445-B65A-AC4F34B897D6}"/>
-              </a:ext>
-            </a:extLst>
-          </p:cNvPr>
+          <p:cNvPr id="3" name="Footer Placeholder 2"/>
           <p:cNvSpPr>
             <a:spLocks noGrp="1"/>
           </p:cNvSpPr>
@@ -2116,13 +1819,7 @@
       </p:sp>
       <p:sp>
         <p:nvSpPr>
-          <p:cNvPr id="4" name="Slide Number Placeholder 3">
-            <a:extLst>
-              <a:ext uri="{FF2B5EF4-FFF2-40B4-BE49-F238E27FC236}">
-                <a16:creationId xmlns:a16="http://schemas.microsoft.com/office/drawing/2014/main" id="{6B7DACB9-2D66-4C32-8E4E-05C33D023732}"/>
-              </a:ext>
-            </a:extLst>
-          </p:cNvPr>
+          <p:cNvPr id="4" name="Slide Number Placeholder 3"/>
           <p:cNvSpPr>
             <a:spLocks noGrp="1"/>
           </p:cNvSpPr>
@@ -2137,18 +1834,12 @@
           <a:p>
             <a:fld id="{9A1E4711-60B3-4FAF-9C2A-54CAF9E6D181}" type="slidenum">
               <a:rPr lang="en-IN" smtClean="0"/>
-              <a:t>‹#›</a:t>
             </a:fld>
             <a:endParaRPr lang="en-IN"/>
           </a:p>
         </p:txBody>
       </p:sp>
     </p:spTree>
-    <p:extLst>
-      <p:ext uri="{BB962C8B-B14F-4D97-AF65-F5344CB8AC3E}">
-        <p14:creationId xmlns:p14="http://schemas.microsoft.com/office/powerpoint/2010/main" val="3600434034"/>
-      </p:ext>
-    </p:extLst>
   </p:cSld>
   <p:clrMapOvr>
     <a:masterClrMapping/>
@@ -2175,13 +1866,7 @@
       </p:grpSpPr>
       <p:sp>
         <p:nvSpPr>
-          <p:cNvPr id="2" name="Title 1">
-            <a:extLst>
-              <a:ext uri="{FF2B5EF4-FFF2-40B4-BE49-F238E27FC236}">
-                <a16:creationId xmlns:a16="http://schemas.microsoft.com/office/drawing/2014/main" id="{725759FB-71F8-479F-B409-33A70F193E24}"/>
-              </a:ext>
-            </a:extLst>
-          </p:cNvPr>
+          <p:cNvPr id="2" name="Title 1"/>
           <p:cNvSpPr>
             <a:spLocks noGrp="1"/>
           </p:cNvSpPr>
@@ -2213,13 +1898,7 @@
       </p:sp>
       <p:sp>
         <p:nvSpPr>
-          <p:cNvPr id="3" name="Content Placeholder 2">
-            <a:extLst>
-              <a:ext uri="{FF2B5EF4-FFF2-40B4-BE49-F238E27FC236}">
-                <a16:creationId xmlns:a16="http://schemas.microsoft.com/office/drawing/2014/main" id="{AD915BD0-91BA-41AE-AA6B-90160CBC4711}"/>
-              </a:ext>
-            </a:extLst>
-          </p:cNvPr>
+          <p:cNvPr id="3" name="Content Placeholder 2"/>
           <p:cNvSpPr>
             <a:spLocks noGrp="1"/>
           </p:cNvSpPr>
@@ -2270,6 +1949,7 @@
               <a:rPr lang="en-US"/>
               <a:t>Click to edit Master text styles</a:t>
             </a:r>
+            <a:endParaRPr lang="en-US"/>
           </a:p>
           <a:p>
             <a:pPr lvl="1"/>
@@ -2277,6 +1957,7 @@
               <a:rPr lang="en-US"/>
               <a:t>Second level</a:t>
             </a:r>
+            <a:endParaRPr lang="en-US"/>
           </a:p>
           <a:p>
             <a:pPr lvl="2"/>
@@ -2284,6 +1965,7 @@
               <a:rPr lang="en-US"/>
               <a:t>Third level</a:t>
             </a:r>
+            <a:endParaRPr lang="en-US"/>
           </a:p>
           <a:p>
             <a:pPr lvl="3"/>
@@ -2291,6 +1973,7 @@
               <a:rPr lang="en-US"/>
               <a:t>Fourth level</a:t>
             </a:r>
+            <a:endParaRPr lang="en-US"/>
           </a:p>
           <a:p>
             <a:pPr lvl="4"/>
@@ -2304,13 +1987,7 @@
       </p:sp>
       <p:sp>
         <p:nvSpPr>
-          <p:cNvPr id="4" name="Text Placeholder 3">
-            <a:extLst>
-              <a:ext uri="{FF2B5EF4-FFF2-40B4-BE49-F238E27FC236}">
-                <a16:creationId xmlns:a16="http://schemas.microsoft.com/office/drawing/2014/main" id="{EDDF1BCE-C9C6-4311-B4C2-4CD35284E7E5}"/>
-              </a:ext>
-            </a:extLst>
-          </p:cNvPr>
+          <p:cNvPr id="4" name="Text Placeholder 3"/>
           <p:cNvSpPr>
             <a:spLocks noGrp="1"/>
           </p:cNvSpPr>
@@ -2370,18 +2047,13 @@
               <a:rPr lang="en-US"/>
               <a:t>Click to edit Master text styles</a:t>
             </a:r>
-          </a:p>
-        </p:txBody>
-      </p:sp>
-      <p:sp>
-        <p:nvSpPr>
-          <p:cNvPr id="5" name="Date Placeholder 4">
-            <a:extLst>
-              <a:ext uri="{FF2B5EF4-FFF2-40B4-BE49-F238E27FC236}">
-                <a16:creationId xmlns:a16="http://schemas.microsoft.com/office/drawing/2014/main" id="{3B17A255-9B03-4537-98CB-BB4700F07A4C}"/>
-              </a:ext>
-            </a:extLst>
-          </p:cNvPr>
+            <a:endParaRPr lang="en-US"/>
+          </a:p>
+        </p:txBody>
+      </p:sp>
+      <p:sp>
+        <p:nvSpPr>
+          <p:cNvPr id="5" name="Date Placeholder 4"/>
           <p:cNvSpPr>
             <a:spLocks noGrp="1"/>
           </p:cNvSpPr>
@@ -2396,7 +2068,6 @@
           <a:p>
             <a:fld id="{F613E53F-5DD9-4429-8128-EA2492E7B99D}" type="datetimeFigureOut">
               <a:rPr lang="en-IN" smtClean="0"/>
-              <a:t>31-01-2020</a:t>
             </a:fld>
             <a:endParaRPr lang="en-IN"/>
           </a:p>
@@ -2404,13 +2075,7 @@
       </p:sp>
       <p:sp>
         <p:nvSpPr>
-          <p:cNvPr id="6" name="Footer Placeholder 5">
-            <a:extLst>
-              <a:ext uri="{FF2B5EF4-FFF2-40B4-BE49-F238E27FC236}">
-                <a16:creationId xmlns:a16="http://schemas.microsoft.com/office/drawing/2014/main" id="{B4C3B505-44CA-4492-A56C-44AEB509FA11}"/>
-              </a:ext>
-            </a:extLst>
-          </p:cNvPr>
+          <p:cNvPr id="6" name="Footer Placeholder 5"/>
           <p:cNvSpPr>
             <a:spLocks noGrp="1"/>
           </p:cNvSpPr>
@@ -2429,13 +2094,7 @@
       </p:sp>
       <p:sp>
         <p:nvSpPr>
-          <p:cNvPr id="7" name="Slide Number Placeholder 6">
-            <a:extLst>
-              <a:ext uri="{FF2B5EF4-FFF2-40B4-BE49-F238E27FC236}">
-                <a16:creationId xmlns:a16="http://schemas.microsoft.com/office/drawing/2014/main" id="{4DFB7703-6687-470C-9804-0F157D5A4354}"/>
-              </a:ext>
-            </a:extLst>
-          </p:cNvPr>
+          <p:cNvPr id="7" name="Slide Number Placeholder 6"/>
           <p:cNvSpPr>
             <a:spLocks noGrp="1"/>
           </p:cNvSpPr>
@@ -2450,18 +2109,12 @@
           <a:p>
             <a:fld id="{9A1E4711-60B3-4FAF-9C2A-54CAF9E6D181}" type="slidenum">
               <a:rPr lang="en-IN" smtClean="0"/>
-              <a:t>‹#›</a:t>
             </a:fld>
             <a:endParaRPr lang="en-IN"/>
           </a:p>
         </p:txBody>
       </p:sp>
     </p:spTree>
-    <p:extLst>
-      <p:ext uri="{BB962C8B-B14F-4D97-AF65-F5344CB8AC3E}">
-        <p14:creationId xmlns:p14="http://schemas.microsoft.com/office/powerpoint/2010/main" val="1094027414"/>
-      </p:ext>
-    </p:extLst>
   </p:cSld>
   <p:clrMapOvr>
     <a:masterClrMapping/>
@@ -2488,13 +2141,7 @@
       </p:grpSpPr>
       <p:sp>
         <p:nvSpPr>
-          <p:cNvPr id="2" name="Title 1">
-            <a:extLst>
-              <a:ext uri="{FF2B5EF4-FFF2-40B4-BE49-F238E27FC236}">
-                <a16:creationId xmlns:a16="http://schemas.microsoft.com/office/drawing/2014/main" id="{FAD756B4-43A2-47DE-BEF9-B0B379FF91EB}"/>
-              </a:ext>
-            </a:extLst>
-          </p:cNvPr>
+          <p:cNvPr id="2" name="Title 1"/>
           <p:cNvSpPr>
             <a:spLocks noGrp="1"/>
           </p:cNvSpPr>
@@ -2526,13 +2173,7 @@
       </p:sp>
       <p:sp>
         <p:nvSpPr>
-          <p:cNvPr id="3" name="Picture Placeholder 2">
-            <a:extLst>
-              <a:ext uri="{FF2B5EF4-FFF2-40B4-BE49-F238E27FC236}">
-                <a16:creationId xmlns:a16="http://schemas.microsoft.com/office/drawing/2014/main" id="{9AD16ED3-6296-4537-8ED5-78D0199AAD0B}"/>
-              </a:ext>
-            </a:extLst>
-          </p:cNvPr>
+          <p:cNvPr id="3" name="Picture Placeholder 2"/>
           <p:cNvSpPr>
             <a:spLocks noGrp="1"/>
           </p:cNvSpPr>
@@ -2593,13 +2234,7 @@
       </p:sp>
       <p:sp>
         <p:nvSpPr>
-          <p:cNvPr id="4" name="Text Placeholder 3">
-            <a:extLst>
-              <a:ext uri="{FF2B5EF4-FFF2-40B4-BE49-F238E27FC236}">
-                <a16:creationId xmlns:a16="http://schemas.microsoft.com/office/drawing/2014/main" id="{AF91EB3B-8ADC-406A-B0C8-1A637C7D8A55}"/>
-              </a:ext>
-            </a:extLst>
-          </p:cNvPr>
+          <p:cNvPr id="4" name="Text Placeholder 3"/>
           <p:cNvSpPr>
             <a:spLocks noGrp="1"/>
           </p:cNvSpPr>
@@ -2659,18 +2294,13 @@
               <a:rPr lang="en-US"/>
               <a:t>Click to edit Master text styles</a:t>
             </a:r>
-          </a:p>
-        </p:txBody>
-      </p:sp>
-      <p:sp>
-        <p:nvSpPr>
-          <p:cNvPr id="5" name="Date Placeholder 4">
-            <a:extLst>
-              <a:ext uri="{FF2B5EF4-FFF2-40B4-BE49-F238E27FC236}">
-                <a16:creationId xmlns:a16="http://schemas.microsoft.com/office/drawing/2014/main" id="{6DE47D82-F9B4-44A2-B94F-B03164A2AB95}"/>
-              </a:ext>
-            </a:extLst>
-          </p:cNvPr>
+            <a:endParaRPr lang="en-US"/>
+          </a:p>
+        </p:txBody>
+      </p:sp>
+      <p:sp>
+        <p:nvSpPr>
+          <p:cNvPr id="5" name="Date Placeholder 4"/>
           <p:cNvSpPr>
             <a:spLocks noGrp="1"/>
           </p:cNvSpPr>
@@ -2685,7 +2315,6 @@
           <a:p>
             <a:fld id="{F613E53F-5DD9-4429-8128-EA2492E7B99D}" type="datetimeFigureOut">
               <a:rPr lang="en-IN" smtClean="0"/>
-              <a:t>31-01-2020</a:t>
             </a:fld>
             <a:endParaRPr lang="en-IN"/>
           </a:p>
@@ -2693,13 +2322,7 @@
       </p:sp>
       <p:sp>
         <p:nvSpPr>
-          <p:cNvPr id="6" name="Footer Placeholder 5">
-            <a:extLst>
-              <a:ext uri="{FF2B5EF4-FFF2-40B4-BE49-F238E27FC236}">
-                <a16:creationId xmlns:a16="http://schemas.microsoft.com/office/drawing/2014/main" id="{78572071-0FB6-4CAC-8D80-E4474ED484ED}"/>
-              </a:ext>
-            </a:extLst>
-          </p:cNvPr>
+          <p:cNvPr id="6" name="Footer Placeholder 5"/>
           <p:cNvSpPr>
             <a:spLocks noGrp="1"/>
           </p:cNvSpPr>
@@ -2718,13 +2341,7 @@
       </p:sp>
       <p:sp>
         <p:nvSpPr>
-          <p:cNvPr id="7" name="Slide Number Placeholder 6">
-            <a:extLst>
-              <a:ext uri="{FF2B5EF4-FFF2-40B4-BE49-F238E27FC236}">
-                <a16:creationId xmlns:a16="http://schemas.microsoft.com/office/drawing/2014/main" id="{58CC33FE-117E-4B1F-979C-2BC17D172D87}"/>
-              </a:ext>
-            </a:extLst>
-          </p:cNvPr>
+          <p:cNvPr id="7" name="Slide Number Placeholder 6"/>
           <p:cNvSpPr>
             <a:spLocks noGrp="1"/>
           </p:cNvSpPr>
@@ -2739,18 +2356,12 @@
           <a:p>
             <a:fld id="{9A1E4711-60B3-4FAF-9C2A-54CAF9E6D181}" type="slidenum">
               <a:rPr lang="en-IN" smtClean="0"/>
-              <a:t>‹#›</a:t>
             </a:fld>
             <a:endParaRPr lang="en-IN"/>
           </a:p>
         </p:txBody>
       </p:sp>
     </p:spTree>
-    <p:extLst>
-      <p:ext uri="{BB962C8B-B14F-4D97-AF65-F5344CB8AC3E}">
-        <p14:creationId xmlns:p14="http://schemas.microsoft.com/office/powerpoint/2010/main" val="2679192033"/>
-      </p:ext>
-    </p:extLst>
   </p:cSld>
   <p:clrMapOvr>
     <a:masterClrMapping/>
@@ -2782,13 +2393,7 @@
       </p:grpSpPr>
       <p:sp>
         <p:nvSpPr>
-          <p:cNvPr id="2" name="Title Placeholder 1">
-            <a:extLst>
-              <a:ext uri="{FF2B5EF4-FFF2-40B4-BE49-F238E27FC236}">
-                <a16:creationId xmlns:a16="http://schemas.microsoft.com/office/drawing/2014/main" id="{FCA11CE2-F43D-493D-9211-30171960C177}"/>
-              </a:ext>
-            </a:extLst>
-          </p:cNvPr>
+          <p:cNvPr id="2" name="Title Placeholder 1"/>
           <p:cNvSpPr>
             <a:spLocks noGrp="1"/>
           </p:cNvSpPr>
@@ -2821,13 +2426,7 @@
       </p:sp>
       <p:sp>
         <p:nvSpPr>
-          <p:cNvPr id="3" name="Text Placeholder 2">
-            <a:extLst>
-              <a:ext uri="{FF2B5EF4-FFF2-40B4-BE49-F238E27FC236}">
-                <a16:creationId xmlns:a16="http://schemas.microsoft.com/office/drawing/2014/main" id="{71EF3BF2-9BFA-47C8-92DD-F738913D1A91}"/>
-              </a:ext>
-            </a:extLst>
-          </p:cNvPr>
+          <p:cNvPr id="3" name="Text Placeholder 2"/>
           <p:cNvSpPr>
             <a:spLocks noGrp="1"/>
           </p:cNvSpPr>
@@ -2855,6 +2454,7 @@
               <a:rPr lang="en-US"/>
               <a:t>Click to edit Master text styles</a:t>
             </a:r>
+            <a:endParaRPr lang="en-US"/>
           </a:p>
           <a:p>
             <a:pPr lvl="1"/>
@@ -2862,6 +2462,7 @@
               <a:rPr lang="en-US"/>
               <a:t>Second level</a:t>
             </a:r>
+            <a:endParaRPr lang="en-US"/>
           </a:p>
           <a:p>
             <a:pPr lvl="2"/>
@@ -2869,6 +2470,7 @@
               <a:rPr lang="en-US"/>
               <a:t>Third level</a:t>
             </a:r>
+            <a:endParaRPr lang="en-US"/>
           </a:p>
           <a:p>
             <a:pPr lvl="3"/>
@@ -2876,6 +2478,7 @@
               <a:rPr lang="en-US"/>
               <a:t>Fourth level</a:t>
             </a:r>
+            <a:endParaRPr lang="en-US"/>
           </a:p>
           <a:p>
             <a:pPr lvl="4"/>
@@ -2889,13 +2492,7 @@
       </p:sp>
       <p:sp>
         <p:nvSpPr>
-          <p:cNvPr id="4" name="Date Placeholder 3">
-            <a:extLst>
-              <a:ext uri="{FF2B5EF4-FFF2-40B4-BE49-F238E27FC236}">
-                <a16:creationId xmlns:a16="http://schemas.microsoft.com/office/drawing/2014/main" id="{5A1C8AB1-8D59-4F3A-9B83-D8FD0ECB8CA9}"/>
-              </a:ext>
-            </a:extLst>
-          </p:cNvPr>
+          <p:cNvPr id="4" name="Date Placeholder 3"/>
           <p:cNvSpPr>
             <a:spLocks noGrp="1"/>
           </p:cNvSpPr>
@@ -2928,7 +2525,6 @@
           <a:p>
             <a:fld id="{F613E53F-5DD9-4429-8128-EA2492E7B99D}" type="datetimeFigureOut">
               <a:rPr lang="en-IN" smtClean="0"/>
-              <a:t>31-01-2020</a:t>
             </a:fld>
             <a:endParaRPr lang="en-IN"/>
           </a:p>
@@ -2936,13 +2532,7 @@
       </p:sp>
       <p:sp>
         <p:nvSpPr>
-          <p:cNvPr id="5" name="Footer Placeholder 4">
-            <a:extLst>
-              <a:ext uri="{FF2B5EF4-FFF2-40B4-BE49-F238E27FC236}">
-                <a16:creationId xmlns:a16="http://schemas.microsoft.com/office/drawing/2014/main" id="{66F3C791-D4DB-491D-8424-814271A9DBCB}"/>
-              </a:ext>
-            </a:extLst>
-          </p:cNvPr>
+          <p:cNvPr id="5" name="Footer Placeholder 4"/>
           <p:cNvSpPr>
             <a:spLocks noGrp="1"/>
           </p:cNvSpPr>
@@ -2979,13 +2569,7 @@
       </p:sp>
       <p:sp>
         <p:nvSpPr>
-          <p:cNvPr id="6" name="Slide Number Placeholder 5">
-            <a:extLst>
-              <a:ext uri="{FF2B5EF4-FFF2-40B4-BE49-F238E27FC236}">
-                <a16:creationId xmlns:a16="http://schemas.microsoft.com/office/drawing/2014/main" id="{F724EA46-442C-4323-B89B-1BA56385D034}"/>
-              </a:ext>
-            </a:extLst>
-          </p:cNvPr>
+          <p:cNvPr id="6" name="Slide Number Placeholder 5"/>
           <p:cNvSpPr>
             <a:spLocks noGrp="1"/>
           </p:cNvSpPr>
@@ -3018,18 +2602,12 @@
           <a:p>
             <a:fld id="{9A1E4711-60B3-4FAF-9C2A-54CAF9E6D181}" type="slidenum">
               <a:rPr lang="en-IN" smtClean="0"/>
-              <a:t>‹#›</a:t>
             </a:fld>
             <a:endParaRPr lang="en-IN"/>
           </a:p>
         </p:txBody>
       </p:sp>
     </p:spTree>
-    <p:extLst>
-      <p:ext uri="{BB962C8B-B14F-4D97-AF65-F5344CB8AC3E}">
-        <p14:creationId xmlns:p14="http://schemas.microsoft.com/office/powerpoint/2010/main" val="3161105914"/>
-      </p:ext>
-    </p:extLst>
   </p:cSld>
   <p:clrMap bg1="lt1" tx1="dk1" bg2="lt2" tx2="dk2" accent1="accent1" accent2="accent2" accent3="accent3" accent4="accent4" accent5="accent5" accent6="accent6" hlink="hlink" folHlink="folHlink"/>
   <p:sldLayoutIdLst>
@@ -3347,13 +2925,7 @@
       </p:grpSpPr>
       <p:sp>
         <p:nvSpPr>
-          <p:cNvPr id="2" name="Title 1">
-            <a:extLst>
-              <a:ext uri="{FF2B5EF4-FFF2-40B4-BE49-F238E27FC236}">
-                <a16:creationId xmlns:a16="http://schemas.microsoft.com/office/drawing/2014/main" id="{E9CB477F-AA47-4BB7-8CEA-C52AAA757676}"/>
-              </a:ext>
-            </a:extLst>
-          </p:cNvPr>
+          <p:cNvPr id="2" name="Title 1"/>
           <p:cNvSpPr>
             <a:spLocks noGrp="1"/>
           </p:cNvSpPr>
@@ -3372,13 +2944,7 @@
       </p:sp>
       <p:sp>
         <p:nvSpPr>
-          <p:cNvPr id="3" name="Subtitle 2">
-            <a:extLst>
-              <a:ext uri="{FF2B5EF4-FFF2-40B4-BE49-F238E27FC236}">
-                <a16:creationId xmlns:a16="http://schemas.microsoft.com/office/drawing/2014/main" id="{79870868-D779-4881-BA46-7F5E98FE979A}"/>
-              </a:ext>
-            </a:extLst>
-          </p:cNvPr>
+          <p:cNvPr id="3" name="Subtitle 2"/>
           <p:cNvSpPr>
             <a:spLocks noGrp="1"/>
           </p:cNvSpPr>
@@ -3396,11 +2962,6 @@
         </p:txBody>
       </p:sp>
     </p:spTree>
-    <p:extLst>
-      <p:ext uri="{BB962C8B-B14F-4D97-AF65-F5344CB8AC3E}">
-        <p14:creationId xmlns:p14="http://schemas.microsoft.com/office/powerpoint/2010/main" val="4126359060"/>
-      </p:ext>
-    </p:extLst>
   </p:cSld>
   <p:clrMapOvr>
     <a:masterClrMapping/>
@@ -3427,24 +2988,23 @@
       </p:grpSpPr>
       <p:sp>
         <p:nvSpPr>
-          <p:cNvPr id="2" name="TextBox 1">
-            <a:extLst>
-              <a:ext uri="{FF2B5EF4-FFF2-40B4-BE49-F238E27FC236}">
-                <a16:creationId xmlns:a16="http://schemas.microsoft.com/office/drawing/2014/main" id="{767FEA16-EE2D-41FA-AFF3-96C6385E3245}"/>
-              </a:ext>
-            </a:extLst>
-          </p:cNvPr>
+          <p:cNvPr id="2" name="TextBox 1"/>
           <p:cNvSpPr txBox="1"/>
           <p:nvPr/>
         </p:nvSpPr>
         <p:spPr>
           <a:xfrm>
             <a:off x="0" y="0"/>
-            <a:ext cx="5988050" cy="10310515"/>
+            <a:ext cx="6090285" cy="6708775"/>
           </a:xfrm>
           <a:prstGeom prst="rect">
             <a:avLst/>
           </a:prstGeom>
+          <a:ln>
+            <a:solidFill>
+              <a:schemeClr val="bg1"/>
+            </a:solidFill>
+          </a:ln>
         </p:spPr>
         <p:style>
           <a:lnRef idx="2">
@@ -3495,6 +3055,31 @@
               </a:rPr>
               <a:t>SOLUTION PROTOTYPE</a:t>
             </a:r>
+            <a:endParaRPr lang="en-IN" sz="2000" b="1" i="1" dirty="0">
+              <a:ln w="0"/>
+              <a:gradFill>
+                <a:gsLst>
+                  <a:gs pos="0">
+                    <a:schemeClr val="accent5">
+                      <a:lumMod val="50000"/>
+                    </a:schemeClr>
+                  </a:gs>
+                  <a:gs pos="50000">
+                    <a:schemeClr val="accent5"/>
+                  </a:gs>
+                  <a:gs pos="100000">
+                    <a:schemeClr val="accent5">
+                      <a:lumMod val="60000"/>
+                      <a:lumOff val="40000"/>
+                    </a:schemeClr>
+                  </a:gs>
+                </a:gsLst>
+                <a:lin ang="5400000"/>
+              </a:gradFill>
+              <a:effectLst>
+                <a:reflection blurRad="6350" stA="53000" endA="300" endPos="35500" dir="5400000" sy="-90000" algn="bl" rotWithShape="0"/>
+              </a:effectLst>
+            </a:endParaRPr>
           </a:p>
           <a:p>
             <a:pPr algn="ctr"/>
@@ -3506,9 +3091,41 @@
               <a:buChar char="ü"/>
             </a:pPr>
             <a:r>
+              <a:rPr lang="en-IN" sz="1600" dirty="0">
+                <a:ln w="12700">
+                  <a:solidFill>
+                    <a:schemeClr val="accent3">
+                      <a:lumMod val="50000"/>
+                    </a:schemeClr>
+                  </a:solidFill>
+                  <a:prstDash val="solid"/>
+                </a:ln>
+                <a:pattFill prst="narHorz">
+                  <a:fgClr>
+                    <a:schemeClr val="accent3"/>
+                  </a:fgClr>
+                  <a:bgClr>
+                    <a:schemeClr val="accent3">
+                      <a:lumMod val="40000"/>
+                      <a:lumOff val="60000"/>
+                    </a:schemeClr>
+                  </a:bgClr>
+                </a:pattFill>
+                <a:effectLst>
+                  <a:innerShdw blurRad="177800">
+                    <a:schemeClr val="accent3">
+                      <a:lumMod val="50000"/>
+                    </a:schemeClr>
+                  </a:innerShdw>
+                </a:effectLst>
+              </a:rPr>
+              <a:t>Multilingual SMS and Call System </a:t>
+            </a:r>
+            <a:r>
               <a:rPr lang="en-IN" sz="1600" dirty="0"/>
-              <a:t>Multilingual SMS and Call System for illiterate farmers to insert/edit/upload products &amp; Multilingual portal also available.</a:t>
-            </a:r>
+              <a:t>for illiterate farmers to insert/edit/upload products &amp; Multilingual portal also available.</a:t>
+            </a:r>
+            <a:endParaRPr lang="en-IN" sz="1600" dirty="0"/>
           </a:p>
           <a:p>
             <a:pPr marL="285750" indent="-285750">
@@ -3523,9 +3140,41 @@
               <a:buChar char="ü"/>
             </a:pPr>
             <a:r>
+              <a:rPr lang="en-IN" sz="1600" dirty="0">
+                <a:ln w="12700">
+                  <a:solidFill>
+                    <a:schemeClr val="accent3">
+                      <a:lumMod val="50000"/>
+                    </a:schemeClr>
+                  </a:solidFill>
+                  <a:prstDash val="solid"/>
+                </a:ln>
+                <a:pattFill prst="narHorz">
+                  <a:fgClr>
+                    <a:schemeClr val="accent3"/>
+                  </a:fgClr>
+                  <a:bgClr>
+                    <a:schemeClr val="accent3">
+                      <a:lumMod val="40000"/>
+                      <a:lumOff val="60000"/>
+                    </a:schemeClr>
+                  </a:bgClr>
+                </a:pattFill>
+                <a:effectLst>
+                  <a:innerShdw blurRad="177800">
+                    <a:schemeClr val="accent3">
+                      <a:lumMod val="50000"/>
+                    </a:schemeClr>
+                  </a:innerShdw>
+                </a:effectLst>
+              </a:rPr>
+              <a:t>Minimum selling price </a:t>
+            </a:r>
+            <a:r>
               <a:rPr lang="en-IN" sz="1600" dirty="0"/>
-              <a:t>Minimum selling price will be made visible to farmers for rough estimate to enter price of product.</a:t>
-            </a:r>
+              <a:t>will be made visible to farmers for rough estimate to enter price of product.</a:t>
+            </a:r>
+            <a:endParaRPr lang="en-IN" sz="1600" dirty="0"/>
           </a:p>
           <a:p>
             <a:pPr marL="285750" indent="-285750">
@@ -3541,8 +3190,44 @@
             </a:pPr>
             <a:r>
               <a:rPr lang="en-IN" sz="1600" dirty="0"/>
-              <a:t>Buyer can order from all over India, so if scarcity of a product arises, the buyer will be suggested of locations near to him, where the product is available.</a:t>
-            </a:r>
+              <a:t>Buyer can order from all over India, so if</a:t>
+            </a:r>
+            <a:r>
+              <a:rPr lang="en-IN" sz="1600" dirty="0">
+                <a:ln w="12700">
+                  <a:solidFill>
+                    <a:schemeClr val="accent3">
+                      <a:lumMod val="50000"/>
+                    </a:schemeClr>
+                  </a:solidFill>
+                  <a:prstDash val="solid"/>
+                </a:ln>
+                <a:pattFill prst="narHorz">
+                  <a:fgClr>
+                    <a:schemeClr val="accent3"/>
+                  </a:fgClr>
+                  <a:bgClr>
+                    <a:schemeClr val="accent3">
+                      <a:lumMod val="40000"/>
+                      <a:lumOff val="60000"/>
+                    </a:schemeClr>
+                  </a:bgClr>
+                </a:pattFill>
+                <a:effectLst>
+                  <a:innerShdw blurRad="177800">
+                    <a:schemeClr val="accent3">
+                      <a:lumMod val="50000"/>
+                    </a:schemeClr>
+                  </a:innerShdw>
+                </a:effectLst>
+              </a:rPr>
+              <a:t> scarcity of a product</a:t>
+            </a:r>
+            <a:r>
+              <a:rPr lang="en-IN" sz="1600" dirty="0"/>
+              <a:t> arises, the buyer will be suggested of locations near to him, where the product is available.</a:t>
+            </a:r>
+            <a:endParaRPr lang="en-IN" sz="1600" dirty="0"/>
           </a:p>
           <a:p>
             <a:pPr marL="285750" indent="-285750">
@@ -3557,9 +3242,41 @@
               <a:buChar char="ü"/>
             </a:pPr>
             <a:r>
+              <a:rPr lang="en-IN" sz="1600" dirty="0">
+                <a:ln w="12700">
+                  <a:solidFill>
+                    <a:schemeClr val="accent3">
+                      <a:lumMod val="50000"/>
+                    </a:schemeClr>
+                  </a:solidFill>
+                  <a:prstDash val="solid"/>
+                </a:ln>
+                <a:pattFill prst="narHorz">
+                  <a:fgClr>
+                    <a:schemeClr val="accent3"/>
+                  </a:fgClr>
+                  <a:bgClr>
+                    <a:schemeClr val="accent3">
+                      <a:lumMod val="40000"/>
+                      <a:lumOff val="60000"/>
+                    </a:schemeClr>
+                  </a:bgClr>
+                </a:pattFill>
+                <a:effectLst>
+                  <a:innerShdw blurRad="177800">
+                    <a:schemeClr val="accent3">
+                      <a:lumMod val="50000"/>
+                    </a:schemeClr>
+                  </a:innerShdw>
+                </a:effectLst>
+              </a:rPr>
+              <a:t> Filter </a:t>
+            </a:r>
+            <a:r>
               <a:rPr lang="en-IN" sz="1600" dirty="0"/>
-              <a:t> Filter system(filter by price and location).</a:t>
-            </a:r>
+              <a:t>system(filter by price and location).</a:t>
+            </a:r>
+            <a:endParaRPr lang="en-IN" sz="1600" dirty="0"/>
           </a:p>
           <a:p>
             <a:pPr marL="285750" indent="-285750">
@@ -3574,9 +3291,76 @@
               <a:buChar char="ü"/>
             </a:pPr>
             <a:r>
+              <a:rPr lang="en-IN" sz="1600" dirty="0">
+                <a:ln w="12700">
+                  <a:solidFill>
+                    <a:schemeClr val="accent3">
+                      <a:lumMod val="50000"/>
+                    </a:schemeClr>
+                  </a:solidFill>
+                  <a:prstDash val="solid"/>
+                </a:ln>
+                <a:pattFill prst="narHorz">
+                  <a:fgClr>
+                    <a:schemeClr val="accent3"/>
+                  </a:fgClr>
+                  <a:bgClr>
+                    <a:schemeClr val="accent3">
+                      <a:lumMod val="40000"/>
+                      <a:lumOff val="60000"/>
+                    </a:schemeClr>
+                  </a:bgClr>
+                </a:pattFill>
+                <a:effectLst>
+                  <a:innerShdw blurRad="177800">
+                    <a:schemeClr val="accent3">
+                      <a:lumMod val="50000"/>
+                    </a:schemeClr>
+                  </a:innerShdw>
+                </a:effectLst>
+              </a:rPr>
+              <a:t>Review </a:t>
+            </a:r>
+            <a:r>
               <a:rPr lang="en-IN" sz="1600" dirty="0"/>
-              <a:t>Review system &amp; Reporting system(verification team will respond, guilty farmer will be penalised and buyer, compensated.</a:t>
-            </a:r>
+              <a:t>system &amp;</a:t>
+            </a:r>
+            <a:r>
+              <a:rPr lang="en-IN" sz="1600" dirty="0">
+                <a:ln w="12700">
+                  <a:solidFill>
+                    <a:schemeClr val="accent3">
+                      <a:lumMod val="50000"/>
+                    </a:schemeClr>
+                  </a:solidFill>
+                  <a:prstDash val="solid"/>
+                </a:ln>
+                <a:pattFill prst="narHorz">
+                  <a:fgClr>
+                    <a:schemeClr val="accent3"/>
+                  </a:fgClr>
+                  <a:bgClr>
+                    <a:schemeClr val="accent3">
+                      <a:lumMod val="40000"/>
+                      <a:lumOff val="60000"/>
+                    </a:schemeClr>
+                  </a:bgClr>
+                </a:pattFill>
+                <a:effectLst>
+                  <a:innerShdw blurRad="177800">
+                    <a:schemeClr val="accent3">
+                      <a:lumMod val="50000"/>
+                    </a:schemeClr>
+                  </a:innerShdw>
+                </a:effectLst>
+              </a:rPr>
+              <a:t> Reporting</a:t>
+            </a:r>
+            <a:r>
+              <a:rPr lang="en-IN" sz="1600" dirty="0"/>
+              <a:t> system(verification team will respond, guilty farmer will be penalised and buyer, compensated.</a:t>
+            </a:r>
+            <a:endParaRPr lang="en-IN" sz="1600" dirty="0"/>
           </a:p>
           <a:p>
             <a:pPr marL="285750" indent="-285750">
@@ -3591,9 +3375,41 @@
               <a:buChar char="ü"/>
             </a:pPr>
             <a:r>
+              <a:rPr lang="en-IN" sz="1600" dirty="0">
+                <a:ln w="12700">
+                  <a:solidFill>
+                    <a:schemeClr val="accent3">
+                      <a:lumMod val="50000"/>
+                    </a:schemeClr>
+                  </a:solidFill>
+                  <a:prstDash val="solid"/>
+                </a:ln>
+                <a:pattFill prst="narHorz">
+                  <a:fgClr>
+                    <a:schemeClr val="accent3"/>
+                  </a:fgClr>
+                  <a:bgClr>
+                    <a:schemeClr val="accent3">
+                      <a:lumMod val="40000"/>
+                      <a:lumOff val="60000"/>
+                    </a:schemeClr>
+                  </a:bgClr>
+                </a:pattFill>
+                <a:effectLst>
+                  <a:innerShdw blurRad="177800">
+                    <a:schemeClr val="accent3">
+                      <a:lumMod val="50000"/>
+                    </a:schemeClr>
+                  </a:innerShdw>
+                </a:effectLst>
+              </a:rPr>
+              <a:t>Bestseller </a:t>
+            </a:r>
+            <a:r>
               <a:rPr lang="en-IN" sz="1600" dirty="0"/>
-              <a:t>Bestseller feature.</a:t>
-            </a:r>
+              <a:t>feature.</a:t>
+            </a:r>
+            <a:endParaRPr lang="en-IN" sz="1600" dirty="0"/>
           </a:p>
           <a:p>
             <a:pPr marL="285750" indent="-285750">
@@ -3608,9 +3424,41 @@
               <a:buChar char="ü"/>
             </a:pPr>
             <a:r>
+              <a:rPr lang="en-IN" sz="1600" dirty="0">
+                <a:ln w="12700">
+                  <a:solidFill>
+                    <a:schemeClr val="accent3">
+                      <a:lumMod val="50000"/>
+                    </a:schemeClr>
+                  </a:solidFill>
+                  <a:prstDash val="solid"/>
+                </a:ln>
+                <a:pattFill prst="narHorz">
+                  <a:fgClr>
+                    <a:schemeClr val="accent3"/>
+                  </a:fgClr>
+                  <a:bgClr>
+                    <a:schemeClr val="accent3">
+                      <a:lumMod val="40000"/>
+                      <a:lumOff val="60000"/>
+                    </a:schemeClr>
+                  </a:bgClr>
+                </a:pattFill>
+                <a:effectLst>
+                  <a:innerShdw blurRad="177800">
+                    <a:schemeClr val="accent3">
+                      <a:lumMod val="50000"/>
+                    </a:schemeClr>
+                  </a:innerShdw>
+                </a:effectLst>
+              </a:rPr>
+              <a:t>Subscription</a:t>
+            </a:r>
+            <a:r>
               <a:rPr lang="en-IN" sz="1600" dirty="0"/>
-              <a:t>Subscription feature. (Order once, product will  be delivered for the specified duration). Government warehouses available for storage. </a:t>
-            </a:r>
+              <a:t> feature. (Order once, product will  be delivered for the specified duration). Government warehouses available for storage. </a:t>
+            </a:r>
+            <a:endParaRPr lang="en-IN" sz="1600" dirty="0"/>
           </a:p>
           <a:p>
             <a:pPr marL="285750" indent="-285750">
@@ -3625,9 +3473,41 @@
               <a:buChar char="ü"/>
             </a:pPr>
             <a:r>
+              <a:rPr lang="en-IN" sz="1600" dirty="0">
+                <a:ln w="12700">
+                  <a:solidFill>
+                    <a:schemeClr val="accent3">
+                      <a:lumMod val="50000"/>
+                    </a:schemeClr>
+                  </a:solidFill>
+                  <a:prstDash val="solid"/>
+                </a:ln>
+                <a:pattFill prst="narHorz">
+                  <a:fgClr>
+                    <a:schemeClr val="accent3"/>
+                  </a:fgClr>
+                  <a:bgClr>
+                    <a:schemeClr val="accent3">
+                      <a:lumMod val="40000"/>
+                      <a:lumOff val="60000"/>
+                    </a:schemeClr>
+                  </a:bgClr>
+                </a:pattFill>
+                <a:effectLst>
+                  <a:innerShdw blurRad="177800">
+                    <a:schemeClr val="accent3">
+                      <a:lumMod val="50000"/>
+                    </a:schemeClr>
+                  </a:innerShdw>
+                </a:effectLst>
+              </a:rPr>
+              <a:t>Bookmark </a:t>
+            </a:r>
+            <a:r>
               <a:rPr lang="en-IN" sz="1600" dirty="0"/>
-              <a:t>Bookmark system (buyer prefers a farmer, he will be notified every time the farmer uploads).</a:t>
-            </a:r>
+              <a:t>system (buyer prefers a farmer, he will be notified every time the farmer uploads).</a:t>
+            </a:r>
+            <a:endParaRPr lang="en-IN" sz="1600" dirty="0"/>
           </a:p>
           <a:p>
             <a:pPr marL="285750" indent="-285750">
@@ -3638,112 +3518,62 @@
           </a:p>
           <a:p>
             <a:pPr marL="285750" indent="-285750">
-              <a:buFont typeface="Wingdings" panose="05000000000000000000" pitchFamily="2" charset="2"/>
+              <a:buFont typeface="Wingdings" panose="05000000000000000000" charset="0"/>
               <a:buChar char="ü"/>
             </a:pPr>
             <a:r>
               <a:rPr lang="en-IN" sz="1600" dirty="0"/>
-              <a:t>For packaging delivery, local transportation services, courier services and Indian postal(rural areas covered) will be integrated. </a:t>
-            </a:r>
-          </a:p>
-          <a:p>
-            <a:pPr marL="285750" indent="-285750">
-              <a:buFont typeface="Wingdings" panose="05000000000000000000" pitchFamily="2" charset="2"/>
-              <a:buChar char="ü"/>
-            </a:pPr>
-            <a:endParaRPr lang="en-IN" dirty="0"/>
-          </a:p>
-          <a:p>
-            <a:pPr marL="285750" indent="-285750">
-              <a:buFont typeface="Wingdings" panose="05000000000000000000" pitchFamily="2" charset="2"/>
-              <a:buChar char="ü"/>
-            </a:pPr>
-            <a:endParaRPr lang="en-IN" dirty="0"/>
-          </a:p>
-          <a:p>
-            <a:endParaRPr lang="en-IN" dirty="0"/>
-          </a:p>
-          <a:p>
-            <a:pPr marL="285750" indent="-285750">
-              <a:buFont typeface="Wingdings" panose="05000000000000000000" pitchFamily="2" charset="2"/>
-              <a:buChar char="ü"/>
-            </a:pPr>
-            <a:endParaRPr lang="en-IN" dirty="0"/>
-          </a:p>
-          <a:p>
-            <a:pPr marL="285750" indent="-285750">
-              <a:buFont typeface="Wingdings" panose="05000000000000000000" pitchFamily="2" charset="2"/>
-              <a:buChar char="ü"/>
-            </a:pPr>
-            <a:endParaRPr lang="en-IN" dirty="0"/>
-          </a:p>
-          <a:p>
-            <a:pPr marL="285750" indent="-285750">
-              <a:buFont typeface="Wingdings" panose="05000000000000000000" pitchFamily="2" charset="2"/>
-              <a:buChar char="ü"/>
-            </a:pPr>
-            <a:endParaRPr lang="en-IN" dirty="0"/>
-          </a:p>
-          <a:p>
-            <a:pPr marL="285750" indent="-285750">
-              <a:buFont typeface="Wingdings" panose="05000000000000000000" pitchFamily="2" charset="2"/>
-              <a:buChar char="ü"/>
-            </a:pPr>
-            <a:endParaRPr lang="en-IN" dirty="0"/>
-          </a:p>
-          <a:p>
-            <a:pPr marL="285750" indent="-285750">
-              <a:buFont typeface="Wingdings" panose="05000000000000000000" pitchFamily="2" charset="2"/>
-              <a:buChar char="ü"/>
-            </a:pPr>
-            <a:endParaRPr lang="en-IN" dirty="0"/>
-          </a:p>
-          <a:p>
-            <a:pPr marL="285750" indent="-285750">
-              <a:buFont typeface="Wingdings" panose="05000000000000000000" pitchFamily="2" charset="2"/>
-              <a:buChar char="ü"/>
-            </a:pPr>
-            <a:endParaRPr lang="en-IN" dirty="0"/>
-          </a:p>
-          <a:p>
-            <a:pPr marL="285750" indent="-285750">
-              <a:buFont typeface="Wingdings" panose="05000000000000000000" pitchFamily="2" charset="2"/>
-              <a:buChar char="ü"/>
-            </a:pPr>
-            <a:endParaRPr lang="en-IN" dirty="0"/>
-          </a:p>
-          <a:p>
-            <a:pPr marL="285750" indent="-285750">
-              <a:buFont typeface="Wingdings" panose="05000000000000000000" pitchFamily="2" charset="2"/>
-              <a:buChar char="ü"/>
-            </a:pPr>
-            <a:endParaRPr lang="en-IN" dirty="0"/>
-          </a:p>
-          <a:p>
-            <a:pPr marL="285750" indent="-285750">
-              <a:buFont typeface="Wingdings" panose="05000000000000000000" pitchFamily="2" charset="2"/>
-              <a:buChar char="ü"/>
-            </a:pPr>
+              <a:t>For packaging &amp; delivery, </a:t>
+            </a:r>
+            <a:r>
+              <a:rPr lang="en-IN" sz="1600" dirty="0">
+                <a:ln w="12700">
+                  <a:solidFill>
+                    <a:schemeClr val="accent3">
+                      <a:lumMod val="50000"/>
+                    </a:schemeClr>
+                  </a:solidFill>
+                  <a:prstDash val="solid"/>
+                </a:ln>
+                <a:pattFill prst="narHorz">
+                  <a:fgClr>
+                    <a:schemeClr val="accent3"/>
+                  </a:fgClr>
+                  <a:bgClr>
+                    <a:schemeClr val="accent3">
+                      <a:lumMod val="40000"/>
+                      <a:lumOff val="60000"/>
+                    </a:schemeClr>
+                  </a:bgClr>
+                </a:pattFill>
+                <a:effectLst>
+                  <a:innerShdw blurRad="177800">
+                    <a:schemeClr val="accent3">
+                      <a:lumMod val="50000"/>
+                    </a:schemeClr>
+                  </a:innerShdw>
+                </a:effectLst>
+              </a:rPr>
+              <a:t>local transportation services, courier services and Indian postal</a:t>
+            </a:r>
+            <a:r>
+              <a:rPr lang="en-IN" sz="1600" dirty="0"/>
+              <a:t>(rural areas covered) will be integrated.</a:t>
+            </a:r>
             <a:endParaRPr lang="en-IN" dirty="0"/>
           </a:p>
         </p:txBody>
       </p:sp>
       <p:pic>
         <p:nvPicPr>
-          <p:cNvPr id="4" name="Picture 3">
-            <a:extLst>
-              <a:ext uri="{FF2B5EF4-FFF2-40B4-BE49-F238E27FC236}">
-                <a16:creationId xmlns:a16="http://schemas.microsoft.com/office/drawing/2014/main" id="{BCB8E595-8CCF-4725-9957-7EC70AA37330}"/>
-              </a:ext>
-            </a:extLst>
-          </p:cNvPr>
+          <p:cNvPr id="4" name="Picture 3"/>
           <p:cNvPicPr>
             <a:picLocks noChangeAspect="1"/>
           </p:cNvPicPr>
           <p:nvPr/>
         </p:nvPicPr>
         <p:blipFill>
-          <a:blip r:embed="rId2">
+          <a:blip r:embed="rId1">
             <a:extLst>
               <a:ext uri="{28A0092B-C50C-407E-A947-70E740481C1C}">
                 <a14:useLocalDpi xmlns:a14="http://schemas.microsoft.com/office/drawing/2010/main" val="0"/>
@@ -3766,20 +3596,14 @@
       </p:pic>
       <p:sp>
         <p:nvSpPr>
-          <p:cNvPr id="9" name="TextBox 8">
-            <a:extLst>
-              <a:ext uri="{FF2B5EF4-FFF2-40B4-BE49-F238E27FC236}">
-                <a16:creationId xmlns:a16="http://schemas.microsoft.com/office/drawing/2014/main" id="{1FF2B551-C98A-49A1-9C5C-7C4FB7C501F0}"/>
-              </a:ext>
-            </a:extLst>
-          </p:cNvPr>
+          <p:cNvPr id="9" name="TextBox 8"/>
           <p:cNvSpPr txBox="1"/>
           <p:nvPr/>
         </p:nvSpPr>
         <p:spPr>
           <a:xfrm>
             <a:off x="6091237" y="4094008"/>
-            <a:ext cx="5988050" cy="3323987"/>
+            <a:ext cx="5988050" cy="3322955"/>
           </a:xfrm>
           <a:prstGeom prst="rect">
             <a:avLst/>
@@ -3821,6 +3645,31 @@
               </a:rPr>
               <a:t>TECHNOLOGY STACK</a:t>
             </a:r>
+            <a:endParaRPr lang="en-IN" sz="2000" b="1" dirty="0">
+              <a:ln w="0"/>
+              <a:gradFill>
+                <a:gsLst>
+                  <a:gs pos="0">
+                    <a:schemeClr val="accent5">
+                      <a:lumMod val="50000"/>
+                    </a:schemeClr>
+                  </a:gs>
+                  <a:gs pos="50000">
+                    <a:schemeClr val="accent5"/>
+                  </a:gs>
+                  <a:gs pos="100000">
+                    <a:schemeClr val="accent5">
+                      <a:lumMod val="60000"/>
+                      <a:lumOff val="40000"/>
+                    </a:schemeClr>
+                  </a:gs>
+                </a:gsLst>
+                <a:lin ang="5400000"/>
+              </a:gradFill>
+              <a:effectLst>
+                <a:reflection blurRad="6350" stA="53000" endA="300" endPos="35500" dir="5400000" sy="-90000" algn="bl" rotWithShape="0"/>
+              </a:effectLst>
+            </a:endParaRPr>
           </a:p>
           <a:p>
             <a:pPr algn="ctr"/>
@@ -3828,12 +3677,43 @@
           </a:p>
           <a:p>
             <a:pPr marL="285750" indent="-285750">
-              <a:buFont typeface="Arial" panose="020B0604020202020204" pitchFamily="34" charset="0"/>
-              <a:buChar char="•"/>
+              <a:buFont typeface="Wingdings" panose="05000000000000000000" charset="0"/>
+              <a:buChar char="§"/>
             </a:pPr>
             <a:r>
+              <a:rPr lang="en-IN" dirty="0">
+                <a:ln w="12700">
+                  <a:solidFill>
+                    <a:schemeClr val="accent3">
+                      <a:lumMod val="50000"/>
+                    </a:schemeClr>
+                  </a:solidFill>
+                  <a:prstDash val="solid"/>
+                </a:ln>
+                <a:pattFill prst="narHorz">
+                  <a:fgClr>
+                    <a:schemeClr val="accent3"/>
+                  </a:fgClr>
+                  <a:bgClr>
+                    <a:schemeClr val="accent3">
+                      <a:lumMod val="40000"/>
+                      <a:lumOff val="60000"/>
+                    </a:schemeClr>
+                  </a:bgClr>
+                </a:pattFill>
+                <a:effectLst>
+                  <a:innerShdw blurRad="177800">
+                    <a:schemeClr val="accent3">
+                      <a:lumMod val="50000"/>
+                    </a:schemeClr>
+                  </a:innerShdw>
+                </a:effectLst>
+              </a:rPr>
+              <a:t>Web Technology :</a:t>
+            </a:r>
+            <a:r>
               <a:rPr lang="en-IN" dirty="0"/>
-              <a:t>Web Technology: - HTML, CSS, JavaScript, AJAX, Bootstrap , Django and </a:t>
+              <a:t> HTML, CSS, JavaScript, AJAX, Bootstrap , Django and </a:t>
             </a:r>
             <a:r>
               <a:rPr lang="en-IN" dirty="0" err="1"/>
@@ -3843,51 +3723,186 @@
               <a:rPr lang="en-IN" dirty="0"/>
               <a:t>  .</a:t>
             </a:r>
+            <a:endParaRPr lang="en-IN" dirty="0"/>
           </a:p>
           <a:p>
             <a:pPr marL="285750" indent="-285750">
-              <a:buFont typeface="Arial" panose="020B0604020202020204" pitchFamily="34" charset="0"/>
-              <a:buChar char="•"/>
+              <a:buFont typeface="Wingdings" panose="05000000000000000000" charset="0"/>
+              <a:buChar char="§"/>
             </a:pPr>
             <a:r>
+              <a:rPr lang="en-IN" dirty="0">
+                <a:ln w="12700">
+                  <a:solidFill>
+                    <a:schemeClr val="accent3">
+                      <a:lumMod val="50000"/>
+                    </a:schemeClr>
+                  </a:solidFill>
+                  <a:prstDash val="solid"/>
+                </a:ln>
+                <a:pattFill prst="narHorz">
+                  <a:fgClr>
+                    <a:schemeClr val="accent3"/>
+                  </a:fgClr>
+                  <a:bgClr>
+                    <a:schemeClr val="accent3">
+                      <a:lumMod val="40000"/>
+                      <a:lumOff val="60000"/>
+                    </a:schemeClr>
+                  </a:bgClr>
+                </a:pattFill>
+                <a:effectLst>
+                  <a:innerShdw blurRad="177800">
+                    <a:schemeClr val="accent3">
+                      <a:lumMod val="50000"/>
+                    </a:schemeClr>
+                  </a:innerShdw>
+                </a:effectLst>
+              </a:rPr>
+              <a:t>Programming languages </a:t>
+            </a:r>
+            <a:r>
               <a:rPr lang="en-IN" dirty="0"/>
-              <a:t>Programming languages: - Python.</a:t>
-            </a:r>
+              <a:t>: - Python.</a:t>
+            </a:r>
+            <a:endParaRPr lang="en-IN" dirty="0"/>
           </a:p>
           <a:p>
             <a:pPr marL="285750" indent="-285750">
-              <a:buFont typeface="Arial" panose="020B0604020202020204" pitchFamily="34" charset="0"/>
-              <a:buChar char="•"/>
+              <a:buFont typeface="Wingdings" panose="05000000000000000000" charset="0"/>
+              <a:buChar char="§"/>
             </a:pPr>
             <a:r>
+              <a:rPr lang="en-IN" dirty="0">
+                <a:ln w="12700">
+                  <a:solidFill>
+                    <a:schemeClr val="accent3">
+                      <a:lumMod val="50000"/>
+                    </a:schemeClr>
+                  </a:solidFill>
+                  <a:prstDash val="solid"/>
+                </a:ln>
+                <a:pattFill prst="narHorz">
+                  <a:fgClr>
+                    <a:schemeClr val="accent3"/>
+                  </a:fgClr>
+                  <a:bgClr>
+                    <a:schemeClr val="accent3">
+                      <a:lumMod val="40000"/>
+                      <a:lumOff val="60000"/>
+                    </a:schemeClr>
+                  </a:bgClr>
+                </a:pattFill>
+                <a:effectLst>
+                  <a:innerShdw blurRad="177800">
+                    <a:schemeClr val="accent3">
+                      <a:lumMod val="50000"/>
+                    </a:schemeClr>
+                  </a:innerShdw>
+                </a:effectLst>
+              </a:rPr>
+              <a:t>Mobile Development </a:t>
+            </a:r>
+            <a:r>
               <a:rPr lang="en-IN" dirty="0"/>
-              <a:t>Mobile Development:-Android Studio, Android SDK and Jellybean version and above.</a:t>
-            </a:r>
+              <a:t>:-Android Studio, Android SDK and Jellybean version and above.</a:t>
+            </a:r>
+            <a:endParaRPr lang="en-IN" dirty="0"/>
           </a:p>
           <a:p>
             <a:pPr marL="285750" indent="-285750">
-              <a:buFont typeface="Arial" panose="020B0604020202020204" pitchFamily="34" charset="0"/>
-              <a:buChar char="•"/>
+              <a:buFont typeface="Wingdings" panose="05000000000000000000" charset="0"/>
+              <a:buChar char="§"/>
             </a:pPr>
+            <a:r>
+              <a:rPr lang="en-IN" dirty="0">
+                <a:ln w="12700">
+                  <a:solidFill>
+                    <a:schemeClr val="accent3">
+                      <a:lumMod val="50000"/>
+                    </a:schemeClr>
+                  </a:solidFill>
+                  <a:prstDash val="solid"/>
+                </a:ln>
+                <a:pattFill prst="narHorz">
+                  <a:fgClr>
+                    <a:schemeClr val="accent3"/>
+                  </a:fgClr>
+                  <a:bgClr>
+                    <a:schemeClr val="accent3">
+                      <a:lumMod val="40000"/>
+                      <a:lumOff val="60000"/>
+                    </a:schemeClr>
+                  </a:bgClr>
+                </a:pattFill>
+                <a:effectLst>
+                  <a:innerShdw blurRad="177800">
+                    <a:schemeClr val="accent3">
+                      <a:lumMod val="50000"/>
+                    </a:schemeClr>
+                  </a:innerShdw>
+                </a:effectLst>
+                <a:latin typeface="Calibri" panose="020F0502020204030204" pitchFamily="34" charset="0"/>
+                <a:cs typeface="Calibri" panose="020F0502020204030204" pitchFamily="34" charset="0"/>
+              </a:rPr>
+              <a:t>Backend Development </a:t>
+            </a:r>
             <a:r>
               <a:rPr lang="en-IN" dirty="0">
                 <a:latin typeface="Calibri" panose="020F0502020204030204" pitchFamily="34" charset="0"/>
                 <a:cs typeface="Calibri" panose="020F0502020204030204" pitchFamily="34" charset="0"/>
               </a:rPr>
-              <a:t>Backend Development: -MySQL Database and Firebase.</a:t>
-            </a:r>
+              <a:t>: -MySQL Database and Firebase.</a:t>
+            </a:r>
+            <a:endParaRPr lang="en-IN" dirty="0">
+              <a:latin typeface="Calibri" panose="020F0502020204030204" pitchFamily="34" charset="0"/>
+              <a:cs typeface="Calibri" panose="020F0502020204030204" pitchFamily="34" charset="0"/>
+            </a:endParaRPr>
           </a:p>
           <a:p>
             <a:pPr marL="285750" indent="-285750">
-              <a:buFont typeface="Arial" panose="020B0604020202020204" pitchFamily="34" charset="0"/>
-              <a:buChar char="•"/>
+              <a:buFont typeface="Wingdings" panose="05000000000000000000" charset="0"/>
+              <a:buChar char="§"/>
             </a:pPr>
+            <a:r>
+              <a:rPr lang="en-IN" dirty="0">
+                <a:ln w="12700">
+                  <a:solidFill>
+                    <a:schemeClr val="accent3">
+                      <a:lumMod val="50000"/>
+                    </a:schemeClr>
+                  </a:solidFill>
+                  <a:prstDash val="solid"/>
+                </a:ln>
+                <a:pattFill prst="narHorz">
+                  <a:fgClr>
+                    <a:schemeClr val="accent3"/>
+                  </a:fgClr>
+                  <a:bgClr>
+                    <a:schemeClr val="accent3">
+                      <a:lumMod val="40000"/>
+                      <a:lumOff val="60000"/>
+                    </a:schemeClr>
+                  </a:bgClr>
+                </a:pattFill>
+                <a:effectLst>
+                  <a:innerShdw blurRad="177800">
+                    <a:schemeClr val="accent3">
+                      <a:lumMod val="50000"/>
+                    </a:schemeClr>
+                  </a:innerShdw>
+                </a:effectLst>
+                <a:latin typeface="Calibri" panose="020F0502020204030204" pitchFamily="34" charset="0"/>
+                <a:cs typeface="Calibri" panose="020F0502020204030204" pitchFamily="34" charset="0"/>
+              </a:rPr>
+              <a:t>Modern Technology </a:t>
+            </a:r>
             <a:r>
               <a:rPr lang="en-IN" dirty="0">
                 <a:latin typeface="Calibri" panose="020F0502020204030204" pitchFamily="34" charset="0"/>
                 <a:cs typeface="Calibri" panose="020F0502020204030204" pitchFamily="34" charset="0"/>
               </a:rPr>
-              <a:t>Modern Technology:- Big Data , Data Analytics , Visualization, Machine learning .</a:t>
+              <a:t>:- Big Data , Data Analytics , Visualization, Machine learning .</a:t>
             </a:r>
             <a:endParaRPr lang="en-IN" b="1" u="sng" dirty="0"/>
           </a:p>
@@ -3909,13 +3924,7 @@
       </p:sp>
       <p:sp>
         <p:nvSpPr>
-          <p:cNvPr id="12" name="Rectangle 11">
-            <a:extLst>
-              <a:ext uri="{FF2B5EF4-FFF2-40B4-BE49-F238E27FC236}">
-                <a16:creationId xmlns:a16="http://schemas.microsoft.com/office/drawing/2014/main" id="{AD015861-C537-4181-9423-BBE4B6A5269C}"/>
-              </a:ext>
-            </a:extLst>
-          </p:cNvPr>
+          <p:cNvPr id="12" name="Rectangle 11"/>
           <p:cNvSpPr/>
           <p:nvPr/>
         </p:nvSpPr>
@@ -4020,11 +4029,6 @@
         </p:txBody>
       </p:sp>
     </p:spTree>
-    <p:extLst>
-      <p:ext uri="{BB962C8B-B14F-4D97-AF65-F5344CB8AC3E}">
-        <p14:creationId xmlns:p14="http://schemas.microsoft.com/office/powerpoint/2010/main" val="4214387058"/>
-      </p:ext>
-    </p:extLst>
   </p:cSld>
   <p:clrMapOvr>
     <a:masterClrMapping/>
@@ -4050,169 +4054,6 @@
         </a:xfrm>
       </p:grpSpPr>
     </p:spTree>
-    <p:extLst>
-      <p:ext uri="{BB962C8B-B14F-4D97-AF65-F5344CB8AC3E}">
-        <p14:creationId xmlns:p14="http://schemas.microsoft.com/office/powerpoint/2010/main" val="2284910053"/>
-      </p:ext>
-    </p:extLst>
-  </p:cSld>
-  <p:clrMapOvr>
-    <a:masterClrMapping/>
-  </p:clrMapOvr>
-</p:sld>
-</file>
-
-<file path=ppt/slides/slide4.xml><?xml version="1.0" encoding="utf-8"?>
-<p:sld xmlns:a="http://schemas.openxmlformats.org/drawingml/2006/main" xmlns:r="http://schemas.openxmlformats.org/officeDocument/2006/relationships" xmlns:p="http://schemas.openxmlformats.org/presentationml/2006/main">
-  <p:cSld>
-    <p:spTree>
-      <p:nvGrpSpPr>
-        <p:cNvPr id="1" name=""/>
-        <p:cNvGrpSpPr/>
-        <p:nvPr/>
-      </p:nvGrpSpPr>
-      <p:grpSpPr>
-        <a:xfrm>
-          <a:off x="0" y="0"/>
-          <a:ext cx="0" cy="0"/>
-          <a:chOff x="0" y="0"/>
-          <a:chExt cx="0" cy="0"/>
-        </a:xfrm>
-      </p:grpSpPr>
-      <p:sp>
-        <p:nvSpPr>
-          <p:cNvPr id="3" name="TextBox 2">
-            <a:extLst>
-              <a:ext uri="{FF2B5EF4-FFF2-40B4-BE49-F238E27FC236}">
-                <a16:creationId xmlns:a16="http://schemas.microsoft.com/office/drawing/2014/main" id="{9BCC5A41-1AD6-4D6B-9B38-49C0C6D3F4A2}"/>
-              </a:ext>
-            </a:extLst>
-          </p:cNvPr>
-          <p:cNvSpPr txBox="1"/>
-          <p:nvPr/>
-        </p:nvSpPr>
-        <p:spPr>
-          <a:xfrm>
-            <a:off x="0" y="0"/>
-            <a:ext cx="6334125" cy="6709529"/>
-          </a:xfrm>
-          <a:prstGeom prst="rect">
-            <a:avLst/>
-          </a:prstGeom>
-          <a:noFill/>
-        </p:spPr>
-        <p:txBody>
-          <a:bodyPr wrap="square" rtlCol="0">
-            <a:spAutoFit/>
-          </a:bodyPr>
-          <a:lstStyle/>
-          <a:p>
-            <a:r>
-              <a:rPr lang="en-IN" b="1" dirty="0"/>
-              <a:t>IDEA/PROTOTYPE.</a:t>
-            </a:r>
-          </a:p>
-          <a:p>
-            <a:pPr marL="285750" indent="-285750">
-              <a:buFont typeface="Wingdings" panose="05000000000000000000" pitchFamily="2" charset="2"/>
-              <a:buChar char="§"/>
-            </a:pPr>
-            <a:r>
-              <a:rPr lang="en-IN" sz="1700" dirty="0"/>
-              <a:t>Since 47% of our farmers are illiterate, the farmers can use the multilingual SMS and call system to upload/edit delete his product.</a:t>
-            </a:r>
-          </a:p>
-          <a:p>
-            <a:pPr marL="285750" indent="-285750">
-              <a:buFont typeface="Wingdings" panose="05000000000000000000" pitchFamily="2" charset="2"/>
-              <a:buChar char="§"/>
-            </a:pPr>
-            <a:r>
-              <a:rPr lang="en-IN" sz="1700" dirty="0"/>
-              <a:t>The farmer will be shown the MSP(minimum selling price) when he uploads the product, to give him an estimate rate.</a:t>
-            </a:r>
-          </a:p>
-          <a:p>
-            <a:pPr marL="285750" indent="-285750">
-              <a:buFont typeface="Wingdings" panose="05000000000000000000" pitchFamily="2" charset="2"/>
-              <a:buChar char="§"/>
-            </a:pPr>
-            <a:r>
-              <a:rPr lang="en-IN" sz="1700" dirty="0"/>
-              <a:t>The buyer will have products all over India at his disposal, and even if scarcity arises at some place, he will be suggested alternate locations where the product is available, closest to his vicinity.</a:t>
-            </a:r>
-          </a:p>
-          <a:p>
-            <a:pPr marL="285750" indent="-285750">
-              <a:buFont typeface="Wingdings" panose="05000000000000000000" pitchFamily="2" charset="2"/>
-              <a:buChar char="§"/>
-            </a:pPr>
-            <a:r>
-              <a:rPr lang="en-IN" sz="1700" dirty="0"/>
-              <a:t>The multilingual portal will provide the filter system(filter by price and location), review system, bestseller feature.</a:t>
-            </a:r>
-          </a:p>
-          <a:p>
-            <a:pPr marL="285750" indent="-285750">
-              <a:buFont typeface="Wingdings" panose="05000000000000000000" pitchFamily="2" charset="2"/>
-              <a:buChar char="§"/>
-            </a:pPr>
-            <a:r>
-              <a:rPr lang="en-IN" sz="1700" dirty="0"/>
-              <a:t>If the buyer needs a particular product frequently, he can use the Subscription feature, where he has to order the product only once and it will be delivered on the specified days for the specified duration and warehouses provided by government will be used</a:t>
-            </a:r>
-          </a:p>
-          <a:p>
-            <a:pPr marL="285750" indent="-285750">
-              <a:buFont typeface="Wingdings" panose="05000000000000000000" pitchFamily="2" charset="2"/>
-              <a:buChar char="§"/>
-            </a:pPr>
-            <a:r>
-              <a:rPr lang="en-IN" sz="1700" dirty="0"/>
-              <a:t>Reporting system- If a farmer is reported, the verification team will respond immediately and if the farmer is found guilty, the buyer will be recompensed from the penalty extracted from the farmer.</a:t>
-            </a:r>
-          </a:p>
-          <a:p>
-            <a:pPr marL="285750" indent="-285750">
-              <a:buFont typeface="Wingdings" panose="05000000000000000000" pitchFamily="2" charset="2"/>
-              <a:buChar char="§"/>
-            </a:pPr>
-            <a:r>
-              <a:rPr lang="en-IN" sz="1700" dirty="0"/>
-              <a:t>Bookmark system- If a buyer prefers a particular farmer, he can bookmark him,  so every time that farmer uploads, the product will be displayed to him on his homepage and if he chooses to receive notification, he will receive the same.</a:t>
-            </a:r>
-          </a:p>
-          <a:p>
-            <a:pPr marL="285750" indent="-285750">
-              <a:buFont typeface="Wingdings" panose="05000000000000000000" pitchFamily="2" charset="2"/>
-              <a:buChar char="§"/>
-            </a:pPr>
-            <a:endParaRPr lang="en-IN" dirty="0"/>
-          </a:p>
-          <a:p>
-            <a:pPr marL="285750" indent="-285750">
-              <a:buFont typeface="Wingdings" panose="05000000000000000000" pitchFamily="2" charset="2"/>
-              <a:buChar char="§"/>
-            </a:pPr>
-            <a:endParaRPr lang="en-IN" dirty="0"/>
-          </a:p>
-          <a:p>
-            <a:r>
-              <a:rPr lang="en-IN" dirty="0"/>
-              <a:t>                                                                                                                                                                                                                                                                                                                                                                                                                                                                                                                                                                                                                                                                                                                                                                          </a:t>
-            </a:r>
-          </a:p>
-          <a:p>
-            <a:endParaRPr lang="en-IN" dirty="0"/>
-          </a:p>
-        </p:txBody>
-      </p:sp>
-    </p:spTree>
-    <p:extLst>
-      <p:ext uri="{BB962C8B-B14F-4D97-AF65-F5344CB8AC3E}">
-        <p14:creationId xmlns:p14="http://schemas.microsoft.com/office/powerpoint/2010/main" val="3624635545"/>
-      </p:ext>
-    </p:extLst>
   </p:cSld>
   <p:clrMapOvr>
     <a:masterClrMapping/>
@@ -4263,7 +4104,7 @@
     </a:clrScheme>
     <a:fontScheme name="Office">
       <a:majorFont>
-        <a:latin typeface="Calibri Light" panose="020F0302020204030204"/>
+        <a:latin typeface="Calibri Light"/>
         <a:ea typeface=""/>
         <a:cs typeface=""/>
         <a:font script="Jpan" typeface="游ゴシック Light"/>
@@ -4296,26 +4137,9 @@
         <a:font script="Viet" typeface="Times New Roman"/>
         <a:font script="Uigh" typeface="Microsoft Uighur"/>
         <a:font script="Geor" typeface="Sylfaen"/>
-        <a:font script="Armn" typeface="Arial"/>
-        <a:font script="Bugi" typeface="Leelawadee UI"/>
-        <a:font script="Bopo" typeface="Microsoft JhengHei"/>
-        <a:font script="Java" typeface="Javanese Text"/>
-        <a:font script="Lisu" typeface="Segoe UI"/>
-        <a:font script="Mymr" typeface="Myanmar Text"/>
-        <a:font script="Nkoo" typeface="Ebrima"/>
-        <a:font script="Olck" typeface="Nirmala UI"/>
-        <a:font script="Osma" typeface="Ebrima"/>
-        <a:font script="Phag" typeface="Phagspa"/>
-        <a:font script="Syrn" typeface="Estrangelo Edessa"/>
-        <a:font script="Syrj" typeface="Estrangelo Edessa"/>
-        <a:font script="Syre" typeface="Estrangelo Edessa"/>
-        <a:font script="Sora" typeface="Nirmala UI"/>
-        <a:font script="Tale" typeface="Microsoft Tai Le"/>
-        <a:font script="Talu" typeface="Microsoft New Tai Lue"/>
-        <a:font script="Tfng" typeface="Ebrima"/>
       </a:majorFont>
       <a:minorFont>
-        <a:latin typeface="Calibri" panose="020F0502020204030204"/>
+        <a:latin typeface="Calibri"/>
         <a:ea typeface=""/>
         <a:cs typeface=""/>
         <a:font script="Jpan" typeface="游ゴシック"/>
@@ -4348,23 +4172,6 @@
         <a:font script="Viet" typeface="Arial"/>
         <a:font script="Uigh" typeface="Microsoft Uighur"/>
         <a:font script="Geor" typeface="Sylfaen"/>
-        <a:font script="Armn" typeface="Arial"/>
-        <a:font script="Bugi" typeface="Leelawadee UI"/>
-        <a:font script="Bopo" typeface="Microsoft JhengHei"/>
-        <a:font script="Java" typeface="Javanese Text"/>
-        <a:font script="Lisu" typeface="Segoe UI"/>
-        <a:font script="Mymr" typeface="Myanmar Text"/>
-        <a:font script="Nkoo" typeface="Ebrima"/>
-        <a:font script="Olck" typeface="Nirmala UI"/>
-        <a:font script="Osma" typeface="Ebrima"/>
-        <a:font script="Phag" typeface="Phagspa"/>
-        <a:font script="Syrn" typeface="Estrangelo Edessa"/>
-        <a:font script="Syrj" typeface="Estrangelo Edessa"/>
-        <a:font script="Syre" typeface="Estrangelo Edessa"/>
-        <a:font script="Sora" typeface="Nirmala UI"/>
-        <a:font script="Tale" typeface="Microsoft Tai Le"/>
-        <a:font script="Talu" typeface="Microsoft New Tai Lue"/>
-        <a:font script="Tfng" typeface="Ebrima"/>
       </a:minorFont>
     </a:fontScheme>
     <a:fmtScheme name="Office">
@@ -4505,8 +4312,6 @@
       </a:bgFillStyleLst>
     </a:fmtScheme>
   </a:themeElements>
-  <a:objectDefaults/>
-  <a:extraClrSchemeLst/>
   <a:extLst>
     <a:ext uri="{05A4C25C-085E-4340-85A3-A5531E510DB2}">
       <thm15:themeFamily xmlns:thm15="http://schemas.microsoft.com/office/thememl/2012/main" name="Office Theme" id="{62F939B6-93AF-4DB8-9C6B-D6C7DFDC589F}" vid="{4A3C46E8-61CC-4603-A589-7422A47A8E4A}"/>
